--- a/ppt/2강.pptx
+++ b/ppt/2강.pptx
@@ -249,7 +249,7 @@
           <a:p>
             <a:fld id="{43F25190-ED08-4FB6-9615-C10C6A31669A}" type="datetimeFigureOut">
               <a:rPr lang="ko-KR" altLang="en-US" smtClean="0"/>
-              <a:t>2019-04-07</a:t>
+              <a:t>2019-04-08</a:t>
             </a:fld>
             <a:endParaRPr lang="ko-KR" altLang="en-US"/>
           </a:p>
@@ -2491,7 +2491,7 @@
           <a:p>
             <a:fld id="{EC28EC2B-DE22-4D97-9FBE-8D0A9719F4AC}" type="datetimeFigureOut">
               <a:rPr lang="ko-KR" altLang="en-US" smtClean="0"/>
-              <a:t>2019-04-07</a:t>
+              <a:t>2019-04-08</a:t>
             </a:fld>
             <a:endParaRPr lang="ko-KR" altLang="en-US"/>
           </a:p>
@@ -3246,7 +3246,7 @@
           <a:p>
             <a:fld id="{EC28EC2B-DE22-4D97-9FBE-8D0A9719F4AC}" type="datetimeFigureOut">
               <a:rPr lang="ko-KR" altLang="en-US" smtClean="0"/>
-              <a:t>2019-04-07</a:t>
+              <a:t>2019-04-08</a:t>
             </a:fld>
             <a:endParaRPr lang="ko-KR" altLang="en-US"/>
           </a:p>
@@ -7601,8 +7601,8 @@
           </a:p>
         </p:txBody>
       </p:sp>
-      <mc:AlternateContent xmlns:mc="http://schemas.openxmlformats.org/markup-compatibility/2006">
-        <mc:Choice xmlns:a14="http://schemas.microsoft.com/office/drawing/2010/main" Requires="a14">
+      <mc:AlternateContent xmlns:mc="http://schemas.openxmlformats.org/markup-compatibility/2006" xmlns:a14="http://schemas.microsoft.com/office/drawing/2010/main">
+        <mc:Choice Requires="a14">
           <p:sp>
             <p:nvSpPr>
               <p:cNvPr id="12" name="TextBox 11">
@@ -7708,7 +7708,7 @@
             </p:txBody>
           </p:sp>
         </mc:Choice>
-        <mc:Fallback>
+        <mc:Fallback xmlns="">
           <p:sp>
             <p:nvSpPr>
               <p:cNvPr id="12" name="TextBox 11">
@@ -7753,8 +7753,8 @@
           </p:sp>
         </mc:Fallback>
       </mc:AlternateContent>
-      <mc:AlternateContent xmlns:mc="http://schemas.openxmlformats.org/markup-compatibility/2006">
-        <mc:Choice xmlns:a14="http://schemas.microsoft.com/office/drawing/2010/main" Requires="a14">
+      <mc:AlternateContent xmlns:mc="http://schemas.openxmlformats.org/markup-compatibility/2006" xmlns:a14="http://schemas.microsoft.com/office/drawing/2010/main">
+        <mc:Choice Requires="a14">
           <p:sp>
             <p:nvSpPr>
               <p:cNvPr id="16" name="TextBox 15">
@@ -7804,7 +7804,7 @@
             </p:txBody>
           </p:sp>
         </mc:Choice>
-        <mc:Fallback>
+        <mc:Fallback xmlns="">
           <p:sp>
             <p:nvSpPr>
               <p:cNvPr id="16" name="TextBox 15">
@@ -16091,8 +16091,8 @@
           </a:graphicData>
         </a:graphic>
       </p:graphicFrame>
-      <mc:AlternateContent xmlns:mc="http://schemas.openxmlformats.org/markup-compatibility/2006">
-        <mc:Choice xmlns:a14="http://schemas.microsoft.com/office/drawing/2010/main" Requires="a14">
+      <mc:AlternateContent xmlns:mc="http://schemas.openxmlformats.org/markup-compatibility/2006" xmlns:a14="http://schemas.microsoft.com/office/drawing/2010/main">
+        <mc:Choice Requires="a14">
           <p:sp>
             <p:nvSpPr>
               <p:cNvPr id="8" name="TextBox 7">
@@ -16170,7 +16170,7 @@
             </p:txBody>
           </p:sp>
         </mc:Choice>
-        <mc:Fallback>
+        <mc:Fallback xmlns="">
           <p:sp>
             <p:nvSpPr>
               <p:cNvPr id="8" name="TextBox 7">
@@ -21233,16 +21233,8 @@
           <a:lstStyle/>
           <a:p>
             <a:r>
-              <a:rPr lang="en-US" altLang="ko-KR" dirty="0"/>
-              <a:t>if</a:t>
-            </a:r>
-            <a:r>
-              <a:rPr lang="ko-KR" altLang="en-US" dirty="0"/>
-              <a:t> </a:t>
-            </a:r>
-            <a:r>
-              <a:rPr lang="en-US" altLang="ko-KR" dirty="0"/>
-              <a:t>- else</a:t>
+              <a:rPr lang="ko-KR" altLang="en-US" dirty="0" err="1"/>
+              <a:t>반복문</a:t>
             </a:r>
             <a:endParaRPr lang="ko-KR" altLang="en-US" dirty="0"/>
           </a:p>
@@ -21532,17 +21524,12 @@
           <a:p>
             <a:r>
               <a:rPr lang="en-US" altLang="ko-KR" dirty="0"/>
-              <a:t>if</a:t>
+              <a:t>for</a:t>
             </a:r>
             <a:r>
               <a:rPr lang="ko-KR" altLang="en-US" dirty="0"/>
-              <a:t> </a:t>
-            </a:r>
-            <a:r>
-              <a:rPr lang="en-US" altLang="ko-KR" dirty="0"/>
-              <a:t>- else</a:t>
-            </a:r>
-            <a:endParaRPr lang="ko-KR" altLang="en-US" dirty="0"/>
+              <a:t>문 활용</a:t>
+            </a:r>
           </a:p>
         </p:txBody>
       </p:sp>

--- a/ppt/2강.pptx
+++ b/ppt/2강.pptx
@@ -1403,7 +1403,7 @@
           <p:cNvPr id="7" name="그림 6">
             <a:extLst>
               <a:ext uri="{FF2B5EF4-FFF2-40B4-BE49-F238E27FC236}">
-                <a16:creationId xmlns:a16="http://schemas.microsoft.com/office/drawing/2014/main" id="{8A6F16AE-5C7F-4C39-9131-E235C6B6A612}"/>
+                <a16:creationId xmlns:a16="http://schemas.microsoft.com/office/drawing/2014/main" xmlns="" id="{8A6F16AE-5C7F-4C39-9131-E235C6B6A612}"/>
               </a:ext>
             </a:extLst>
           </p:cNvPr>
@@ -1439,7 +1439,7 @@
           <p:cNvPr id="8" name="TextBox 7">
             <a:extLst>
               <a:ext uri="{FF2B5EF4-FFF2-40B4-BE49-F238E27FC236}">
-                <a16:creationId xmlns:a16="http://schemas.microsoft.com/office/drawing/2014/main" id="{37D4568A-0455-46F9-8977-B1D6ECDCF84B}"/>
+                <a16:creationId xmlns:a16="http://schemas.microsoft.com/office/drawing/2014/main" xmlns="" id="{37D4568A-0455-46F9-8977-B1D6ECDCF84B}"/>
               </a:ext>
             </a:extLst>
           </p:cNvPr>
@@ -1488,7 +1488,7 @@
           <p:cNvPr id="10" name="Прямоугольный треугольник 11">
             <a:extLst>
               <a:ext uri="{FF2B5EF4-FFF2-40B4-BE49-F238E27FC236}">
-                <a16:creationId xmlns:a16="http://schemas.microsoft.com/office/drawing/2014/main" id="{A5B22DEB-55F9-4001-80EC-A4674BC4F5F6}"/>
+                <a16:creationId xmlns:a16="http://schemas.microsoft.com/office/drawing/2014/main" xmlns="" id="{A5B22DEB-55F9-4001-80EC-A4674BC4F5F6}"/>
               </a:ext>
             </a:extLst>
           </p:cNvPr>
@@ -1610,7 +1610,7 @@
           <p:cNvPr id="11" name="Параллелограмм 17">
             <a:extLst>
               <a:ext uri="{FF2B5EF4-FFF2-40B4-BE49-F238E27FC236}">
-                <a16:creationId xmlns:a16="http://schemas.microsoft.com/office/drawing/2014/main" id="{BA54AB6F-CC53-4E00-97E6-AA9FC3DC0C25}"/>
+                <a16:creationId xmlns:a16="http://schemas.microsoft.com/office/drawing/2014/main" xmlns="" id="{BA54AB6F-CC53-4E00-97E6-AA9FC3DC0C25}"/>
               </a:ext>
             </a:extLst>
           </p:cNvPr>
@@ -1762,7 +1762,7 @@
           <p:cNvPr id="3" name="텍스트 개체 틀 2">
             <a:extLst>
               <a:ext uri="{FF2B5EF4-FFF2-40B4-BE49-F238E27FC236}">
-                <a16:creationId xmlns:a16="http://schemas.microsoft.com/office/drawing/2014/main" id="{672B4F0C-5658-4C76-A143-36A8205CC3D5}"/>
+                <a16:creationId xmlns:a16="http://schemas.microsoft.com/office/drawing/2014/main" xmlns="" id="{672B4F0C-5658-4C76-A143-36A8205CC3D5}"/>
               </a:ext>
             </a:extLst>
           </p:cNvPr>
@@ -1846,7 +1846,7 @@
           <p:cNvPr id="6" name="그림 5">
             <a:extLst>
               <a:ext uri="{FF2B5EF4-FFF2-40B4-BE49-F238E27FC236}">
-                <a16:creationId xmlns:a16="http://schemas.microsoft.com/office/drawing/2014/main" id="{69C9B086-C952-4F64-9A38-C55597E5C3BD}"/>
+                <a16:creationId xmlns:a16="http://schemas.microsoft.com/office/drawing/2014/main" xmlns="" id="{69C9B086-C952-4F64-9A38-C55597E5C3BD}"/>
               </a:ext>
             </a:extLst>
           </p:cNvPr>
@@ -1882,7 +1882,7 @@
           <p:cNvPr id="7" name="TextBox 6">
             <a:extLst>
               <a:ext uri="{FF2B5EF4-FFF2-40B4-BE49-F238E27FC236}">
-                <a16:creationId xmlns:a16="http://schemas.microsoft.com/office/drawing/2014/main" id="{19262303-712C-41FF-A0C2-3F725CFB6182}"/>
+                <a16:creationId xmlns:a16="http://schemas.microsoft.com/office/drawing/2014/main" xmlns="" id="{19262303-712C-41FF-A0C2-3F725CFB6182}"/>
               </a:ext>
             </a:extLst>
           </p:cNvPr>
@@ -1931,7 +1931,7 @@
           <p:cNvPr id="8" name="TextBox 7">
             <a:extLst>
               <a:ext uri="{FF2B5EF4-FFF2-40B4-BE49-F238E27FC236}">
-                <a16:creationId xmlns:a16="http://schemas.microsoft.com/office/drawing/2014/main" id="{83E402CD-9736-4CC2-9239-B6EC7D2EB1D0}"/>
+                <a16:creationId xmlns:a16="http://schemas.microsoft.com/office/drawing/2014/main" xmlns="" id="{83E402CD-9736-4CC2-9239-B6EC7D2EB1D0}"/>
               </a:ext>
             </a:extLst>
           </p:cNvPr>
@@ -1983,7 +1983,7 @@
           <p:cNvPr id="9" name="타원 8">
             <a:extLst>
               <a:ext uri="{FF2B5EF4-FFF2-40B4-BE49-F238E27FC236}">
-                <a16:creationId xmlns:a16="http://schemas.microsoft.com/office/drawing/2014/main" id="{AD2D6173-E840-4B8D-A217-96F478E0D0CF}"/>
+                <a16:creationId xmlns:a16="http://schemas.microsoft.com/office/drawing/2014/main" xmlns="" id="{AD2D6173-E840-4B8D-A217-96F478E0D0CF}"/>
               </a:ext>
             </a:extLst>
           </p:cNvPr>
@@ -2037,7 +2037,7 @@
           <p:cNvPr id="10" name="타원 9">
             <a:extLst>
               <a:ext uri="{FF2B5EF4-FFF2-40B4-BE49-F238E27FC236}">
-                <a16:creationId xmlns:a16="http://schemas.microsoft.com/office/drawing/2014/main" id="{5F92BDB5-11F1-4EEB-B8C2-B943E3BC2BF9}"/>
+                <a16:creationId xmlns:a16="http://schemas.microsoft.com/office/drawing/2014/main" xmlns="" id="{5F92BDB5-11F1-4EEB-B8C2-B943E3BC2BF9}"/>
               </a:ext>
             </a:extLst>
           </p:cNvPr>
@@ -2091,7 +2091,7 @@
           <p:cNvPr id="11" name="타원 10">
             <a:extLst>
               <a:ext uri="{FF2B5EF4-FFF2-40B4-BE49-F238E27FC236}">
-                <a16:creationId xmlns:a16="http://schemas.microsoft.com/office/drawing/2014/main" id="{B8E3E5EC-F37F-42B7-924D-3CD1250D640B}"/>
+                <a16:creationId xmlns:a16="http://schemas.microsoft.com/office/drawing/2014/main" xmlns="" id="{B8E3E5EC-F37F-42B7-924D-3CD1250D640B}"/>
               </a:ext>
             </a:extLst>
           </p:cNvPr>
@@ -2145,7 +2145,7 @@
           <p:cNvPr id="12" name="타원 11">
             <a:extLst>
               <a:ext uri="{FF2B5EF4-FFF2-40B4-BE49-F238E27FC236}">
-                <a16:creationId xmlns:a16="http://schemas.microsoft.com/office/drawing/2014/main" id="{49051129-6F14-4F8D-983B-11673C882BBC}"/>
+                <a16:creationId xmlns:a16="http://schemas.microsoft.com/office/drawing/2014/main" xmlns="" id="{49051129-6F14-4F8D-983B-11673C882BBC}"/>
               </a:ext>
             </a:extLst>
           </p:cNvPr>
@@ -2199,7 +2199,7 @@
           <p:cNvPr id="13" name="타원 12">
             <a:extLst>
               <a:ext uri="{FF2B5EF4-FFF2-40B4-BE49-F238E27FC236}">
-                <a16:creationId xmlns:a16="http://schemas.microsoft.com/office/drawing/2014/main" id="{52B681B3-A5BA-479F-8955-FEAB9E161528}"/>
+                <a16:creationId xmlns:a16="http://schemas.microsoft.com/office/drawing/2014/main" xmlns="" id="{52B681B3-A5BA-479F-8955-FEAB9E161528}"/>
               </a:ext>
             </a:extLst>
           </p:cNvPr>
@@ -2253,7 +2253,7 @@
           <p:cNvPr id="14" name="타원 13">
             <a:extLst>
               <a:ext uri="{FF2B5EF4-FFF2-40B4-BE49-F238E27FC236}">
-                <a16:creationId xmlns:a16="http://schemas.microsoft.com/office/drawing/2014/main" id="{E9F80810-2286-4A4B-B1F0-EECA6688297C}"/>
+                <a16:creationId xmlns:a16="http://schemas.microsoft.com/office/drawing/2014/main" xmlns="" id="{E9F80810-2286-4A4B-B1F0-EECA6688297C}"/>
               </a:ext>
             </a:extLst>
           </p:cNvPr>
@@ -2307,7 +2307,7 @@
           <p:cNvPr id="15" name="타원 14">
             <a:extLst>
               <a:ext uri="{FF2B5EF4-FFF2-40B4-BE49-F238E27FC236}">
-                <a16:creationId xmlns:a16="http://schemas.microsoft.com/office/drawing/2014/main" id="{CE659B26-A61C-4883-9ECA-0FCC836F5835}"/>
+                <a16:creationId xmlns:a16="http://schemas.microsoft.com/office/drawing/2014/main" xmlns="" id="{CE659B26-A61C-4883-9ECA-0FCC836F5835}"/>
               </a:ext>
             </a:extLst>
           </p:cNvPr>
@@ -2361,7 +2361,7 @@
           <p:cNvPr id="16" name="타원 15">
             <a:extLst>
               <a:ext uri="{FF2B5EF4-FFF2-40B4-BE49-F238E27FC236}">
-                <a16:creationId xmlns:a16="http://schemas.microsoft.com/office/drawing/2014/main" id="{56E80CD1-4DF1-4D36-B353-A99447BF0F02}"/>
+                <a16:creationId xmlns:a16="http://schemas.microsoft.com/office/drawing/2014/main" xmlns="" id="{56E80CD1-4DF1-4D36-B353-A99447BF0F02}"/>
               </a:ext>
             </a:extLst>
           </p:cNvPr>
@@ -2445,7 +2445,7 @@
           <p:cNvPr id="2" name="제목 1">
             <a:extLst>
               <a:ext uri="{FF2B5EF4-FFF2-40B4-BE49-F238E27FC236}">
-                <a16:creationId xmlns:a16="http://schemas.microsoft.com/office/drawing/2014/main" id="{1E8C42BD-1DE5-46FB-8385-C6571A996E9D}"/>
+                <a16:creationId xmlns:a16="http://schemas.microsoft.com/office/drawing/2014/main" xmlns="" id="{1E8C42BD-1DE5-46FB-8385-C6571A996E9D}"/>
               </a:ext>
             </a:extLst>
           </p:cNvPr>
@@ -2473,7 +2473,7 @@
           <p:cNvPr id="3" name="날짜 개체 틀 2">
             <a:extLst>
               <a:ext uri="{FF2B5EF4-FFF2-40B4-BE49-F238E27FC236}">
-                <a16:creationId xmlns:a16="http://schemas.microsoft.com/office/drawing/2014/main" id="{EB75D8F0-D82F-477E-9A70-61628ECA000B}"/>
+                <a16:creationId xmlns:a16="http://schemas.microsoft.com/office/drawing/2014/main" xmlns="" id="{EB75D8F0-D82F-477E-9A70-61628ECA000B}"/>
               </a:ext>
             </a:extLst>
           </p:cNvPr>
@@ -2502,7 +2502,7 @@
           <p:cNvPr id="4" name="바닥글 개체 틀 3">
             <a:extLst>
               <a:ext uri="{FF2B5EF4-FFF2-40B4-BE49-F238E27FC236}">
-                <a16:creationId xmlns:a16="http://schemas.microsoft.com/office/drawing/2014/main" id="{4643D524-2CC2-4046-B8B0-B949299D7A6D}"/>
+                <a16:creationId xmlns:a16="http://schemas.microsoft.com/office/drawing/2014/main" xmlns="" id="{4643D524-2CC2-4046-B8B0-B949299D7A6D}"/>
               </a:ext>
             </a:extLst>
           </p:cNvPr>
@@ -2527,7 +2527,7 @@
           <p:cNvPr id="5" name="슬라이드 번호 개체 틀 4">
             <a:extLst>
               <a:ext uri="{FF2B5EF4-FFF2-40B4-BE49-F238E27FC236}">
-                <a16:creationId xmlns:a16="http://schemas.microsoft.com/office/drawing/2014/main" id="{EDA66E7F-4E40-4454-9B08-E431B6744AA6}"/>
+                <a16:creationId xmlns:a16="http://schemas.microsoft.com/office/drawing/2014/main" xmlns="" id="{EDA66E7F-4E40-4454-9B08-E431B6744AA6}"/>
               </a:ext>
             </a:extLst>
           </p:cNvPr>
@@ -2586,7 +2586,7 @@
           <p:cNvPr id="39" name="그룹 38">
             <a:extLst>
               <a:ext uri="{FF2B5EF4-FFF2-40B4-BE49-F238E27FC236}">
-                <a16:creationId xmlns:a16="http://schemas.microsoft.com/office/drawing/2014/main" id="{A45DDDA3-32F6-48CB-A8D8-14D816ED84AF}"/>
+                <a16:creationId xmlns:a16="http://schemas.microsoft.com/office/drawing/2014/main" xmlns="" id="{A45DDDA3-32F6-48CB-A8D8-14D816ED84AF}"/>
               </a:ext>
             </a:extLst>
           </p:cNvPr>
@@ -2606,7 +2606,7 @@
             <p:cNvPr id="25" name="육각형 24">
               <a:extLst>
                 <a:ext uri="{FF2B5EF4-FFF2-40B4-BE49-F238E27FC236}">
-                  <a16:creationId xmlns:a16="http://schemas.microsoft.com/office/drawing/2014/main" id="{D36904B0-63FE-4B75-BF68-EBB371053D5F}"/>
+                  <a16:creationId xmlns:a16="http://schemas.microsoft.com/office/drawing/2014/main" xmlns="" id="{D36904B0-63FE-4B75-BF68-EBB371053D5F}"/>
                 </a:ext>
               </a:extLst>
             </p:cNvPr>
@@ -2667,7 +2667,7 @@
             <p:cNvPr id="36" name="육각형 35">
               <a:extLst>
                 <a:ext uri="{FF2B5EF4-FFF2-40B4-BE49-F238E27FC236}">
-                  <a16:creationId xmlns:a16="http://schemas.microsoft.com/office/drawing/2014/main" id="{C029E3B1-0616-4643-8752-E35949571A63}"/>
+                  <a16:creationId xmlns:a16="http://schemas.microsoft.com/office/drawing/2014/main" xmlns="" id="{C029E3B1-0616-4643-8752-E35949571A63}"/>
                 </a:ext>
               </a:extLst>
             </p:cNvPr>
@@ -2727,7 +2727,7 @@
             <p:cNvPr id="37" name="육각형 36">
               <a:extLst>
                 <a:ext uri="{FF2B5EF4-FFF2-40B4-BE49-F238E27FC236}">
-                  <a16:creationId xmlns:a16="http://schemas.microsoft.com/office/drawing/2014/main" id="{29359650-2544-41D5-88DE-5CA02F6EE256}"/>
+                  <a16:creationId xmlns:a16="http://schemas.microsoft.com/office/drawing/2014/main" xmlns="" id="{29359650-2544-41D5-88DE-5CA02F6EE256}"/>
                 </a:ext>
               </a:extLst>
             </p:cNvPr>
@@ -2787,7 +2787,7 @@
             <p:cNvPr id="26" name="육각형 25">
               <a:extLst>
                 <a:ext uri="{FF2B5EF4-FFF2-40B4-BE49-F238E27FC236}">
-                  <a16:creationId xmlns:a16="http://schemas.microsoft.com/office/drawing/2014/main" id="{9EBF47D0-68BF-4B7F-B7CE-BA95BE25BD6A}"/>
+                  <a16:creationId xmlns:a16="http://schemas.microsoft.com/office/drawing/2014/main" xmlns="" id="{9EBF47D0-68BF-4B7F-B7CE-BA95BE25BD6A}"/>
                 </a:ext>
               </a:extLst>
             </p:cNvPr>
@@ -2915,7 +2915,7 @@
           <p:cNvPr id="5" name="직사각형 4">
             <a:extLst>
               <a:ext uri="{FF2B5EF4-FFF2-40B4-BE49-F238E27FC236}">
-                <a16:creationId xmlns:a16="http://schemas.microsoft.com/office/drawing/2014/main" id="{BA1686E7-6701-4F2A-8F3B-E3B4F13B0EB2}"/>
+                <a16:creationId xmlns:a16="http://schemas.microsoft.com/office/drawing/2014/main" xmlns="" id="{BA1686E7-6701-4F2A-8F3B-E3B4F13B0EB2}"/>
               </a:ext>
             </a:extLst>
           </p:cNvPr>
@@ -3018,7 +3018,7 @@
           <p:cNvPr id="6" name="텍스트 개체 틀 5">
             <a:extLst>
               <a:ext uri="{FF2B5EF4-FFF2-40B4-BE49-F238E27FC236}">
-                <a16:creationId xmlns:a16="http://schemas.microsoft.com/office/drawing/2014/main" id="{E9DA90DA-E9B9-4F9D-8BAC-03C70C743C78}"/>
+                <a16:creationId xmlns:a16="http://schemas.microsoft.com/office/drawing/2014/main" xmlns="" id="{E9DA90DA-E9B9-4F9D-8BAC-03C70C743C78}"/>
               </a:ext>
             </a:extLst>
           </p:cNvPr>
@@ -3105,7 +3105,7 @@
           <p:cNvPr id="2" name="제목 개체 틀 1">
             <a:extLst>
               <a:ext uri="{FF2B5EF4-FFF2-40B4-BE49-F238E27FC236}">
-                <a16:creationId xmlns:a16="http://schemas.microsoft.com/office/drawing/2014/main" id="{1DBD9734-F9A0-4801-B250-7F50BD816D67}"/>
+                <a16:creationId xmlns:a16="http://schemas.microsoft.com/office/drawing/2014/main" xmlns="" id="{1DBD9734-F9A0-4801-B250-7F50BD816D67}"/>
               </a:ext>
             </a:extLst>
           </p:cNvPr>
@@ -3143,7 +3143,7 @@
           <p:cNvPr id="3" name="텍스트 개체 틀 2">
             <a:extLst>
               <a:ext uri="{FF2B5EF4-FFF2-40B4-BE49-F238E27FC236}">
-                <a16:creationId xmlns:a16="http://schemas.microsoft.com/office/drawing/2014/main" id="{E5AA3AC4-683B-4781-B4AD-05D7DBF8A918}"/>
+                <a16:creationId xmlns:a16="http://schemas.microsoft.com/office/drawing/2014/main" xmlns="" id="{E5AA3AC4-683B-4781-B4AD-05D7DBF8A918}"/>
               </a:ext>
             </a:extLst>
           </p:cNvPr>
@@ -3210,7 +3210,7 @@
           <p:cNvPr id="4" name="날짜 개체 틀 3">
             <a:extLst>
               <a:ext uri="{FF2B5EF4-FFF2-40B4-BE49-F238E27FC236}">
-                <a16:creationId xmlns:a16="http://schemas.microsoft.com/office/drawing/2014/main" id="{A9248EE6-9337-4B92-8B00-C40E2A4CBB58}"/>
+                <a16:creationId xmlns:a16="http://schemas.microsoft.com/office/drawing/2014/main" xmlns="" id="{A9248EE6-9337-4B92-8B00-C40E2A4CBB58}"/>
               </a:ext>
             </a:extLst>
           </p:cNvPr>
@@ -3257,7 +3257,7 @@
           <p:cNvPr id="5" name="바닥글 개체 틀 4">
             <a:extLst>
               <a:ext uri="{FF2B5EF4-FFF2-40B4-BE49-F238E27FC236}">
-                <a16:creationId xmlns:a16="http://schemas.microsoft.com/office/drawing/2014/main" id="{397CA54D-216F-4975-9A5D-9484C12271F0}"/>
+                <a16:creationId xmlns:a16="http://schemas.microsoft.com/office/drawing/2014/main" xmlns="" id="{397CA54D-216F-4975-9A5D-9484C12271F0}"/>
               </a:ext>
             </a:extLst>
           </p:cNvPr>
@@ -3300,7 +3300,7 @@
           <p:cNvPr id="6" name="슬라이드 번호 개체 틀 5">
             <a:extLst>
               <a:ext uri="{FF2B5EF4-FFF2-40B4-BE49-F238E27FC236}">
-                <a16:creationId xmlns:a16="http://schemas.microsoft.com/office/drawing/2014/main" id="{CB3B54B8-E1B4-480C-B0F3-E6B18BE78457}"/>
+                <a16:creationId xmlns:a16="http://schemas.microsoft.com/office/drawing/2014/main" xmlns="" id="{CB3B54B8-E1B4-480C-B0F3-E6B18BE78457}"/>
               </a:ext>
             </a:extLst>
           </p:cNvPr>
@@ -3662,7 +3662,7 @@
           <p:cNvPr id="3" name="그림 2">
             <a:extLst>
               <a:ext uri="{FF2B5EF4-FFF2-40B4-BE49-F238E27FC236}">
-                <a16:creationId xmlns:a16="http://schemas.microsoft.com/office/drawing/2014/main" id="{0269E28C-4D66-40F8-836D-93E7D76CA827}"/>
+                <a16:creationId xmlns:a16="http://schemas.microsoft.com/office/drawing/2014/main" xmlns="" id="{0269E28C-4D66-40F8-836D-93E7D76CA827}"/>
               </a:ext>
             </a:extLst>
           </p:cNvPr>
@@ -3698,7 +3698,7 @@
           <p:cNvPr id="4" name="TextBox 3">
             <a:extLst>
               <a:ext uri="{FF2B5EF4-FFF2-40B4-BE49-F238E27FC236}">
-                <a16:creationId xmlns:a16="http://schemas.microsoft.com/office/drawing/2014/main" id="{6FFCB628-D48F-4844-8FDF-08B1AE9F3268}"/>
+                <a16:creationId xmlns:a16="http://schemas.microsoft.com/office/drawing/2014/main" xmlns="" id="{6FFCB628-D48F-4844-8FDF-08B1AE9F3268}"/>
               </a:ext>
             </a:extLst>
           </p:cNvPr>
@@ -3747,7 +3747,7 @@
           <p:cNvPr id="17" name="Прямоугольный треугольник 11">
             <a:extLst>
               <a:ext uri="{FF2B5EF4-FFF2-40B4-BE49-F238E27FC236}">
-                <a16:creationId xmlns:a16="http://schemas.microsoft.com/office/drawing/2014/main" id="{F60FFECF-3036-4068-992B-01C855544268}"/>
+                <a16:creationId xmlns:a16="http://schemas.microsoft.com/office/drawing/2014/main" xmlns="" id="{F60FFECF-3036-4068-992B-01C855544268}"/>
               </a:ext>
             </a:extLst>
           </p:cNvPr>
@@ -3869,7 +3869,7 @@
           <p:cNvPr id="18" name="Параллелограмм 17">
             <a:extLst>
               <a:ext uri="{FF2B5EF4-FFF2-40B4-BE49-F238E27FC236}">
-                <a16:creationId xmlns:a16="http://schemas.microsoft.com/office/drawing/2014/main" id="{93C980C2-41A9-43F6-85B6-25BFD495EDD3}"/>
+                <a16:creationId xmlns:a16="http://schemas.microsoft.com/office/drawing/2014/main" xmlns="" id="{93C980C2-41A9-43F6-85B6-25BFD495EDD3}"/>
               </a:ext>
             </a:extLst>
           </p:cNvPr>
@@ -4021,7 +4021,7 @@
           <p:cNvPr id="6" name="텍스트 개체 틀 5">
             <a:extLst>
               <a:ext uri="{FF2B5EF4-FFF2-40B4-BE49-F238E27FC236}">
-                <a16:creationId xmlns:a16="http://schemas.microsoft.com/office/drawing/2014/main" id="{AE0D723B-0B46-44D8-8C89-33BE92BD21F9}"/>
+                <a16:creationId xmlns:a16="http://schemas.microsoft.com/office/drawing/2014/main" xmlns="" id="{AE0D723B-0B46-44D8-8C89-33BE92BD21F9}"/>
               </a:ext>
             </a:extLst>
           </p:cNvPr>
@@ -4115,7 +4115,7 @@
           <p:cNvPr id="15" name="텍스트 개체 틀 14">
             <a:extLst>
               <a:ext uri="{FF2B5EF4-FFF2-40B4-BE49-F238E27FC236}">
-                <a16:creationId xmlns:a16="http://schemas.microsoft.com/office/drawing/2014/main" id="{CAF4FA68-A32A-48BA-A282-B6F8B4204A68}"/>
+                <a16:creationId xmlns:a16="http://schemas.microsoft.com/office/drawing/2014/main" xmlns="" id="{CAF4FA68-A32A-48BA-A282-B6F8B4204A68}"/>
               </a:ext>
             </a:extLst>
           </p:cNvPr>
@@ -4147,7 +4147,7 @@
           <p:cNvPr id="3" name="직선 연결선 2">
             <a:extLst>
               <a:ext uri="{FF2B5EF4-FFF2-40B4-BE49-F238E27FC236}">
-                <a16:creationId xmlns:a16="http://schemas.microsoft.com/office/drawing/2014/main" id="{2CDC8009-AE01-4327-98BB-CDC3276A8FFC}"/>
+                <a16:creationId xmlns:a16="http://schemas.microsoft.com/office/drawing/2014/main" xmlns="" id="{2CDC8009-AE01-4327-98BB-CDC3276A8FFC}"/>
               </a:ext>
             </a:extLst>
           </p:cNvPr>
@@ -4190,7 +4190,7 @@
           <p:cNvPr id="17" name="직선 연결선 16">
             <a:extLst>
               <a:ext uri="{FF2B5EF4-FFF2-40B4-BE49-F238E27FC236}">
-                <a16:creationId xmlns:a16="http://schemas.microsoft.com/office/drawing/2014/main" id="{FAB8748D-71D0-46F6-BBE4-756A5B4A2484}"/>
+                <a16:creationId xmlns:a16="http://schemas.microsoft.com/office/drawing/2014/main" xmlns="" id="{FAB8748D-71D0-46F6-BBE4-756A5B4A2484}"/>
               </a:ext>
             </a:extLst>
           </p:cNvPr>
@@ -4233,7 +4233,7 @@
           <p:cNvPr id="18" name="TextBox 17">
             <a:extLst>
               <a:ext uri="{FF2B5EF4-FFF2-40B4-BE49-F238E27FC236}">
-                <a16:creationId xmlns:a16="http://schemas.microsoft.com/office/drawing/2014/main" id="{822DB956-6191-4F8D-B765-A3D75BE9F49F}"/>
+                <a16:creationId xmlns:a16="http://schemas.microsoft.com/office/drawing/2014/main" xmlns="" id="{822DB956-6191-4F8D-B765-A3D75BE9F49F}"/>
               </a:ext>
             </a:extLst>
           </p:cNvPr>
@@ -4278,7 +4278,7 @@
           <p:cNvPr id="20" name="직선 연결선 19">
             <a:extLst>
               <a:ext uri="{FF2B5EF4-FFF2-40B4-BE49-F238E27FC236}">
-                <a16:creationId xmlns:a16="http://schemas.microsoft.com/office/drawing/2014/main" id="{A2E4D64C-4192-4DF0-928C-21A3939CE4DA}"/>
+                <a16:creationId xmlns:a16="http://schemas.microsoft.com/office/drawing/2014/main" xmlns="" id="{A2E4D64C-4192-4DF0-928C-21A3939CE4DA}"/>
               </a:ext>
             </a:extLst>
           </p:cNvPr>
@@ -4319,7 +4319,7 @@
           <p:cNvPr id="21" name="직선 연결선 20">
             <a:extLst>
               <a:ext uri="{FF2B5EF4-FFF2-40B4-BE49-F238E27FC236}">
-                <a16:creationId xmlns:a16="http://schemas.microsoft.com/office/drawing/2014/main" id="{53EA3F9F-678D-4A0D-B3E3-C9236B810EB4}"/>
+                <a16:creationId xmlns:a16="http://schemas.microsoft.com/office/drawing/2014/main" xmlns="" id="{53EA3F9F-678D-4A0D-B3E3-C9236B810EB4}"/>
               </a:ext>
             </a:extLst>
           </p:cNvPr>
@@ -4360,7 +4360,7 @@
           <p:cNvPr id="22" name="TextBox 21">
             <a:extLst>
               <a:ext uri="{FF2B5EF4-FFF2-40B4-BE49-F238E27FC236}">
-                <a16:creationId xmlns:a16="http://schemas.microsoft.com/office/drawing/2014/main" id="{38C7EDB3-B52B-4F7B-8C4E-EAF3F0D68375}"/>
+                <a16:creationId xmlns:a16="http://schemas.microsoft.com/office/drawing/2014/main" xmlns="" id="{38C7EDB3-B52B-4F7B-8C4E-EAF3F0D68375}"/>
               </a:ext>
             </a:extLst>
           </p:cNvPr>
@@ -4396,7 +4396,7 @@
           <p:cNvPr id="23" name="TextBox 22">
             <a:extLst>
               <a:ext uri="{FF2B5EF4-FFF2-40B4-BE49-F238E27FC236}">
-                <a16:creationId xmlns:a16="http://schemas.microsoft.com/office/drawing/2014/main" id="{69ADF41C-1E64-4523-9A26-26481A28E497}"/>
+                <a16:creationId xmlns:a16="http://schemas.microsoft.com/office/drawing/2014/main" xmlns="" id="{69ADF41C-1E64-4523-9A26-26481A28E497}"/>
               </a:ext>
             </a:extLst>
           </p:cNvPr>
@@ -4433,7 +4433,7 @@
           <p:cNvPr id="25" name="직선 연결선 24">
             <a:extLst>
               <a:ext uri="{FF2B5EF4-FFF2-40B4-BE49-F238E27FC236}">
-                <a16:creationId xmlns:a16="http://schemas.microsoft.com/office/drawing/2014/main" id="{A0FD8BDF-E8DA-42E7-B9F6-976DEC34944B}"/>
+                <a16:creationId xmlns:a16="http://schemas.microsoft.com/office/drawing/2014/main" xmlns="" id="{A0FD8BDF-E8DA-42E7-B9F6-976DEC34944B}"/>
               </a:ext>
             </a:extLst>
           </p:cNvPr>
@@ -4474,7 +4474,7 @@
           <p:cNvPr id="27" name="직선 연결선 26">
             <a:extLst>
               <a:ext uri="{FF2B5EF4-FFF2-40B4-BE49-F238E27FC236}">
-                <a16:creationId xmlns:a16="http://schemas.microsoft.com/office/drawing/2014/main" id="{BB5C51C9-9736-4DD9-B90A-FD3E6F7C02C3}"/>
+                <a16:creationId xmlns:a16="http://schemas.microsoft.com/office/drawing/2014/main" xmlns="" id="{BB5C51C9-9736-4DD9-B90A-FD3E6F7C02C3}"/>
               </a:ext>
             </a:extLst>
           </p:cNvPr>
@@ -4517,7 +4517,7 @@
           <p:cNvPr id="28" name="TextBox 27">
             <a:extLst>
               <a:ext uri="{FF2B5EF4-FFF2-40B4-BE49-F238E27FC236}">
-                <a16:creationId xmlns:a16="http://schemas.microsoft.com/office/drawing/2014/main" id="{A6458F27-C0BA-47DA-B2BE-0A24FAE2555D}"/>
+                <a16:creationId xmlns:a16="http://schemas.microsoft.com/office/drawing/2014/main" xmlns="" id="{A6458F27-C0BA-47DA-B2BE-0A24FAE2555D}"/>
               </a:ext>
             </a:extLst>
           </p:cNvPr>
@@ -4554,7 +4554,7 @@
           <p:cNvPr id="29" name="TextBox 28">
             <a:extLst>
               <a:ext uri="{FF2B5EF4-FFF2-40B4-BE49-F238E27FC236}">
-                <a16:creationId xmlns:a16="http://schemas.microsoft.com/office/drawing/2014/main" id="{95BB715B-1A0D-48DF-99FC-CA7599C47E51}"/>
+                <a16:creationId xmlns:a16="http://schemas.microsoft.com/office/drawing/2014/main" xmlns="" id="{95BB715B-1A0D-48DF-99FC-CA7599C47E51}"/>
               </a:ext>
             </a:extLst>
           </p:cNvPr>
@@ -4591,7 +4591,7 @@
           <p:cNvPr id="30" name="TextBox 29">
             <a:extLst>
               <a:ext uri="{FF2B5EF4-FFF2-40B4-BE49-F238E27FC236}">
-                <a16:creationId xmlns:a16="http://schemas.microsoft.com/office/drawing/2014/main" id="{2F6668C5-A9C4-464E-A5CA-7C3DF768F9F1}"/>
+                <a16:creationId xmlns:a16="http://schemas.microsoft.com/office/drawing/2014/main" xmlns="" id="{2F6668C5-A9C4-464E-A5CA-7C3DF768F9F1}"/>
               </a:ext>
             </a:extLst>
           </p:cNvPr>
@@ -4628,7 +4628,7 @@
           <p:cNvPr id="32" name="TextBox 31">
             <a:extLst>
               <a:ext uri="{FF2B5EF4-FFF2-40B4-BE49-F238E27FC236}">
-                <a16:creationId xmlns:a16="http://schemas.microsoft.com/office/drawing/2014/main" id="{4DB311CF-E02F-432F-A384-9731B420DD10}"/>
+                <a16:creationId xmlns:a16="http://schemas.microsoft.com/office/drawing/2014/main" xmlns="" id="{4DB311CF-E02F-432F-A384-9731B420DD10}"/>
               </a:ext>
             </a:extLst>
           </p:cNvPr>
@@ -4717,7 +4717,7 @@
           <p:cNvPr id="15" name="텍스트 개체 틀 14">
             <a:extLst>
               <a:ext uri="{FF2B5EF4-FFF2-40B4-BE49-F238E27FC236}">
-                <a16:creationId xmlns:a16="http://schemas.microsoft.com/office/drawing/2014/main" id="{CAF4FA68-A32A-48BA-A282-B6F8B4204A68}"/>
+                <a16:creationId xmlns:a16="http://schemas.microsoft.com/office/drawing/2014/main" xmlns="" id="{CAF4FA68-A32A-48BA-A282-B6F8B4204A68}"/>
               </a:ext>
             </a:extLst>
           </p:cNvPr>
@@ -4754,7 +4754,7 @@
           <p:cNvPr id="33" name="직선 연결선 32">
             <a:extLst>
               <a:ext uri="{FF2B5EF4-FFF2-40B4-BE49-F238E27FC236}">
-                <a16:creationId xmlns:a16="http://schemas.microsoft.com/office/drawing/2014/main" id="{04C1C726-839F-4C05-84A9-F76BCC08EDED}"/>
+                <a16:creationId xmlns:a16="http://schemas.microsoft.com/office/drawing/2014/main" xmlns="" id="{04C1C726-839F-4C05-84A9-F76BCC08EDED}"/>
               </a:ext>
             </a:extLst>
           </p:cNvPr>
@@ -4797,7 +4797,7 @@
           <p:cNvPr id="34" name="직선 연결선 33">
             <a:extLst>
               <a:ext uri="{FF2B5EF4-FFF2-40B4-BE49-F238E27FC236}">
-                <a16:creationId xmlns:a16="http://schemas.microsoft.com/office/drawing/2014/main" id="{C63436C2-747E-4F0B-AB60-F15884CAD288}"/>
+                <a16:creationId xmlns:a16="http://schemas.microsoft.com/office/drawing/2014/main" xmlns="" id="{C63436C2-747E-4F0B-AB60-F15884CAD288}"/>
               </a:ext>
             </a:extLst>
           </p:cNvPr>
@@ -4840,7 +4840,7 @@
           <p:cNvPr id="35" name="TextBox 34">
             <a:extLst>
               <a:ext uri="{FF2B5EF4-FFF2-40B4-BE49-F238E27FC236}">
-                <a16:creationId xmlns:a16="http://schemas.microsoft.com/office/drawing/2014/main" id="{7B984BD0-60F0-467E-9F51-70B7EB45DE9E}"/>
+                <a16:creationId xmlns:a16="http://schemas.microsoft.com/office/drawing/2014/main" xmlns="" id="{7B984BD0-60F0-467E-9F51-70B7EB45DE9E}"/>
               </a:ext>
             </a:extLst>
           </p:cNvPr>
@@ -4885,7 +4885,7 @@
           <p:cNvPr id="36" name="직선 연결선 35">
             <a:extLst>
               <a:ext uri="{FF2B5EF4-FFF2-40B4-BE49-F238E27FC236}">
-                <a16:creationId xmlns:a16="http://schemas.microsoft.com/office/drawing/2014/main" id="{38D7F18A-B295-401A-8E09-218C77BFF6BB}"/>
+                <a16:creationId xmlns:a16="http://schemas.microsoft.com/office/drawing/2014/main" xmlns="" id="{38D7F18A-B295-401A-8E09-218C77BFF6BB}"/>
               </a:ext>
             </a:extLst>
           </p:cNvPr>
@@ -4926,7 +4926,7 @@
           <p:cNvPr id="37" name="직선 연결선 36">
             <a:extLst>
               <a:ext uri="{FF2B5EF4-FFF2-40B4-BE49-F238E27FC236}">
-                <a16:creationId xmlns:a16="http://schemas.microsoft.com/office/drawing/2014/main" id="{F4B61BAE-58BC-4521-A640-307D3804102D}"/>
+                <a16:creationId xmlns:a16="http://schemas.microsoft.com/office/drawing/2014/main" xmlns="" id="{F4B61BAE-58BC-4521-A640-307D3804102D}"/>
               </a:ext>
             </a:extLst>
           </p:cNvPr>
@@ -4967,7 +4967,7 @@
           <p:cNvPr id="38" name="TextBox 37">
             <a:extLst>
               <a:ext uri="{FF2B5EF4-FFF2-40B4-BE49-F238E27FC236}">
-                <a16:creationId xmlns:a16="http://schemas.microsoft.com/office/drawing/2014/main" id="{21564B6F-F450-428B-970D-2330C23B682D}"/>
+                <a16:creationId xmlns:a16="http://schemas.microsoft.com/office/drawing/2014/main" xmlns="" id="{21564B6F-F450-428B-970D-2330C23B682D}"/>
               </a:ext>
             </a:extLst>
           </p:cNvPr>
@@ -5003,7 +5003,7 @@
           <p:cNvPr id="39" name="TextBox 38">
             <a:extLst>
               <a:ext uri="{FF2B5EF4-FFF2-40B4-BE49-F238E27FC236}">
-                <a16:creationId xmlns:a16="http://schemas.microsoft.com/office/drawing/2014/main" id="{C1E2222A-8EF2-4170-8855-B9B077075664}"/>
+                <a16:creationId xmlns:a16="http://schemas.microsoft.com/office/drawing/2014/main" xmlns="" id="{C1E2222A-8EF2-4170-8855-B9B077075664}"/>
               </a:ext>
             </a:extLst>
           </p:cNvPr>
@@ -5040,7 +5040,7 @@
           <p:cNvPr id="40" name="직선 연결선 39">
             <a:extLst>
               <a:ext uri="{FF2B5EF4-FFF2-40B4-BE49-F238E27FC236}">
-                <a16:creationId xmlns:a16="http://schemas.microsoft.com/office/drawing/2014/main" id="{53EAB221-195F-4DDA-AB57-3FA21275F0C3}"/>
+                <a16:creationId xmlns:a16="http://schemas.microsoft.com/office/drawing/2014/main" xmlns="" id="{53EAB221-195F-4DDA-AB57-3FA21275F0C3}"/>
               </a:ext>
             </a:extLst>
           </p:cNvPr>
@@ -5081,7 +5081,7 @@
           <p:cNvPr id="41" name="직선 연결선 40">
             <a:extLst>
               <a:ext uri="{FF2B5EF4-FFF2-40B4-BE49-F238E27FC236}">
-                <a16:creationId xmlns:a16="http://schemas.microsoft.com/office/drawing/2014/main" id="{C3000025-6AB4-432C-B4E7-81B87FC5B6A7}"/>
+                <a16:creationId xmlns:a16="http://schemas.microsoft.com/office/drawing/2014/main" xmlns="" id="{C3000025-6AB4-432C-B4E7-81B87FC5B6A7}"/>
               </a:ext>
             </a:extLst>
           </p:cNvPr>
@@ -5124,7 +5124,7 @@
           <p:cNvPr id="42" name="TextBox 41">
             <a:extLst>
               <a:ext uri="{FF2B5EF4-FFF2-40B4-BE49-F238E27FC236}">
-                <a16:creationId xmlns:a16="http://schemas.microsoft.com/office/drawing/2014/main" id="{8F3688D7-E487-423B-BDB3-BE1B7EE5A54D}"/>
+                <a16:creationId xmlns:a16="http://schemas.microsoft.com/office/drawing/2014/main" xmlns="" id="{8F3688D7-E487-423B-BDB3-BE1B7EE5A54D}"/>
               </a:ext>
             </a:extLst>
           </p:cNvPr>
@@ -5169,7 +5169,7 @@
           <p:cNvPr id="43" name="TextBox 42">
             <a:extLst>
               <a:ext uri="{FF2B5EF4-FFF2-40B4-BE49-F238E27FC236}">
-                <a16:creationId xmlns:a16="http://schemas.microsoft.com/office/drawing/2014/main" id="{F2EE634D-76AC-49DB-9985-0296BE2A412F}"/>
+                <a16:creationId xmlns:a16="http://schemas.microsoft.com/office/drawing/2014/main" xmlns="" id="{F2EE634D-76AC-49DB-9985-0296BE2A412F}"/>
               </a:ext>
             </a:extLst>
           </p:cNvPr>
@@ -5206,7 +5206,7 @@
           <p:cNvPr id="44" name="TextBox 43">
             <a:extLst>
               <a:ext uri="{FF2B5EF4-FFF2-40B4-BE49-F238E27FC236}">
-                <a16:creationId xmlns:a16="http://schemas.microsoft.com/office/drawing/2014/main" id="{B31F4A3B-4A0F-482F-BBA2-3B1BC1ACB82D}"/>
+                <a16:creationId xmlns:a16="http://schemas.microsoft.com/office/drawing/2014/main" xmlns="" id="{B31F4A3B-4A0F-482F-BBA2-3B1BC1ACB82D}"/>
               </a:ext>
             </a:extLst>
           </p:cNvPr>
@@ -5243,7 +5243,7 @@
           <p:cNvPr id="45" name="TextBox 44">
             <a:extLst>
               <a:ext uri="{FF2B5EF4-FFF2-40B4-BE49-F238E27FC236}">
-                <a16:creationId xmlns:a16="http://schemas.microsoft.com/office/drawing/2014/main" id="{BB9C4EF1-ADBA-4AE8-A5E5-A10054878044}"/>
+                <a16:creationId xmlns:a16="http://schemas.microsoft.com/office/drawing/2014/main" xmlns="" id="{BB9C4EF1-ADBA-4AE8-A5E5-A10054878044}"/>
               </a:ext>
             </a:extLst>
           </p:cNvPr>
@@ -5280,7 +5280,7 @@
           <p:cNvPr id="31" name="TextBox 30">
             <a:extLst>
               <a:ext uri="{FF2B5EF4-FFF2-40B4-BE49-F238E27FC236}">
-                <a16:creationId xmlns:a16="http://schemas.microsoft.com/office/drawing/2014/main" id="{C8D949DC-9E23-402F-8BA2-CF71A276B82C}"/>
+                <a16:creationId xmlns:a16="http://schemas.microsoft.com/office/drawing/2014/main" xmlns="" id="{C8D949DC-9E23-402F-8BA2-CF71A276B82C}"/>
               </a:ext>
             </a:extLst>
           </p:cNvPr>
@@ -5317,7 +5317,7 @@
           <p:cNvPr id="46" name="TextBox 45">
             <a:extLst>
               <a:ext uri="{FF2B5EF4-FFF2-40B4-BE49-F238E27FC236}">
-                <a16:creationId xmlns:a16="http://schemas.microsoft.com/office/drawing/2014/main" id="{FC3E855F-3330-40E3-9860-7484BB4B3E4C}"/>
+                <a16:creationId xmlns:a16="http://schemas.microsoft.com/office/drawing/2014/main" xmlns="" id="{FC3E855F-3330-40E3-9860-7484BB4B3E4C}"/>
               </a:ext>
             </a:extLst>
           </p:cNvPr>
@@ -5354,7 +5354,7 @@
           <p:cNvPr id="47" name="TextBox 46">
             <a:extLst>
               <a:ext uri="{FF2B5EF4-FFF2-40B4-BE49-F238E27FC236}">
-                <a16:creationId xmlns:a16="http://schemas.microsoft.com/office/drawing/2014/main" id="{D608D242-4E77-48BD-819C-53802F703FAA}"/>
+                <a16:creationId xmlns:a16="http://schemas.microsoft.com/office/drawing/2014/main" xmlns="" id="{D608D242-4E77-48BD-819C-53802F703FAA}"/>
               </a:ext>
             </a:extLst>
           </p:cNvPr>
@@ -5391,7 +5391,7 @@
           <p:cNvPr id="48" name="TextBox 47">
             <a:extLst>
               <a:ext uri="{FF2B5EF4-FFF2-40B4-BE49-F238E27FC236}">
-                <a16:creationId xmlns:a16="http://schemas.microsoft.com/office/drawing/2014/main" id="{585467E1-28D3-441E-8EF6-312ACC029AC1}"/>
+                <a16:creationId xmlns:a16="http://schemas.microsoft.com/office/drawing/2014/main" xmlns="" id="{585467E1-28D3-441E-8EF6-312ACC029AC1}"/>
               </a:ext>
             </a:extLst>
           </p:cNvPr>
@@ -5480,7 +5480,7 @@
           <p:cNvPr id="15" name="텍스트 개체 틀 14">
             <a:extLst>
               <a:ext uri="{FF2B5EF4-FFF2-40B4-BE49-F238E27FC236}">
-                <a16:creationId xmlns:a16="http://schemas.microsoft.com/office/drawing/2014/main" id="{CAF4FA68-A32A-48BA-A282-B6F8B4204A68}"/>
+                <a16:creationId xmlns:a16="http://schemas.microsoft.com/office/drawing/2014/main" xmlns="" id="{CAF4FA68-A32A-48BA-A282-B6F8B4204A68}"/>
               </a:ext>
             </a:extLst>
           </p:cNvPr>
@@ -5512,7 +5512,7 @@
           <p:cNvPr id="3" name="직선 연결선 2">
             <a:extLst>
               <a:ext uri="{FF2B5EF4-FFF2-40B4-BE49-F238E27FC236}">
-                <a16:creationId xmlns:a16="http://schemas.microsoft.com/office/drawing/2014/main" id="{2CDC8009-AE01-4327-98BB-CDC3276A8FFC}"/>
+                <a16:creationId xmlns:a16="http://schemas.microsoft.com/office/drawing/2014/main" xmlns="" id="{2CDC8009-AE01-4327-98BB-CDC3276A8FFC}"/>
               </a:ext>
             </a:extLst>
           </p:cNvPr>
@@ -5555,7 +5555,7 @@
           <p:cNvPr id="17" name="직선 연결선 16">
             <a:extLst>
               <a:ext uri="{FF2B5EF4-FFF2-40B4-BE49-F238E27FC236}">
-                <a16:creationId xmlns:a16="http://schemas.microsoft.com/office/drawing/2014/main" id="{FAB8748D-71D0-46F6-BBE4-756A5B4A2484}"/>
+                <a16:creationId xmlns:a16="http://schemas.microsoft.com/office/drawing/2014/main" xmlns="" id="{FAB8748D-71D0-46F6-BBE4-756A5B4A2484}"/>
               </a:ext>
             </a:extLst>
           </p:cNvPr>
@@ -5598,7 +5598,7 @@
           <p:cNvPr id="18" name="TextBox 17">
             <a:extLst>
               <a:ext uri="{FF2B5EF4-FFF2-40B4-BE49-F238E27FC236}">
-                <a16:creationId xmlns:a16="http://schemas.microsoft.com/office/drawing/2014/main" id="{822DB956-6191-4F8D-B765-A3D75BE9F49F}"/>
+                <a16:creationId xmlns:a16="http://schemas.microsoft.com/office/drawing/2014/main" xmlns="" id="{822DB956-6191-4F8D-B765-A3D75BE9F49F}"/>
               </a:ext>
             </a:extLst>
           </p:cNvPr>
@@ -5643,7 +5643,7 @@
           <p:cNvPr id="20" name="직선 연결선 19">
             <a:extLst>
               <a:ext uri="{FF2B5EF4-FFF2-40B4-BE49-F238E27FC236}">
-                <a16:creationId xmlns:a16="http://schemas.microsoft.com/office/drawing/2014/main" id="{A2E4D64C-4192-4DF0-928C-21A3939CE4DA}"/>
+                <a16:creationId xmlns:a16="http://schemas.microsoft.com/office/drawing/2014/main" xmlns="" id="{A2E4D64C-4192-4DF0-928C-21A3939CE4DA}"/>
               </a:ext>
             </a:extLst>
           </p:cNvPr>
@@ -5684,7 +5684,7 @@
           <p:cNvPr id="21" name="직선 연결선 20">
             <a:extLst>
               <a:ext uri="{FF2B5EF4-FFF2-40B4-BE49-F238E27FC236}">
-                <a16:creationId xmlns:a16="http://schemas.microsoft.com/office/drawing/2014/main" id="{53EA3F9F-678D-4A0D-B3E3-C9236B810EB4}"/>
+                <a16:creationId xmlns:a16="http://schemas.microsoft.com/office/drawing/2014/main" xmlns="" id="{53EA3F9F-678D-4A0D-B3E3-C9236B810EB4}"/>
               </a:ext>
             </a:extLst>
           </p:cNvPr>
@@ -5725,7 +5725,7 @@
           <p:cNvPr id="22" name="TextBox 21">
             <a:extLst>
               <a:ext uri="{FF2B5EF4-FFF2-40B4-BE49-F238E27FC236}">
-                <a16:creationId xmlns:a16="http://schemas.microsoft.com/office/drawing/2014/main" id="{38C7EDB3-B52B-4F7B-8C4E-EAF3F0D68375}"/>
+                <a16:creationId xmlns:a16="http://schemas.microsoft.com/office/drawing/2014/main" xmlns="" id="{38C7EDB3-B52B-4F7B-8C4E-EAF3F0D68375}"/>
               </a:ext>
             </a:extLst>
           </p:cNvPr>
@@ -5761,7 +5761,7 @@
           <p:cNvPr id="23" name="TextBox 22">
             <a:extLst>
               <a:ext uri="{FF2B5EF4-FFF2-40B4-BE49-F238E27FC236}">
-                <a16:creationId xmlns:a16="http://schemas.microsoft.com/office/drawing/2014/main" id="{69ADF41C-1E64-4523-9A26-26481A28E497}"/>
+                <a16:creationId xmlns:a16="http://schemas.microsoft.com/office/drawing/2014/main" xmlns="" id="{69ADF41C-1E64-4523-9A26-26481A28E497}"/>
               </a:ext>
             </a:extLst>
           </p:cNvPr>
@@ -5798,7 +5798,7 @@
           <p:cNvPr id="25" name="직선 연결선 24">
             <a:extLst>
               <a:ext uri="{FF2B5EF4-FFF2-40B4-BE49-F238E27FC236}">
-                <a16:creationId xmlns:a16="http://schemas.microsoft.com/office/drawing/2014/main" id="{A0FD8BDF-E8DA-42E7-B9F6-976DEC34944B}"/>
+                <a16:creationId xmlns:a16="http://schemas.microsoft.com/office/drawing/2014/main" xmlns="" id="{A0FD8BDF-E8DA-42E7-B9F6-976DEC34944B}"/>
               </a:ext>
             </a:extLst>
           </p:cNvPr>
@@ -5839,7 +5839,7 @@
           <p:cNvPr id="27" name="직선 연결선 26">
             <a:extLst>
               <a:ext uri="{FF2B5EF4-FFF2-40B4-BE49-F238E27FC236}">
-                <a16:creationId xmlns:a16="http://schemas.microsoft.com/office/drawing/2014/main" id="{BB5C51C9-9736-4DD9-B90A-FD3E6F7C02C3}"/>
+                <a16:creationId xmlns:a16="http://schemas.microsoft.com/office/drawing/2014/main" xmlns="" id="{BB5C51C9-9736-4DD9-B90A-FD3E6F7C02C3}"/>
               </a:ext>
             </a:extLst>
           </p:cNvPr>
@@ -5882,7 +5882,7 @@
           <p:cNvPr id="28" name="TextBox 27">
             <a:extLst>
               <a:ext uri="{FF2B5EF4-FFF2-40B4-BE49-F238E27FC236}">
-                <a16:creationId xmlns:a16="http://schemas.microsoft.com/office/drawing/2014/main" id="{A6458F27-C0BA-47DA-B2BE-0A24FAE2555D}"/>
+                <a16:creationId xmlns:a16="http://schemas.microsoft.com/office/drawing/2014/main" xmlns="" id="{A6458F27-C0BA-47DA-B2BE-0A24FAE2555D}"/>
               </a:ext>
             </a:extLst>
           </p:cNvPr>
@@ -5919,7 +5919,7 @@
           <p:cNvPr id="29" name="TextBox 28">
             <a:extLst>
               <a:ext uri="{FF2B5EF4-FFF2-40B4-BE49-F238E27FC236}">
-                <a16:creationId xmlns:a16="http://schemas.microsoft.com/office/drawing/2014/main" id="{95BB715B-1A0D-48DF-99FC-CA7599C47E51}"/>
+                <a16:creationId xmlns:a16="http://schemas.microsoft.com/office/drawing/2014/main" xmlns="" id="{95BB715B-1A0D-48DF-99FC-CA7599C47E51}"/>
               </a:ext>
             </a:extLst>
           </p:cNvPr>
@@ -5956,7 +5956,7 @@
           <p:cNvPr id="30" name="TextBox 29">
             <a:extLst>
               <a:ext uri="{FF2B5EF4-FFF2-40B4-BE49-F238E27FC236}">
-                <a16:creationId xmlns:a16="http://schemas.microsoft.com/office/drawing/2014/main" id="{2F6668C5-A9C4-464E-A5CA-7C3DF768F9F1}"/>
+                <a16:creationId xmlns:a16="http://schemas.microsoft.com/office/drawing/2014/main" xmlns="" id="{2F6668C5-A9C4-464E-A5CA-7C3DF768F9F1}"/>
               </a:ext>
             </a:extLst>
           </p:cNvPr>
@@ -5993,7 +5993,7 @@
           <p:cNvPr id="32" name="TextBox 31">
             <a:extLst>
               <a:ext uri="{FF2B5EF4-FFF2-40B4-BE49-F238E27FC236}">
-                <a16:creationId xmlns:a16="http://schemas.microsoft.com/office/drawing/2014/main" id="{4DB311CF-E02F-432F-A384-9731B420DD10}"/>
+                <a16:creationId xmlns:a16="http://schemas.microsoft.com/office/drawing/2014/main" xmlns="" id="{4DB311CF-E02F-432F-A384-9731B420DD10}"/>
               </a:ext>
             </a:extLst>
           </p:cNvPr>
@@ -6030,7 +6030,7 @@
           <p:cNvPr id="2" name="TextBox 1">
             <a:extLst>
               <a:ext uri="{FF2B5EF4-FFF2-40B4-BE49-F238E27FC236}">
-                <a16:creationId xmlns:a16="http://schemas.microsoft.com/office/drawing/2014/main" id="{B74A2784-661E-485F-9536-F644B12E952D}"/>
+                <a16:creationId xmlns:a16="http://schemas.microsoft.com/office/drawing/2014/main" xmlns="" id="{B74A2784-661E-485F-9536-F644B12E952D}"/>
               </a:ext>
             </a:extLst>
           </p:cNvPr>
@@ -6071,7 +6071,7 @@
           <p:cNvPr id="5" name="직선 화살표 연결선 4">
             <a:extLst>
               <a:ext uri="{FF2B5EF4-FFF2-40B4-BE49-F238E27FC236}">
-                <a16:creationId xmlns:a16="http://schemas.microsoft.com/office/drawing/2014/main" id="{C7CF2BA0-E988-4D4C-A75C-C8F191F4633F}"/>
+                <a16:creationId xmlns:a16="http://schemas.microsoft.com/office/drawing/2014/main" xmlns="" id="{C7CF2BA0-E988-4D4C-A75C-C8F191F4633F}"/>
               </a:ext>
             </a:extLst>
           </p:cNvPr>
@@ -6170,7 +6170,7 @@
           <p:cNvPr id="15" name="텍스트 개체 틀 14">
             <a:extLst>
               <a:ext uri="{FF2B5EF4-FFF2-40B4-BE49-F238E27FC236}">
-                <a16:creationId xmlns:a16="http://schemas.microsoft.com/office/drawing/2014/main" id="{CAF4FA68-A32A-48BA-A282-B6F8B4204A68}"/>
+                <a16:creationId xmlns:a16="http://schemas.microsoft.com/office/drawing/2014/main" xmlns="" id="{CAF4FA68-A32A-48BA-A282-B6F8B4204A68}"/>
               </a:ext>
             </a:extLst>
           </p:cNvPr>
@@ -6202,7 +6202,7 @@
           <p:cNvPr id="4" name="TextBox 3">
             <a:extLst>
               <a:ext uri="{FF2B5EF4-FFF2-40B4-BE49-F238E27FC236}">
-                <a16:creationId xmlns:a16="http://schemas.microsoft.com/office/drawing/2014/main" id="{FEAE6422-1A5D-43CD-88AE-F30C56DFA355}"/>
+                <a16:creationId xmlns:a16="http://schemas.microsoft.com/office/drawing/2014/main" xmlns="" id="{FEAE6422-1A5D-43CD-88AE-F30C56DFA355}"/>
               </a:ext>
             </a:extLst>
           </p:cNvPr>
@@ -6239,7 +6239,7 @@
           <p:cNvPr id="8" name="오른쪽 중괄호 7">
             <a:extLst>
               <a:ext uri="{FF2B5EF4-FFF2-40B4-BE49-F238E27FC236}">
-                <a16:creationId xmlns:a16="http://schemas.microsoft.com/office/drawing/2014/main" id="{376BDAB2-1B6F-4865-9CE2-6452628DFE0F}"/>
+                <a16:creationId xmlns:a16="http://schemas.microsoft.com/office/drawing/2014/main" xmlns="" id="{376BDAB2-1B6F-4865-9CE2-6452628DFE0F}"/>
               </a:ext>
             </a:extLst>
           </p:cNvPr>
@@ -6288,7 +6288,7 @@
           <p:cNvPr id="9" name="TextBox 8">
             <a:extLst>
               <a:ext uri="{FF2B5EF4-FFF2-40B4-BE49-F238E27FC236}">
-                <a16:creationId xmlns:a16="http://schemas.microsoft.com/office/drawing/2014/main" id="{036C1F58-F570-4A7E-B880-EC72EFA2B511}"/>
+                <a16:creationId xmlns:a16="http://schemas.microsoft.com/office/drawing/2014/main" xmlns="" id="{036C1F58-F570-4A7E-B880-EC72EFA2B511}"/>
               </a:ext>
             </a:extLst>
           </p:cNvPr>
@@ -6380,7 +6380,7 @@
           <p:cNvPr id="15" name="텍스트 개체 틀 14">
             <a:extLst>
               <a:ext uri="{FF2B5EF4-FFF2-40B4-BE49-F238E27FC236}">
-                <a16:creationId xmlns:a16="http://schemas.microsoft.com/office/drawing/2014/main" id="{CAF4FA68-A32A-48BA-A282-B6F8B4204A68}"/>
+                <a16:creationId xmlns:a16="http://schemas.microsoft.com/office/drawing/2014/main" xmlns="" id="{CAF4FA68-A32A-48BA-A282-B6F8B4204A68}"/>
               </a:ext>
             </a:extLst>
           </p:cNvPr>
@@ -6412,7 +6412,7 @@
           <p:cNvPr id="2" name="TextBox 1">
             <a:extLst>
               <a:ext uri="{FF2B5EF4-FFF2-40B4-BE49-F238E27FC236}">
-                <a16:creationId xmlns:a16="http://schemas.microsoft.com/office/drawing/2014/main" id="{9DEBDF1F-9126-44D9-ACCF-CACDB479F408}"/>
+                <a16:creationId xmlns:a16="http://schemas.microsoft.com/office/drawing/2014/main" xmlns="" id="{9DEBDF1F-9126-44D9-ACCF-CACDB479F408}"/>
               </a:ext>
             </a:extLst>
           </p:cNvPr>
@@ -6421,8 +6421,8 @@
         </p:nvSpPr>
         <p:spPr>
           <a:xfrm>
-            <a:off x="606774" y="1248541"/>
-            <a:ext cx="10978451" cy="2862322"/>
+            <a:off x="606774" y="595991"/>
+            <a:ext cx="10978451" cy="4167423"/>
           </a:xfrm>
           <a:prstGeom prst="rect">
             <a:avLst/>
@@ -6436,6 +6436,9 @@
           <a:lstStyle/>
           <a:p>
             <a:pPr marL="342900" indent="-342900">
+              <a:lnSpc>
+                <a:spcPct val="150000"/>
+              </a:lnSpc>
               <a:buFont typeface="Arial" panose="020B0604020202020204" pitchFamily="34" charset="0"/>
               <a:buChar char="•"/>
             </a:pPr>
@@ -6458,6 +6461,9 @@
           </a:p>
           <a:p>
             <a:pPr marL="342900" indent="-342900">
+              <a:lnSpc>
+                <a:spcPct val="150000"/>
+              </a:lnSpc>
               <a:buFont typeface="Arial" panose="020B0604020202020204" pitchFamily="34" charset="0"/>
               <a:buChar char="•"/>
             </a:pPr>
@@ -6472,6 +6478,9 @@
           </a:p>
           <a:p>
             <a:pPr marL="342900" indent="-342900">
+              <a:lnSpc>
+                <a:spcPct val="150000"/>
+              </a:lnSpc>
               <a:buFont typeface="Arial" panose="020B0604020202020204" pitchFamily="34" charset="0"/>
               <a:buChar char="•"/>
             </a:pPr>
@@ -6544,7 +6553,7 @@
           <p:cNvPr id="15" name="텍스트 개체 틀 14">
             <a:extLst>
               <a:ext uri="{FF2B5EF4-FFF2-40B4-BE49-F238E27FC236}">
-                <a16:creationId xmlns:a16="http://schemas.microsoft.com/office/drawing/2014/main" id="{CAF4FA68-A32A-48BA-A282-B6F8B4204A68}"/>
+                <a16:creationId xmlns:a16="http://schemas.microsoft.com/office/drawing/2014/main" xmlns="" id="{CAF4FA68-A32A-48BA-A282-B6F8B4204A68}"/>
               </a:ext>
             </a:extLst>
           </p:cNvPr>
@@ -6576,7 +6585,7 @@
           <p:cNvPr id="7" name="TextBox 6">
             <a:extLst>
               <a:ext uri="{FF2B5EF4-FFF2-40B4-BE49-F238E27FC236}">
-                <a16:creationId xmlns:a16="http://schemas.microsoft.com/office/drawing/2014/main" id="{FDEA4842-CA19-404B-9F73-F6E3F0759C81}"/>
+                <a16:creationId xmlns:a16="http://schemas.microsoft.com/office/drawing/2014/main" xmlns="" id="{FDEA4842-CA19-404B-9F73-F6E3F0759C81}"/>
               </a:ext>
             </a:extLst>
           </p:cNvPr>
@@ -6585,8 +6594,8 @@
         </p:nvSpPr>
         <p:spPr>
           <a:xfrm>
-            <a:off x="1242866" y="1582756"/>
-            <a:ext cx="10060133" cy="2308324"/>
+            <a:off x="1242866" y="1068705"/>
+            <a:ext cx="10060133" cy="3336426"/>
           </a:xfrm>
           <a:prstGeom prst="rect">
             <a:avLst/>
@@ -6600,6 +6609,9 @@
           <a:lstStyle/>
           <a:p>
             <a:pPr marL="342900" indent="-342900">
+              <a:lnSpc>
+                <a:spcPct val="150000"/>
+              </a:lnSpc>
               <a:buFont typeface="Arial" panose="020B0604020202020204" pitchFamily="34" charset="0"/>
               <a:buChar char="•"/>
             </a:pPr>
@@ -6627,6 +6639,9 @@
           </a:p>
           <a:p>
             <a:pPr marL="342900" indent="-342900">
+              <a:lnSpc>
+                <a:spcPct val="150000"/>
+              </a:lnSpc>
               <a:buFont typeface="Arial" panose="020B0604020202020204" pitchFamily="34" charset="0"/>
               <a:buChar char="•"/>
             </a:pPr>
@@ -6649,6 +6664,9 @@
           </a:p>
           <a:p>
             <a:pPr marL="342900" indent="-342900">
+              <a:lnSpc>
+                <a:spcPct val="150000"/>
+              </a:lnSpc>
               <a:buFont typeface="Arial" panose="020B0604020202020204" pitchFamily="34" charset="0"/>
               <a:buChar char="•"/>
             </a:pPr>
@@ -6734,7 +6752,7 @@
           <p:cNvPr id="15" name="텍스트 개체 틀 14">
             <a:extLst>
               <a:ext uri="{FF2B5EF4-FFF2-40B4-BE49-F238E27FC236}">
-                <a16:creationId xmlns:a16="http://schemas.microsoft.com/office/drawing/2014/main" id="{CAF4FA68-A32A-48BA-A282-B6F8B4204A68}"/>
+                <a16:creationId xmlns:a16="http://schemas.microsoft.com/office/drawing/2014/main" xmlns="" id="{CAF4FA68-A32A-48BA-A282-B6F8B4204A68}"/>
               </a:ext>
             </a:extLst>
           </p:cNvPr>
@@ -6766,7 +6784,7 @@
           <p:cNvPr id="2" name="TextBox 1">
             <a:extLst>
               <a:ext uri="{FF2B5EF4-FFF2-40B4-BE49-F238E27FC236}">
-                <a16:creationId xmlns:a16="http://schemas.microsoft.com/office/drawing/2014/main" id="{08394288-AA37-4883-926B-43FA8EE31657}"/>
+                <a16:creationId xmlns:a16="http://schemas.microsoft.com/office/drawing/2014/main" xmlns="" id="{08394288-AA37-4883-926B-43FA8EE31657}"/>
               </a:ext>
             </a:extLst>
           </p:cNvPr>
@@ -6869,7 +6887,7 @@
           <p:cNvPr id="3" name="TextBox 2">
             <a:extLst>
               <a:ext uri="{FF2B5EF4-FFF2-40B4-BE49-F238E27FC236}">
-                <a16:creationId xmlns:a16="http://schemas.microsoft.com/office/drawing/2014/main" id="{8C8B69A2-8A33-4B8E-A623-1E2A9B054808}"/>
+                <a16:creationId xmlns:a16="http://schemas.microsoft.com/office/drawing/2014/main" xmlns="" id="{8C8B69A2-8A33-4B8E-A623-1E2A9B054808}"/>
               </a:ext>
             </a:extLst>
           </p:cNvPr>
@@ -6998,7 +7016,7 @@
           <p:cNvPr id="4" name="제목 3">
             <a:extLst>
               <a:ext uri="{FF2B5EF4-FFF2-40B4-BE49-F238E27FC236}">
-                <a16:creationId xmlns:a16="http://schemas.microsoft.com/office/drawing/2014/main" id="{8DFA4B1B-0199-4466-93C6-FE754D3F9D9B}"/>
+                <a16:creationId xmlns:a16="http://schemas.microsoft.com/office/drawing/2014/main" xmlns="" id="{8DFA4B1B-0199-4466-93C6-FE754D3F9D9B}"/>
               </a:ext>
             </a:extLst>
           </p:cNvPr>
@@ -7083,7 +7101,7 @@
           <p:cNvPr id="15" name="텍스트 개체 틀 14">
             <a:extLst>
               <a:ext uri="{FF2B5EF4-FFF2-40B4-BE49-F238E27FC236}">
-                <a16:creationId xmlns:a16="http://schemas.microsoft.com/office/drawing/2014/main" id="{CAF4FA68-A32A-48BA-A282-B6F8B4204A68}"/>
+                <a16:creationId xmlns:a16="http://schemas.microsoft.com/office/drawing/2014/main" xmlns="" id="{CAF4FA68-A32A-48BA-A282-B6F8B4204A68}"/>
               </a:ext>
             </a:extLst>
           </p:cNvPr>
@@ -7110,96 +7128,922 @@
           </a:p>
         </p:txBody>
       </p:sp>
-      <p:sp>
-        <p:nvSpPr>
-          <p:cNvPr id="2" name="TextBox 1">
+      <p:graphicFrame>
+        <p:nvGraphicFramePr>
+          <p:cNvPr id="5" name="표 4">
             <a:extLst>
               <a:ext uri="{FF2B5EF4-FFF2-40B4-BE49-F238E27FC236}">
-                <a16:creationId xmlns:a16="http://schemas.microsoft.com/office/drawing/2014/main" id="{C9DF155C-A7FB-4F40-AA87-AE322AA3F233}"/>
+                <a16:creationId xmlns:a16="http://schemas.microsoft.com/office/drawing/2014/main" xmlns="" id="{E7931DB2-6C8C-4132-9BAE-6F4904FF4409}"/>
               </a:ext>
             </a:extLst>
           </p:cNvPr>
-          <p:cNvSpPr txBox="1"/>
-          <p:nvPr/>
-        </p:nvSpPr>
-        <p:spPr>
-          <a:xfrm>
-            <a:off x="2990269" y="1299123"/>
-            <a:ext cx="7131631" cy="2505429"/>
-          </a:xfrm>
-          <a:prstGeom prst="rect">
-            <a:avLst/>
-          </a:prstGeom>
-          <a:noFill/>
-        </p:spPr>
-        <p:txBody>
-          <a:bodyPr vert="horz" wrap="square" lIns="91440" tIns="45720" rIns="91440" bIns="45720" rtlCol="0" anchor="ctr">
-            <a:spAutoFit/>
-          </a:bodyPr>
-          <a:lstStyle/>
-          <a:p>
-            <a:pPr marL="342900" indent="-342900">
-              <a:lnSpc>
-                <a:spcPct val="150000"/>
-              </a:lnSpc>
-              <a:buFont typeface="Arial" panose="020B0604020202020204" pitchFamily="34" charset="0"/>
-              <a:buChar char="•"/>
-            </a:pPr>
-            <a:r>
-              <a:rPr lang="en-US" altLang="ko-KR" sz="3600" dirty="0"/>
-              <a:t>char(character) : 1</a:t>
-            </a:r>
-            <a:r>
-              <a:rPr lang="ko-KR" altLang="en-US" sz="3600" dirty="0"/>
-              <a:t>바이트</a:t>
-            </a:r>
-            <a:endParaRPr lang="en-US" altLang="ko-KR" sz="3600" dirty="0"/>
-          </a:p>
-          <a:p>
-            <a:pPr marL="342900" indent="-342900">
-              <a:lnSpc>
-                <a:spcPct val="150000"/>
-              </a:lnSpc>
-              <a:buFont typeface="Arial" panose="020B0604020202020204" pitchFamily="34" charset="0"/>
-              <a:buChar char="•"/>
-            </a:pPr>
-            <a:r>
-              <a:rPr lang="en-US" altLang="ko-KR" sz="3600" dirty="0"/>
-              <a:t>int(integer) : 4</a:t>
-            </a:r>
-            <a:r>
-              <a:rPr lang="ko-KR" altLang="en-US" sz="3600" dirty="0"/>
-              <a:t>바이트</a:t>
-            </a:r>
-            <a:endParaRPr lang="en-US" altLang="ko-KR" sz="3600" dirty="0"/>
-          </a:p>
-          <a:p>
-            <a:pPr marL="342900" indent="-342900">
-              <a:lnSpc>
-                <a:spcPct val="150000"/>
-              </a:lnSpc>
-              <a:buFont typeface="Arial" panose="020B0604020202020204" pitchFamily="34" charset="0"/>
-              <a:buChar char="•"/>
-            </a:pPr>
-            <a:r>
-              <a:rPr lang="en-US" altLang="ko-KR" sz="3600" dirty="0"/>
-              <a:t>long </a:t>
-            </a:r>
-            <a:r>
-              <a:rPr lang="en-US" altLang="ko-KR" sz="3600" dirty="0" err="1"/>
-              <a:t>long</a:t>
-            </a:r>
-            <a:r>
-              <a:rPr lang="en-US" altLang="ko-KR" sz="3600" dirty="0"/>
-              <a:t> int : 8</a:t>
-            </a:r>
-            <a:r>
-              <a:rPr lang="ko-KR" altLang="en-US" sz="3600" dirty="0"/>
-              <a:t>바이트</a:t>
-            </a:r>
-          </a:p>
-        </p:txBody>
-      </p:sp>
+          <p:cNvGraphicFramePr>
+            <a:graphicFrameLocks noGrp="1"/>
+          </p:cNvGraphicFramePr>
+          <p:nvPr>
+            <p:extLst>
+              <p:ext uri="{D42A27DB-BD31-4B8C-83A1-F6EECF244321}">
+                <p14:modId xmlns:p14="http://schemas.microsoft.com/office/powerpoint/2010/main" val="4012006237"/>
+              </p:ext>
+            </p:extLst>
+          </p:nvPr>
+        </p:nvGraphicFramePr>
+        <p:xfrm>
+          <a:off x="528534" y="1152144"/>
+          <a:ext cx="11225798" cy="3735724"/>
+        </p:xfrm>
+        <a:graphic>
+          <a:graphicData uri="http://schemas.openxmlformats.org/drawingml/2006/table">
+            <a:tbl>
+              <a:tblPr firstRow="1" bandRow="1">
+                <a:tableStyleId>{5C22544A-7EE6-4342-B048-85BDC9FD1C3A}</a:tableStyleId>
+              </a:tblPr>
+              <a:tblGrid>
+                <a:gridCol w="3481753">
+                  <a:extLst>
+                    <a:ext uri="{9D8B030D-6E8A-4147-A177-3AD203B41FA5}">
+                      <a16:colId xmlns:a16="http://schemas.microsoft.com/office/drawing/2014/main" xmlns="" val="3144539832"/>
+                    </a:ext>
+                  </a:extLst>
+                </a:gridCol>
+                <a:gridCol w="2293991">
+                  <a:extLst>
+                    <a:ext uri="{9D8B030D-6E8A-4147-A177-3AD203B41FA5}">
+                      <a16:colId xmlns:a16="http://schemas.microsoft.com/office/drawing/2014/main" xmlns="" val="1160904601"/>
+                    </a:ext>
+                  </a:extLst>
+                </a:gridCol>
+                <a:gridCol w="5450054">
+                  <a:extLst>
+                    <a:ext uri="{9D8B030D-6E8A-4147-A177-3AD203B41FA5}">
+                      <a16:colId xmlns:a16="http://schemas.microsoft.com/office/drawing/2014/main" xmlns="" val="582365628"/>
+                    </a:ext>
+                  </a:extLst>
+                </a:gridCol>
+              </a:tblGrid>
+              <a:tr h="933931">
+                <a:tc>
+                  <a:txBody>
+                    <a:bodyPr/>
+                    <a:lstStyle/>
+                    <a:p>
+                      <a:pPr algn="ctr" latinLnBrk="1"/>
+                      <a:r>
+                        <a:rPr lang="ko-KR" altLang="en-US" sz="2800" b="0" dirty="0" smtClean="0">
+                          <a:solidFill>
+                            <a:sysClr val="windowText" lastClr="000000"/>
+                          </a:solidFill>
+                          <a:latin typeface="나눔스퀘어" panose="020B0600000101010101" pitchFamily="50" charset="-127"/>
+                          <a:ea typeface="나눔스퀘어" panose="020B0600000101010101" pitchFamily="50" charset="-127"/>
+                        </a:rPr>
+                        <a:t>정수형 </a:t>
+                      </a:r>
+                      <a:r>
+                        <a:rPr lang="ko-KR" altLang="en-US" sz="2800" b="0" dirty="0" err="1" smtClean="0">
+                          <a:solidFill>
+                            <a:sysClr val="windowText" lastClr="000000"/>
+                          </a:solidFill>
+                          <a:latin typeface="나눔스퀘어" panose="020B0600000101010101" pitchFamily="50" charset="-127"/>
+                          <a:ea typeface="나눔스퀘어" panose="020B0600000101010101" pitchFamily="50" charset="-127"/>
+                        </a:rPr>
+                        <a:t>자료형</a:t>
+                      </a:r>
+                      <a:endParaRPr lang="ko-KR" altLang="en-US" sz="2800" b="0" dirty="0">
+                        <a:solidFill>
+                          <a:sysClr val="windowText" lastClr="000000"/>
+                        </a:solidFill>
+                        <a:latin typeface="나눔스퀘어" panose="020B0600000101010101" pitchFamily="50" charset="-127"/>
+                        <a:ea typeface="나눔스퀘어" panose="020B0600000101010101" pitchFamily="50" charset="-127"/>
+                      </a:endParaRPr>
+                    </a:p>
+                  </a:txBody>
+                  <a:tcPr marL="127444" marR="127444" marT="63722" marB="63722" anchor="ctr">
+                    <a:lnL w="6350" cap="flat" cmpd="sng" algn="ctr">
+                      <a:solidFill>
+                        <a:schemeClr val="tx1"/>
+                      </a:solidFill>
+                      <a:prstDash val="solid"/>
+                      <a:round/>
+                      <a:headEnd type="none" w="med" len="med"/>
+                      <a:tailEnd type="none" w="med" len="med"/>
+                    </a:lnL>
+                    <a:lnR w="6350" cap="flat" cmpd="sng" algn="ctr">
+                      <a:solidFill>
+                        <a:schemeClr val="tx1"/>
+                      </a:solidFill>
+                      <a:prstDash val="solid"/>
+                      <a:round/>
+                      <a:headEnd type="none" w="med" len="med"/>
+                      <a:tailEnd type="none" w="med" len="med"/>
+                    </a:lnR>
+                    <a:lnT w="6350" cap="flat" cmpd="sng" algn="ctr">
+                      <a:solidFill>
+                        <a:schemeClr val="tx1"/>
+                      </a:solidFill>
+                      <a:prstDash val="solid"/>
+                      <a:round/>
+                      <a:headEnd type="none" w="med" len="med"/>
+                      <a:tailEnd type="none" w="med" len="med"/>
+                    </a:lnT>
+                    <a:lnB w="6350" cap="flat" cmpd="sng" algn="ctr">
+                      <a:solidFill>
+                        <a:schemeClr val="tx1"/>
+                      </a:solidFill>
+                      <a:prstDash val="solid"/>
+                      <a:round/>
+                      <a:headEnd type="none" w="med" len="med"/>
+                      <a:tailEnd type="none" w="med" len="med"/>
+                    </a:lnB>
+                    <a:solidFill>
+                      <a:schemeClr val="bg1">
+                        <a:lumMod val="95000"/>
+                      </a:schemeClr>
+                    </a:solidFill>
+                  </a:tcPr>
+                </a:tc>
+                <a:tc>
+                  <a:txBody>
+                    <a:bodyPr/>
+                    <a:lstStyle/>
+                    <a:p>
+                      <a:pPr algn="ctr" latinLnBrk="1"/>
+                      <a:r>
+                        <a:rPr lang="ko-KR" altLang="en-US" sz="2800" b="0" dirty="0" smtClean="0">
+                          <a:solidFill>
+                            <a:sysClr val="windowText" lastClr="000000"/>
+                          </a:solidFill>
+                          <a:latin typeface="나눔스퀘어" panose="020B0600000101010101" pitchFamily="50" charset="-127"/>
+                          <a:ea typeface="나눔스퀘어" panose="020B0600000101010101" pitchFamily="50" charset="-127"/>
+                        </a:rPr>
+                        <a:t>크기</a:t>
+                      </a:r>
+                      <a:endParaRPr lang="ko-KR" altLang="en-US" sz="2800" b="0" dirty="0">
+                        <a:solidFill>
+                          <a:sysClr val="windowText" lastClr="000000"/>
+                        </a:solidFill>
+                        <a:latin typeface="나눔스퀘어" panose="020B0600000101010101" pitchFamily="50" charset="-127"/>
+                        <a:ea typeface="나눔스퀘어" panose="020B0600000101010101" pitchFamily="50" charset="-127"/>
+                      </a:endParaRPr>
+                    </a:p>
+                  </a:txBody>
+                  <a:tcPr marL="127444" marR="127444" marT="63722" marB="63722" anchor="ctr">
+                    <a:lnL w="6350" cap="flat" cmpd="sng" algn="ctr">
+                      <a:solidFill>
+                        <a:schemeClr val="tx1"/>
+                      </a:solidFill>
+                      <a:prstDash val="solid"/>
+                      <a:round/>
+                      <a:headEnd type="none" w="med" len="med"/>
+                      <a:tailEnd type="none" w="med" len="med"/>
+                    </a:lnL>
+                    <a:lnR w="6350" cap="flat" cmpd="sng" algn="ctr">
+                      <a:solidFill>
+                        <a:schemeClr val="tx1"/>
+                      </a:solidFill>
+                      <a:prstDash val="solid"/>
+                      <a:round/>
+                      <a:headEnd type="none" w="med" len="med"/>
+                      <a:tailEnd type="none" w="med" len="med"/>
+                    </a:lnR>
+                    <a:lnT w="6350" cap="flat" cmpd="sng" algn="ctr">
+                      <a:solidFill>
+                        <a:schemeClr val="tx1"/>
+                      </a:solidFill>
+                      <a:prstDash val="solid"/>
+                      <a:round/>
+                      <a:headEnd type="none" w="med" len="med"/>
+                      <a:tailEnd type="none" w="med" len="med"/>
+                    </a:lnT>
+                    <a:lnB w="6350" cap="flat" cmpd="sng" algn="ctr">
+                      <a:solidFill>
+                        <a:schemeClr val="tx1"/>
+                      </a:solidFill>
+                      <a:prstDash val="solid"/>
+                      <a:round/>
+                      <a:headEnd type="none" w="med" len="med"/>
+                      <a:tailEnd type="none" w="med" len="med"/>
+                    </a:lnB>
+                    <a:solidFill>
+                      <a:schemeClr val="bg1">
+                        <a:lumMod val="95000"/>
+                      </a:schemeClr>
+                    </a:solidFill>
+                  </a:tcPr>
+                </a:tc>
+                <a:tc>
+                  <a:txBody>
+                    <a:bodyPr/>
+                    <a:lstStyle/>
+                    <a:p>
+                      <a:pPr algn="ctr" latinLnBrk="1"/>
+                      <a:r>
+                        <a:rPr lang="ko-KR" altLang="en-US" sz="2800" b="0" dirty="0" smtClean="0">
+                          <a:solidFill>
+                            <a:sysClr val="windowText" lastClr="000000"/>
+                          </a:solidFill>
+                          <a:latin typeface="나눔스퀘어" panose="020B0600000101010101" pitchFamily="50" charset="-127"/>
+                          <a:ea typeface="나눔스퀘어" panose="020B0600000101010101" pitchFamily="50" charset="-127"/>
+                        </a:rPr>
+                        <a:t>범위</a:t>
+                      </a:r>
+                      <a:endParaRPr lang="ko-KR" altLang="en-US" sz="2800" b="0" dirty="0">
+                        <a:solidFill>
+                          <a:sysClr val="windowText" lastClr="000000"/>
+                        </a:solidFill>
+                        <a:latin typeface="나눔스퀘어" panose="020B0600000101010101" pitchFamily="50" charset="-127"/>
+                        <a:ea typeface="나눔스퀘어" panose="020B0600000101010101" pitchFamily="50" charset="-127"/>
+                      </a:endParaRPr>
+                    </a:p>
+                  </a:txBody>
+                  <a:tcPr marL="127444" marR="127444" marT="63722" marB="63722" anchor="ctr">
+                    <a:lnL w="6350" cap="flat" cmpd="sng" algn="ctr">
+                      <a:solidFill>
+                        <a:schemeClr val="tx1"/>
+                      </a:solidFill>
+                      <a:prstDash val="solid"/>
+                      <a:round/>
+                      <a:headEnd type="none" w="med" len="med"/>
+                      <a:tailEnd type="none" w="med" len="med"/>
+                    </a:lnL>
+                    <a:lnR w="6350" cap="flat" cmpd="sng" algn="ctr">
+                      <a:solidFill>
+                        <a:schemeClr val="tx1"/>
+                      </a:solidFill>
+                      <a:prstDash val="solid"/>
+                      <a:round/>
+                      <a:headEnd type="none" w="med" len="med"/>
+                      <a:tailEnd type="none" w="med" len="med"/>
+                    </a:lnR>
+                    <a:lnT w="6350" cap="flat" cmpd="sng" algn="ctr">
+                      <a:solidFill>
+                        <a:schemeClr val="tx1"/>
+                      </a:solidFill>
+                      <a:prstDash val="solid"/>
+                      <a:round/>
+                      <a:headEnd type="none" w="med" len="med"/>
+                      <a:tailEnd type="none" w="med" len="med"/>
+                    </a:lnT>
+                    <a:lnB w="6350" cap="flat" cmpd="sng" algn="ctr">
+                      <a:solidFill>
+                        <a:schemeClr val="tx1"/>
+                      </a:solidFill>
+                      <a:prstDash val="solid"/>
+                      <a:round/>
+                      <a:headEnd type="none" w="med" len="med"/>
+                      <a:tailEnd type="none" w="med" len="med"/>
+                    </a:lnB>
+                    <a:solidFill>
+                      <a:schemeClr val="bg1">
+                        <a:lumMod val="95000"/>
+                      </a:schemeClr>
+                    </a:solidFill>
+                  </a:tcPr>
+                </a:tc>
+                <a:extLst>
+                  <a:ext uri="{0D108BD9-81ED-4DB2-BD59-A6C34878D82A}">
+                    <a16:rowId xmlns:a16="http://schemas.microsoft.com/office/drawing/2014/main" xmlns="" val="719889704"/>
+                  </a:ext>
+                </a:extLst>
+              </a:tr>
+              <a:tr h="933931">
+                <a:tc>
+                  <a:txBody>
+                    <a:bodyPr/>
+                    <a:lstStyle/>
+                    <a:p>
+                      <a:pPr algn="ctr" latinLnBrk="1"/>
+                      <a:r>
+                        <a:rPr lang="en-US" altLang="ko-KR" sz="2800" dirty="0" smtClean="0"/>
+                        <a:t>char(character)</a:t>
+                      </a:r>
+                      <a:endParaRPr lang="ko-KR" altLang="en-US" sz="2800" dirty="0">
+                        <a:latin typeface="나눔스퀘어" panose="020B0600000101010101" pitchFamily="50" charset="-127"/>
+                        <a:ea typeface="나눔스퀘어" panose="020B0600000101010101" pitchFamily="50" charset="-127"/>
+                      </a:endParaRPr>
+                    </a:p>
+                  </a:txBody>
+                  <a:tcPr marL="127444" marR="127444" marT="63722" marB="63722" anchor="ctr">
+                    <a:lnL w="6350" cap="flat" cmpd="sng" algn="ctr">
+                      <a:solidFill>
+                        <a:schemeClr val="tx1"/>
+                      </a:solidFill>
+                      <a:prstDash val="solid"/>
+                      <a:round/>
+                      <a:headEnd type="none" w="med" len="med"/>
+                      <a:tailEnd type="none" w="med" len="med"/>
+                    </a:lnL>
+                    <a:lnR w="6350" cap="flat" cmpd="sng" algn="ctr">
+                      <a:solidFill>
+                        <a:schemeClr val="tx1"/>
+                      </a:solidFill>
+                      <a:prstDash val="solid"/>
+                      <a:round/>
+                      <a:headEnd type="none" w="med" len="med"/>
+                      <a:tailEnd type="none" w="med" len="med"/>
+                    </a:lnR>
+                    <a:lnT w="6350" cap="flat" cmpd="sng" algn="ctr">
+                      <a:solidFill>
+                        <a:schemeClr val="tx1"/>
+                      </a:solidFill>
+                      <a:prstDash val="solid"/>
+                      <a:round/>
+                      <a:headEnd type="none" w="med" len="med"/>
+                      <a:tailEnd type="none" w="med" len="med"/>
+                    </a:lnT>
+                    <a:lnB w="6350" cap="flat" cmpd="sng" algn="ctr">
+                      <a:solidFill>
+                        <a:schemeClr val="tx1"/>
+                      </a:solidFill>
+                      <a:prstDash val="solid"/>
+                      <a:round/>
+                      <a:headEnd type="none" w="med" len="med"/>
+                      <a:tailEnd type="none" w="med" len="med"/>
+                    </a:lnB>
+                    <a:solidFill>
+                      <a:schemeClr val="bg1"/>
+                    </a:solidFill>
+                  </a:tcPr>
+                </a:tc>
+                <a:tc>
+                  <a:txBody>
+                    <a:bodyPr/>
+                    <a:lstStyle/>
+                    <a:p>
+                      <a:pPr marL="0" marR="0" indent="0" algn="ctr" defTabSz="914400" rtl="0" eaLnBrk="1" fontAlgn="auto" latinLnBrk="1" hangingPunct="1">
+                        <a:lnSpc>
+                          <a:spcPct val="100000"/>
+                        </a:lnSpc>
+                        <a:spcBef>
+                          <a:spcPts val="0"/>
+                        </a:spcBef>
+                        <a:spcAft>
+                          <a:spcPts val="0"/>
+                        </a:spcAft>
+                        <a:buClrTx/>
+                        <a:buSzTx/>
+                        <a:buFontTx/>
+                        <a:buNone/>
+                        <a:tabLst/>
+                        <a:defRPr/>
+                      </a:pPr>
+                      <a:r>
+                        <a:rPr lang="en-US" altLang="ko-KR" sz="2800" dirty="0" smtClean="0"/>
+                        <a:t>1</a:t>
+                      </a:r>
+                      <a:r>
+                        <a:rPr lang="ko-KR" altLang="en-US" sz="2800" dirty="0" smtClean="0"/>
+                        <a:t>바이트</a:t>
+                      </a:r>
+                      <a:endParaRPr lang="en-US" altLang="ko-KR" sz="2800" dirty="0" smtClean="0"/>
+                    </a:p>
+                  </a:txBody>
+                  <a:tcPr marL="127444" marR="127444" marT="63722" marB="63722" anchor="ctr">
+                    <a:lnL w="6350" cap="flat" cmpd="sng" algn="ctr">
+                      <a:solidFill>
+                        <a:schemeClr val="tx1"/>
+                      </a:solidFill>
+                      <a:prstDash val="solid"/>
+                      <a:round/>
+                      <a:headEnd type="none" w="med" len="med"/>
+                      <a:tailEnd type="none" w="med" len="med"/>
+                    </a:lnL>
+                    <a:lnR w="6350" cap="flat" cmpd="sng" algn="ctr">
+                      <a:solidFill>
+                        <a:schemeClr val="tx1"/>
+                      </a:solidFill>
+                      <a:prstDash val="solid"/>
+                      <a:round/>
+                      <a:headEnd type="none" w="med" len="med"/>
+                      <a:tailEnd type="none" w="med" len="med"/>
+                    </a:lnR>
+                    <a:lnT w="6350" cap="flat" cmpd="sng" algn="ctr">
+                      <a:solidFill>
+                        <a:schemeClr val="tx1"/>
+                      </a:solidFill>
+                      <a:prstDash val="solid"/>
+                      <a:round/>
+                      <a:headEnd type="none" w="med" len="med"/>
+                      <a:tailEnd type="none" w="med" len="med"/>
+                    </a:lnT>
+                    <a:lnB w="6350" cap="flat" cmpd="sng" algn="ctr">
+                      <a:solidFill>
+                        <a:schemeClr val="tx1"/>
+                      </a:solidFill>
+                      <a:prstDash val="solid"/>
+                      <a:round/>
+                      <a:headEnd type="none" w="med" len="med"/>
+                      <a:tailEnd type="none" w="med" len="med"/>
+                    </a:lnB>
+                    <a:solidFill>
+                      <a:schemeClr val="bg1"/>
+                    </a:solidFill>
+                  </a:tcPr>
+                </a:tc>
+                <a:tc>
+                  <a:txBody>
+                    <a:bodyPr/>
+                    <a:lstStyle/>
+                    <a:p>
+                      <a:pPr algn="ctr" latinLnBrk="1"/>
+                      <a:r>
+                        <a:rPr lang="en-US" altLang="ko-KR" sz="2800" dirty="0" smtClean="0">
+                          <a:latin typeface="나눔스퀘어" panose="020B0600000101010101" pitchFamily="50" charset="-127"/>
+                          <a:ea typeface="나눔스퀘어" panose="020B0600000101010101" pitchFamily="50" charset="-127"/>
+                        </a:rPr>
+                        <a:t>-128</a:t>
+                      </a:r>
+                      <a:r>
+                        <a:rPr lang="en-US" altLang="ko-KR" sz="2800" baseline="0" dirty="0" smtClean="0">
+                          <a:latin typeface="나눔스퀘어" panose="020B0600000101010101" pitchFamily="50" charset="-127"/>
+                          <a:ea typeface="나눔스퀘어" panose="020B0600000101010101" pitchFamily="50" charset="-127"/>
+                        </a:rPr>
+                        <a:t> ~ 127</a:t>
+                      </a:r>
+                      <a:endParaRPr lang="ko-KR" altLang="en-US" sz="2800" dirty="0">
+                        <a:latin typeface="나눔스퀘어" panose="020B0600000101010101" pitchFamily="50" charset="-127"/>
+                        <a:ea typeface="나눔스퀘어" panose="020B0600000101010101" pitchFamily="50" charset="-127"/>
+                      </a:endParaRPr>
+                    </a:p>
+                  </a:txBody>
+                  <a:tcPr marL="127444" marR="127444" marT="63722" marB="63722" anchor="ctr">
+                    <a:lnL w="6350" cap="flat" cmpd="sng" algn="ctr">
+                      <a:solidFill>
+                        <a:schemeClr val="tx1"/>
+                      </a:solidFill>
+                      <a:prstDash val="solid"/>
+                      <a:round/>
+                      <a:headEnd type="none" w="med" len="med"/>
+                      <a:tailEnd type="none" w="med" len="med"/>
+                    </a:lnL>
+                    <a:lnR w="6350" cap="flat" cmpd="sng" algn="ctr">
+                      <a:solidFill>
+                        <a:schemeClr val="tx1"/>
+                      </a:solidFill>
+                      <a:prstDash val="solid"/>
+                      <a:round/>
+                      <a:headEnd type="none" w="med" len="med"/>
+                      <a:tailEnd type="none" w="med" len="med"/>
+                    </a:lnR>
+                    <a:lnT w="6350" cap="flat" cmpd="sng" algn="ctr">
+                      <a:solidFill>
+                        <a:schemeClr val="tx1"/>
+                      </a:solidFill>
+                      <a:prstDash val="solid"/>
+                      <a:round/>
+                      <a:headEnd type="none" w="med" len="med"/>
+                      <a:tailEnd type="none" w="med" len="med"/>
+                    </a:lnT>
+                    <a:lnB w="6350" cap="flat" cmpd="sng" algn="ctr">
+                      <a:solidFill>
+                        <a:schemeClr val="tx1"/>
+                      </a:solidFill>
+                      <a:prstDash val="solid"/>
+                      <a:round/>
+                      <a:headEnd type="none" w="med" len="med"/>
+                      <a:tailEnd type="none" w="med" len="med"/>
+                    </a:lnB>
+                    <a:solidFill>
+                      <a:schemeClr val="bg1"/>
+                    </a:solidFill>
+                  </a:tcPr>
+                </a:tc>
+                <a:extLst>
+                  <a:ext uri="{0D108BD9-81ED-4DB2-BD59-A6C34878D82A}">
+                    <a16:rowId xmlns:a16="http://schemas.microsoft.com/office/drawing/2014/main" xmlns="" val="3252017551"/>
+                  </a:ext>
+                </a:extLst>
+              </a:tr>
+              <a:tr h="933931">
+                <a:tc>
+                  <a:txBody>
+                    <a:bodyPr/>
+                    <a:lstStyle/>
+                    <a:p>
+                      <a:pPr algn="ctr" latinLnBrk="1"/>
+                      <a:r>
+                        <a:rPr lang="en-US" altLang="ko-KR" sz="2800" dirty="0" err="1" smtClean="0"/>
+                        <a:t>int</a:t>
+                      </a:r>
+                      <a:r>
+                        <a:rPr lang="en-US" altLang="ko-KR" sz="2800" dirty="0" smtClean="0"/>
+                        <a:t>(integer)</a:t>
+                      </a:r>
+                      <a:endParaRPr lang="ko-KR" altLang="en-US" sz="2800" dirty="0">
+                        <a:latin typeface="나눔스퀘어" panose="020B0600000101010101" pitchFamily="50" charset="-127"/>
+                        <a:ea typeface="나눔스퀘어" panose="020B0600000101010101" pitchFamily="50" charset="-127"/>
+                      </a:endParaRPr>
+                    </a:p>
+                  </a:txBody>
+                  <a:tcPr marL="127444" marR="127444" marT="63722" marB="63722" anchor="ctr">
+                    <a:lnL w="6350" cap="flat" cmpd="sng" algn="ctr">
+                      <a:solidFill>
+                        <a:schemeClr val="tx1"/>
+                      </a:solidFill>
+                      <a:prstDash val="solid"/>
+                      <a:round/>
+                      <a:headEnd type="none" w="med" len="med"/>
+                      <a:tailEnd type="none" w="med" len="med"/>
+                    </a:lnL>
+                    <a:lnR w="6350" cap="flat" cmpd="sng" algn="ctr">
+                      <a:solidFill>
+                        <a:schemeClr val="tx1"/>
+                      </a:solidFill>
+                      <a:prstDash val="solid"/>
+                      <a:round/>
+                      <a:headEnd type="none" w="med" len="med"/>
+                      <a:tailEnd type="none" w="med" len="med"/>
+                    </a:lnR>
+                    <a:lnT w="6350" cap="flat" cmpd="sng" algn="ctr">
+                      <a:solidFill>
+                        <a:schemeClr val="tx1"/>
+                      </a:solidFill>
+                      <a:prstDash val="solid"/>
+                      <a:round/>
+                      <a:headEnd type="none" w="med" len="med"/>
+                      <a:tailEnd type="none" w="med" len="med"/>
+                    </a:lnT>
+                    <a:lnB w="6350" cap="flat" cmpd="sng" algn="ctr">
+                      <a:solidFill>
+                        <a:schemeClr val="tx1"/>
+                      </a:solidFill>
+                      <a:prstDash val="solid"/>
+                      <a:round/>
+                      <a:headEnd type="none" w="med" len="med"/>
+                      <a:tailEnd type="none" w="med" len="med"/>
+                    </a:lnB>
+                    <a:solidFill>
+                      <a:schemeClr val="bg1"/>
+                    </a:solidFill>
+                  </a:tcPr>
+                </a:tc>
+                <a:tc>
+                  <a:txBody>
+                    <a:bodyPr/>
+                    <a:lstStyle/>
+                    <a:p>
+                      <a:pPr marL="0" marR="0" indent="0" algn="ctr" defTabSz="914400" rtl="0" eaLnBrk="1" fontAlgn="auto" latinLnBrk="1" hangingPunct="1">
+                        <a:lnSpc>
+                          <a:spcPct val="100000"/>
+                        </a:lnSpc>
+                        <a:spcBef>
+                          <a:spcPts val="0"/>
+                        </a:spcBef>
+                        <a:spcAft>
+                          <a:spcPts val="0"/>
+                        </a:spcAft>
+                        <a:buClrTx/>
+                        <a:buSzTx/>
+                        <a:buFontTx/>
+                        <a:buNone/>
+                        <a:tabLst/>
+                        <a:defRPr/>
+                      </a:pPr>
+                      <a:r>
+                        <a:rPr lang="en-US" altLang="ko-KR" sz="2800" dirty="0" smtClean="0"/>
+                        <a:t>4</a:t>
+                      </a:r>
+                      <a:r>
+                        <a:rPr lang="ko-KR" altLang="en-US" sz="2800" dirty="0" smtClean="0"/>
+                        <a:t>바이트</a:t>
+                      </a:r>
+                      <a:endParaRPr lang="en-US" altLang="ko-KR" sz="2800" dirty="0" smtClean="0"/>
+                    </a:p>
+                  </a:txBody>
+                  <a:tcPr marL="127444" marR="127444" marT="63722" marB="63722" anchor="ctr">
+                    <a:lnL w="6350" cap="flat" cmpd="sng" algn="ctr">
+                      <a:solidFill>
+                        <a:schemeClr val="tx1"/>
+                      </a:solidFill>
+                      <a:prstDash val="solid"/>
+                      <a:round/>
+                      <a:headEnd type="none" w="med" len="med"/>
+                      <a:tailEnd type="none" w="med" len="med"/>
+                    </a:lnL>
+                    <a:lnR w="6350" cap="flat" cmpd="sng" algn="ctr">
+                      <a:solidFill>
+                        <a:schemeClr val="tx1"/>
+                      </a:solidFill>
+                      <a:prstDash val="solid"/>
+                      <a:round/>
+                      <a:headEnd type="none" w="med" len="med"/>
+                      <a:tailEnd type="none" w="med" len="med"/>
+                    </a:lnR>
+                    <a:lnT w="6350" cap="flat" cmpd="sng" algn="ctr">
+                      <a:solidFill>
+                        <a:schemeClr val="tx1"/>
+                      </a:solidFill>
+                      <a:prstDash val="solid"/>
+                      <a:round/>
+                      <a:headEnd type="none" w="med" len="med"/>
+                      <a:tailEnd type="none" w="med" len="med"/>
+                    </a:lnT>
+                    <a:lnB w="6350" cap="flat" cmpd="sng" algn="ctr">
+                      <a:solidFill>
+                        <a:schemeClr val="tx1"/>
+                      </a:solidFill>
+                      <a:prstDash val="solid"/>
+                      <a:round/>
+                      <a:headEnd type="none" w="med" len="med"/>
+                      <a:tailEnd type="none" w="med" len="med"/>
+                    </a:lnB>
+                    <a:solidFill>
+                      <a:schemeClr val="bg1"/>
+                    </a:solidFill>
+                  </a:tcPr>
+                </a:tc>
+                <a:tc>
+                  <a:txBody>
+                    <a:bodyPr/>
+                    <a:lstStyle/>
+                    <a:p>
+                      <a:pPr algn="ctr" latinLnBrk="1"/>
+                      <a:r>
+                        <a:rPr lang="en-US" altLang="ko-KR" sz="2500" b="0" i="0" kern="1200" dirty="0" smtClean="0">
+                          <a:solidFill>
+                            <a:schemeClr val="dk1"/>
+                          </a:solidFill>
+                          <a:effectLst/>
+                          <a:latin typeface="+mn-lt"/>
+                          <a:ea typeface="+mn-ea"/>
+                          <a:cs typeface="+mn-cs"/>
+                        </a:rPr>
+                        <a:t>-2,147,483,648 ~ 2,147,483,647</a:t>
+                      </a:r>
+                      <a:endParaRPr lang="ko-KR" altLang="en-US" sz="2800" dirty="0">
+                        <a:latin typeface="나눔스퀘어" panose="020B0600000101010101" pitchFamily="50" charset="-127"/>
+                        <a:ea typeface="나눔스퀘어" panose="020B0600000101010101" pitchFamily="50" charset="-127"/>
+                      </a:endParaRPr>
+                    </a:p>
+                  </a:txBody>
+                  <a:tcPr marL="127444" marR="127444" marT="63722" marB="63722" anchor="ctr">
+                    <a:lnL w="6350" cap="flat" cmpd="sng" algn="ctr">
+                      <a:solidFill>
+                        <a:schemeClr val="tx1"/>
+                      </a:solidFill>
+                      <a:prstDash val="solid"/>
+                      <a:round/>
+                      <a:headEnd type="none" w="med" len="med"/>
+                      <a:tailEnd type="none" w="med" len="med"/>
+                    </a:lnL>
+                    <a:lnR w="6350" cap="flat" cmpd="sng" algn="ctr">
+                      <a:solidFill>
+                        <a:schemeClr val="tx1"/>
+                      </a:solidFill>
+                      <a:prstDash val="solid"/>
+                      <a:round/>
+                      <a:headEnd type="none" w="med" len="med"/>
+                      <a:tailEnd type="none" w="med" len="med"/>
+                    </a:lnR>
+                    <a:lnT w="6350" cap="flat" cmpd="sng" algn="ctr">
+                      <a:solidFill>
+                        <a:schemeClr val="tx1"/>
+                      </a:solidFill>
+                      <a:prstDash val="solid"/>
+                      <a:round/>
+                      <a:headEnd type="none" w="med" len="med"/>
+                      <a:tailEnd type="none" w="med" len="med"/>
+                    </a:lnT>
+                    <a:lnB w="6350" cap="flat" cmpd="sng" algn="ctr">
+                      <a:solidFill>
+                        <a:schemeClr val="tx1"/>
+                      </a:solidFill>
+                      <a:prstDash val="solid"/>
+                      <a:round/>
+                      <a:headEnd type="none" w="med" len="med"/>
+                      <a:tailEnd type="none" w="med" len="med"/>
+                    </a:lnB>
+                    <a:solidFill>
+                      <a:schemeClr val="bg1"/>
+                    </a:solidFill>
+                  </a:tcPr>
+                </a:tc>
+                <a:extLst>
+                  <a:ext uri="{0D108BD9-81ED-4DB2-BD59-A6C34878D82A}">
+                    <a16:rowId xmlns:a16="http://schemas.microsoft.com/office/drawing/2014/main" xmlns="" val="2914532749"/>
+                  </a:ext>
+                </a:extLst>
+              </a:tr>
+              <a:tr h="933931">
+                <a:tc>
+                  <a:txBody>
+                    <a:bodyPr/>
+                    <a:lstStyle/>
+                    <a:p>
+                      <a:pPr algn="ctr" latinLnBrk="1"/>
+                      <a:r>
+                        <a:rPr lang="en-US" altLang="ko-KR" sz="2800" dirty="0" smtClean="0"/>
+                        <a:t>long </a:t>
+                      </a:r>
+                      <a:r>
+                        <a:rPr lang="en-US" altLang="ko-KR" sz="2800" dirty="0" err="1" smtClean="0"/>
+                        <a:t>long</a:t>
+                      </a:r>
+                      <a:r>
+                        <a:rPr lang="en-US" altLang="ko-KR" sz="2800" dirty="0" smtClean="0"/>
+                        <a:t> </a:t>
+                      </a:r>
+                      <a:r>
+                        <a:rPr lang="en-US" altLang="ko-KR" sz="2800" dirty="0" err="1" smtClean="0"/>
+                        <a:t>int</a:t>
+                      </a:r>
+                      <a:endParaRPr lang="ko-KR" altLang="en-US" sz="2800" dirty="0">
+                        <a:latin typeface="나눔스퀘어" panose="020B0600000101010101" pitchFamily="50" charset="-127"/>
+                        <a:ea typeface="나눔스퀘어" panose="020B0600000101010101" pitchFamily="50" charset="-127"/>
+                      </a:endParaRPr>
+                    </a:p>
+                  </a:txBody>
+                  <a:tcPr marL="127444" marR="127444" marT="63722" marB="63722" anchor="ctr">
+                    <a:lnL w="6350" cap="flat" cmpd="sng" algn="ctr">
+                      <a:solidFill>
+                        <a:schemeClr val="tx1"/>
+                      </a:solidFill>
+                      <a:prstDash val="solid"/>
+                      <a:round/>
+                      <a:headEnd type="none" w="med" len="med"/>
+                      <a:tailEnd type="none" w="med" len="med"/>
+                    </a:lnL>
+                    <a:lnR w="6350" cap="flat" cmpd="sng" algn="ctr">
+                      <a:solidFill>
+                        <a:schemeClr val="tx1"/>
+                      </a:solidFill>
+                      <a:prstDash val="solid"/>
+                      <a:round/>
+                      <a:headEnd type="none" w="med" len="med"/>
+                      <a:tailEnd type="none" w="med" len="med"/>
+                    </a:lnR>
+                    <a:lnT w="6350" cap="flat" cmpd="sng" algn="ctr">
+                      <a:solidFill>
+                        <a:schemeClr val="tx1"/>
+                      </a:solidFill>
+                      <a:prstDash val="solid"/>
+                      <a:round/>
+                      <a:headEnd type="none" w="med" len="med"/>
+                      <a:tailEnd type="none" w="med" len="med"/>
+                    </a:lnT>
+                    <a:lnB w="6350" cap="flat" cmpd="sng" algn="ctr">
+                      <a:solidFill>
+                        <a:schemeClr val="tx1"/>
+                      </a:solidFill>
+                      <a:prstDash val="solid"/>
+                      <a:round/>
+                      <a:headEnd type="none" w="med" len="med"/>
+                      <a:tailEnd type="none" w="med" len="med"/>
+                    </a:lnB>
+                    <a:solidFill>
+                      <a:schemeClr val="bg1"/>
+                    </a:solidFill>
+                  </a:tcPr>
+                </a:tc>
+                <a:tc>
+                  <a:txBody>
+                    <a:bodyPr/>
+                    <a:lstStyle/>
+                    <a:p>
+                      <a:pPr marL="0" marR="0" indent="0" algn="ctr" defTabSz="914400" rtl="0" eaLnBrk="1" fontAlgn="auto" latinLnBrk="1" hangingPunct="1">
+                        <a:lnSpc>
+                          <a:spcPct val="100000"/>
+                        </a:lnSpc>
+                        <a:spcBef>
+                          <a:spcPts val="0"/>
+                        </a:spcBef>
+                        <a:spcAft>
+                          <a:spcPts val="0"/>
+                        </a:spcAft>
+                        <a:buClrTx/>
+                        <a:buSzTx/>
+                        <a:buFontTx/>
+                        <a:buNone/>
+                        <a:tabLst/>
+                        <a:defRPr/>
+                      </a:pPr>
+                      <a:r>
+                        <a:rPr lang="en-US" altLang="ko-KR" sz="2800" dirty="0" smtClean="0"/>
+                        <a:t>8</a:t>
+                      </a:r>
+                      <a:r>
+                        <a:rPr lang="ko-KR" altLang="en-US" sz="2800" dirty="0" smtClean="0"/>
+                        <a:t>바이트</a:t>
+                      </a:r>
+                    </a:p>
+                  </a:txBody>
+                  <a:tcPr marL="127444" marR="127444" marT="63722" marB="63722" anchor="ctr">
+                    <a:lnL w="6350" cap="flat" cmpd="sng" algn="ctr">
+                      <a:solidFill>
+                        <a:schemeClr val="tx1"/>
+                      </a:solidFill>
+                      <a:prstDash val="solid"/>
+                      <a:round/>
+                      <a:headEnd type="none" w="med" len="med"/>
+                      <a:tailEnd type="none" w="med" len="med"/>
+                    </a:lnL>
+                    <a:lnR w="6350" cap="flat" cmpd="sng" algn="ctr">
+                      <a:solidFill>
+                        <a:schemeClr val="tx1"/>
+                      </a:solidFill>
+                      <a:prstDash val="solid"/>
+                      <a:round/>
+                      <a:headEnd type="none" w="med" len="med"/>
+                      <a:tailEnd type="none" w="med" len="med"/>
+                    </a:lnR>
+                    <a:lnT w="6350" cap="flat" cmpd="sng" algn="ctr">
+                      <a:solidFill>
+                        <a:schemeClr val="tx1"/>
+                      </a:solidFill>
+                      <a:prstDash val="solid"/>
+                      <a:round/>
+                      <a:headEnd type="none" w="med" len="med"/>
+                      <a:tailEnd type="none" w="med" len="med"/>
+                    </a:lnT>
+                    <a:lnB w="6350" cap="flat" cmpd="sng" algn="ctr">
+                      <a:solidFill>
+                        <a:schemeClr val="tx1"/>
+                      </a:solidFill>
+                      <a:prstDash val="solid"/>
+                      <a:round/>
+                      <a:headEnd type="none" w="med" len="med"/>
+                      <a:tailEnd type="none" w="med" len="med"/>
+                    </a:lnB>
+                    <a:solidFill>
+                      <a:schemeClr val="bg1"/>
+                    </a:solidFill>
+                  </a:tcPr>
+                </a:tc>
+                <a:tc>
+                  <a:txBody>
+                    <a:bodyPr/>
+                    <a:lstStyle/>
+                    <a:p>
+                      <a:pPr algn="ctr" latinLnBrk="1"/>
+                      <a:r>
+                        <a:rPr lang="en-US" altLang="ko-KR" sz="2500" b="0" i="0" kern="1200" dirty="0" smtClean="0">
+                          <a:solidFill>
+                            <a:schemeClr val="dk1"/>
+                          </a:solidFill>
+                          <a:effectLst/>
+                          <a:latin typeface="+mn-lt"/>
+                          <a:ea typeface="+mn-ea"/>
+                          <a:cs typeface="+mn-cs"/>
+                        </a:rPr>
+                        <a:t>-9,223,372,036,854,775,808 ~ 9,223,372,036,854,775,807</a:t>
+                      </a:r>
+                      <a:endParaRPr lang="ko-KR" altLang="en-US" sz="2800" dirty="0">
+                        <a:latin typeface="나눔스퀘어" panose="020B0600000101010101" pitchFamily="50" charset="-127"/>
+                        <a:ea typeface="나눔스퀘어" panose="020B0600000101010101" pitchFamily="50" charset="-127"/>
+                      </a:endParaRPr>
+                    </a:p>
+                  </a:txBody>
+                  <a:tcPr marL="127444" marR="127444" marT="63722" marB="63722" anchor="ctr">
+                    <a:lnL w="6350" cap="flat" cmpd="sng" algn="ctr">
+                      <a:solidFill>
+                        <a:schemeClr val="tx1"/>
+                      </a:solidFill>
+                      <a:prstDash val="solid"/>
+                      <a:round/>
+                      <a:headEnd type="none" w="med" len="med"/>
+                      <a:tailEnd type="none" w="med" len="med"/>
+                    </a:lnL>
+                    <a:lnR w="6350" cap="flat" cmpd="sng" algn="ctr">
+                      <a:solidFill>
+                        <a:schemeClr val="tx1"/>
+                      </a:solidFill>
+                      <a:prstDash val="solid"/>
+                      <a:round/>
+                      <a:headEnd type="none" w="med" len="med"/>
+                      <a:tailEnd type="none" w="med" len="med"/>
+                    </a:lnR>
+                    <a:lnT w="6350" cap="flat" cmpd="sng" algn="ctr">
+                      <a:solidFill>
+                        <a:schemeClr val="tx1"/>
+                      </a:solidFill>
+                      <a:prstDash val="solid"/>
+                      <a:round/>
+                      <a:headEnd type="none" w="med" len="med"/>
+                      <a:tailEnd type="none" w="med" len="med"/>
+                    </a:lnT>
+                    <a:lnB w="6350" cap="flat" cmpd="sng" algn="ctr">
+                      <a:solidFill>
+                        <a:schemeClr val="tx1"/>
+                      </a:solidFill>
+                      <a:prstDash val="solid"/>
+                      <a:round/>
+                      <a:headEnd type="none" w="med" len="med"/>
+                      <a:tailEnd type="none" w="med" len="med"/>
+                    </a:lnB>
+                    <a:solidFill>
+                      <a:schemeClr val="bg1"/>
+                    </a:solidFill>
+                  </a:tcPr>
+                </a:tc>
+                <a:extLst>
+                  <a:ext uri="{0D108BD9-81ED-4DB2-BD59-A6C34878D82A}">
+                    <a16:rowId xmlns:a16="http://schemas.microsoft.com/office/drawing/2014/main" xmlns="" val="1909626095"/>
+                  </a:ext>
+                </a:extLst>
+              </a:tr>
+            </a:tbl>
+          </a:graphicData>
+        </a:graphic>
+      </p:graphicFrame>
     </p:spTree>
     <p:extLst>
       <p:ext uri="{BB962C8B-B14F-4D97-AF65-F5344CB8AC3E}">
@@ -7262,7 +8106,7 @@
           <p:cNvPr id="15" name="텍스트 개체 틀 14">
             <a:extLst>
               <a:ext uri="{FF2B5EF4-FFF2-40B4-BE49-F238E27FC236}">
-                <a16:creationId xmlns:a16="http://schemas.microsoft.com/office/drawing/2014/main" id="{CAF4FA68-A32A-48BA-A282-B6F8B4204A68}"/>
+                <a16:creationId xmlns:a16="http://schemas.microsoft.com/office/drawing/2014/main" xmlns="" id="{CAF4FA68-A32A-48BA-A282-B6F8B4204A68}"/>
               </a:ext>
             </a:extLst>
           </p:cNvPr>
@@ -7294,7 +8138,7 @@
           <p:cNvPr id="3" name="직사각형 2">
             <a:extLst>
               <a:ext uri="{FF2B5EF4-FFF2-40B4-BE49-F238E27FC236}">
-                <a16:creationId xmlns:a16="http://schemas.microsoft.com/office/drawing/2014/main" id="{332BDE74-ED07-4F5E-8B66-F651CEA84EED}"/>
+                <a16:creationId xmlns:a16="http://schemas.microsoft.com/office/drawing/2014/main" xmlns="" id="{332BDE74-ED07-4F5E-8B66-F651CEA84EED}"/>
               </a:ext>
             </a:extLst>
           </p:cNvPr>
@@ -7358,7 +8202,7 @@
           <p:cNvPr id="5" name="직선 연결선 4">
             <a:extLst>
               <a:ext uri="{FF2B5EF4-FFF2-40B4-BE49-F238E27FC236}">
-                <a16:creationId xmlns:a16="http://schemas.microsoft.com/office/drawing/2014/main" id="{9B01F8CD-24BE-4EEF-8A6F-AEE2554CF329}"/>
+                <a16:creationId xmlns:a16="http://schemas.microsoft.com/office/drawing/2014/main" xmlns="" id="{9B01F8CD-24BE-4EEF-8A6F-AEE2554CF329}"/>
               </a:ext>
             </a:extLst>
           </p:cNvPr>
@@ -7399,7 +8243,7 @@
           <p:cNvPr id="7" name="TextBox 6">
             <a:extLst>
               <a:ext uri="{FF2B5EF4-FFF2-40B4-BE49-F238E27FC236}">
-                <a16:creationId xmlns:a16="http://schemas.microsoft.com/office/drawing/2014/main" id="{0D8CC05C-AC27-4CD6-8B9F-8F7B8F30D606}"/>
+                <a16:creationId xmlns:a16="http://schemas.microsoft.com/office/drawing/2014/main" xmlns="" id="{0D8CC05C-AC27-4CD6-8B9F-8F7B8F30D606}"/>
               </a:ext>
             </a:extLst>
           </p:cNvPr>
@@ -7435,7 +8279,7 @@
           <p:cNvPr id="9" name="직선 화살표 연결선 8">
             <a:extLst>
               <a:ext uri="{FF2B5EF4-FFF2-40B4-BE49-F238E27FC236}">
-                <a16:creationId xmlns:a16="http://schemas.microsoft.com/office/drawing/2014/main" id="{125EABB7-68AD-4273-A2C4-07D03DADE6E5}"/>
+                <a16:creationId xmlns:a16="http://schemas.microsoft.com/office/drawing/2014/main" xmlns="" id="{125EABB7-68AD-4273-A2C4-07D03DADE6E5}"/>
               </a:ext>
             </a:extLst>
           </p:cNvPr>
@@ -7477,7 +8321,7 @@
           <p:cNvPr id="10" name="TextBox 9">
             <a:extLst>
               <a:ext uri="{FF2B5EF4-FFF2-40B4-BE49-F238E27FC236}">
-                <a16:creationId xmlns:a16="http://schemas.microsoft.com/office/drawing/2014/main" id="{A162BA65-4960-4262-B66E-2E8478E4340C}"/>
+                <a16:creationId xmlns:a16="http://schemas.microsoft.com/office/drawing/2014/main" xmlns="" id="{A162BA65-4960-4262-B66E-2E8478E4340C}"/>
               </a:ext>
             </a:extLst>
           </p:cNvPr>
@@ -7517,7 +8361,7 @@
           <p:cNvPr id="13" name="오른쪽 중괄호 12">
             <a:extLst>
               <a:ext uri="{FF2B5EF4-FFF2-40B4-BE49-F238E27FC236}">
-                <a16:creationId xmlns:a16="http://schemas.microsoft.com/office/drawing/2014/main" id="{2D0319B3-EC7F-418C-8578-A4020900B8FF}"/>
+                <a16:creationId xmlns:a16="http://schemas.microsoft.com/office/drawing/2014/main" xmlns="" id="{2D0319B3-EC7F-418C-8578-A4020900B8FF}"/>
               </a:ext>
             </a:extLst>
           </p:cNvPr>
@@ -7566,7 +8410,7 @@
           <p:cNvPr id="14" name="TextBox 13">
             <a:extLst>
               <a:ext uri="{FF2B5EF4-FFF2-40B4-BE49-F238E27FC236}">
-                <a16:creationId xmlns:a16="http://schemas.microsoft.com/office/drawing/2014/main" id="{38581FB8-DDC5-4623-8FBB-3CE17B4AF287}"/>
+                <a16:creationId xmlns:a16="http://schemas.microsoft.com/office/drawing/2014/main" xmlns="" id="{38581FB8-DDC5-4623-8FBB-3CE17B4AF287}"/>
               </a:ext>
             </a:extLst>
           </p:cNvPr>
@@ -7608,7 +8452,7 @@
               <p:cNvPr id="12" name="TextBox 11">
                 <a:extLst>
                   <a:ext uri="{FF2B5EF4-FFF2-40B4-BE49-F238E27FC236}">
-                    <a16:creationId xmlns:a16="http://schemas.microsoft.com/office/drawing/2014/main" id="{E527A977-A10E-4294-891F-B506A943EFDB}"/>
+                    <a16:creationId xmlns:a16="http://schemas.microsoft.com/office/drawing/2014/main" xmlns="" id="{E527A977-A10E-4294-891F-B506A943EFDB}"/>
                   </a:ext>
                 </a:extLst>
               </p:cNvPr>
@@ -7760,7 +8604,7 @@
               <p:cNvPr id="16" name="TextBox 15">
                 <a:extLst>
                   <a:ext uri="{FF2B5EF4-FFF2-40B4-BE49-F238E27FC236}">
-                    <a16:creationId xmlns:a16="http://schemas.microsoft.com/office/drawing/2014/main" id="{F7A08F76-B81D-43E0-BF2E-E0B51CF464DA}"/>
+                    <a16:creationId xmlns:a16="http://schemas.microsoft.com/office/drawing/2014/main" xmlns="" id="{F7A08F76-B81D-43E0-BF2E-E0B51CF464DA}"/>
                   </a:ext>
                 </a:extLst>
               </p:cNvPr>
@@ -7854,7 +8698,7 @@
           <p:cNvPr id="17" name="직선 화살표 연결선 16">
             <a:extLst>
               <a:ext uri="{FF2B5EF4-FFF2-40B4-BE49-F238E27FC236}">
-                <a16:creationId xmlns:a16="http://schemas.microsoft.com/office/drawing/2014/main" id="{35A29C5B-A15F-4B09-BCCB-A9C97D4DF6B8}"/>
+                <a16:creationId xmlns:a16="http://schemas.microsoft.com/office/drawing/2014/main" xmlns="" id="{35A29C5B-A15F-4B09-BCCB-A9C97D4DF6B8}"/>
               </a:ext>
             </a:extLst>
           </p:cNvPr>
@@ -7930,7 +8774,7 @@
           <p:cNvPr id="3" name="직선 연결선 2">
             <a:extLst>
               <a:ext uri="{FF2B5EF4-FFF2-40B4-BE49-F238E27FC236}">
-                <a16:creationId xmlns:a16="http://schemas.microsoft.com/office/drawing/2014/main" id="{28440DBE-91E6-47C8-8CD2-52AFFFC36225}"/>
+                <a16:creationId xmlns:a16="http://schemas.microsoft.com/office/drawing/2014/main" xmlns="" id="{28440DBE-91E6-47C8-8CD2-52AFFFC36225}"/>
               </a:ext>
             </a:extLst>
           </p:cNvPr>
@@ -7974,7 +8818,7 @@
           <p:cNvPr id="6" name="그룹 5">
             <a:extLst>
               <a:ext uri="{FF2B5EF4-FFF2-40B4-BE49-F238E27FC236}">
-                <a16:creationId xmlns:a16="http://schemas.microsoft.com/office/drawing/2014/main" id="{62BEC453-5294-49E0-B407-C26F551AA0C9}"/>
+                <a16:creationId xmlns:a16="http://schemas.microsoft.com/office/drawing/2014/main" xmlns="" id="{62BEC453-5294-49E0-B407-C26F551AA0C9}"/>
               </a:ext>
             </a:extLst>
           </p:cNvPr>
@@ -7994,7 +8838,7 @@
             <p:cNvPr id="5" name="타원 4">
               <a:extLst>
                 <a:ext uri="{FF2B5EF4-FFF2-40B4-BE49-F238E27FC236}">
-                  <a16:creationId xmlns:a16="http://schemas.microsoft.com/office/drawing/2014/main" id="{A71AF818-6DB8-4B2F-AFFC-C24B77A8793B}"/>
+                  <a16:creationId xmlns:a16="http://schemas.microsoft.com/office/drawing/2014/main" xmlns="" id="{A71AF818-6DB8-4B2F-AFFC-C24B77A8793B}"/>
                 </a:ext>
               </a:extLst>
             </p:cNvPr>
@@ -8046,7 +8890,7 @@
             <p:cNvPr id="16" name="타원 15">
               <a:extLst>
                 <a:ext uri="{FF2B5EF4-FFF2-40B4-BE49-F238E27FC236}">
-                  <a16:creationId xmlns:a16="http://schemas.microsoft.com/office/drawing/2014/main" id="{F0309BEC-9F2C-4151-9C32-6DA456560C19}"/>
+                  <a16:creationId xmlns:a16="http://schemas.microsoft.com/office/drawing/2014/main" xmlns="" id="{F0309BEC-9F2C-4151-9C32-6DA456560C19}"/>
                 </a:ext>
               </a:extLst>
             </p:cNvPr>
@@ -8099,7 +8943,7 @@
           <p:cNvPr id="7" name="TextBox 6">
             <a:extLst>
               <a:ext uri="{FF2B5EF4-FFF2-40B4-BE49-F238E27FC236}">
-                <a16:creationId xmlns:a16="http://schemas.microsoft.com/office/drawing/2014/main" id="{D13DEBD1-7F50-4C21-A1A6-3EE0B89D3F56}"/>
+                <a16:creationId xmlns:a16="http://schemas.microsoft.com/office/drawing/2014/main" xmlns="" id="{D13DEBD1-7F50-4C21-A1A6-3EE0B89D3F56}"/>
               </a:ext>
             </a:extLst>
           </p:cNvPr>
@@ -8139,7 +8983,7 @@
           <p:cNvPr id="17" name="그룹 16">
             <a:extLst>
               <a:ext uri="{FF2B5EF4-FFF2-40B4-BE49-F238E27FC236}">
-                <a16:creationId xmlns:a16="http://schemas.microsoft.com/office/drawing/2014/main" id="{725C47A4-62C2-4902-88CF-7AF901275111}"/>
+                <a16:creationId xmlns:a16="http://schemas.microsoft.com/office/drawing/2014/main" xmlns="" id="{725C47A4-62C2-4902-88CF-7AF901275111}"/>
               </a:ext>
             </a:extLst>
           </p:cNvPr>
@@ -8159,7 +9003,7 @@
             <p:cNvPr id="18" name="타원 17">
               <a:extLst>
                 <a:ext uri="{FF2B5EF4-FFF2-40B4-BE49-F238E27FC236}">
-                  <a16:creationId xmlns:a16="http://schemas.microsoft.com/office/drawing/2014/main" id="{F06223A8-7A2C-47A7-99FE-2FE08DC45C34}"/>
+                  <a16:creationId xmlns:a16="http://schemas.microsoft.com/office/drawing/2014/main" xmlns="" id="{F06223A8-7A2C-47A7-99FE-2FE08DC45C34}"/>
                 </a:ext>
               </a:extLst>
             </p:cNvPr>
@@ -8211,7 +9055,7 @@
             <p:cNvPr id="19" name="타원 18">
               <a:extLst>
                 <a:ext uri="{FF2B5EF4-FFF2-40B4-BE49-F238E27FC236}">
-                  <a16:creationId xmlns:a16="http://schemas.microsoft.com/office/drawing/2014/main" id="{A31F3FEA-3903-4D50-B179-887AFEBE7606}"/>
+                  <a16:creationId xmlns:a16="http://schemas.microsoft.com/office/drawing/2014/main" xmlns="" id="{A31F3FEA-3903-4D50-B179-887AFEBE7606}"/>
                 </a:ext>
               </a:extLst>
             </p:cNvPr>
@@ -8264,7 +9108,7 @@
           <p:cNvPr id="20" name="TextBox 19">
             <a:extLst>
               <a:ext uri="{FF2B5EF4-FFF2-40B4-BE49-F238E27FC236}">
-                <a16:creationId xmlns:a16="http://schemas.microsoft.com/office/drawing/2014/main" id="{093AFDFE-AF77-4F85-B2C8-2DA614FE465F}"/>
+                <a16:creationId xmlns:a16="http://schemas.microsoft.com/office/drawing/2014/main" xmlns="" id="{093AFDFE-AF77-4F85-B2C8-2DA614FE465F}"/>
               </a:ext>
             </a:extLst>
           </p:cNvPr>
@@ -8300,7 +9144,7 @@
           <p:cNvPr id="21" name="그룹 20">
             <a:extLst>
               <a:ext uri="{FF2B5EF4-FFF2-40B4-BE49-F238E27FC236}">
-                <a16:creationId xmlns:a16="http://schemas.microsoft.com/office/drawing/2014/main" id="{5032A6A0-9FB0-4EB9-AB88-51D48BD08325}"/>
+                <a16:creationId xmlns:a16="http://schemas.microsoft.com/office/drawing/2014/main" xmlns="" id="{5032A6A0-9FB0-4EB9-AB88-51D48BD08325}"/>
               </a:ext>
             </a:extLst>
           </p:cNvPr>
@@ -8320,7 +9164,7 @@
             <p:cNvPr id="22" name="타원 21">
               <a:extLst>
                 <a:ext uri="{FF2B5EF4-FFF2-40B4-BE49-F238E27FC236}">
-                  <a16:creationId xmlns:a16="http://schemas.microsoft.com/office/drawing/2014/main" id="{E57AE965-4D5D-4343-8786-783838C41DF0}"/>
+                  <a16:creationId xmlns:a16="http://schemas.microsoft.com/office/drawing/2014/main" xmlns="" id="{E57AE965-4D5D-4343-8786-783838C41DF0}"/>
                 </a:ext>
               </a:extLst>
             </p:cNvPr>
@@ -8372,7 +9216,7 @@
             <p:cNvPr id="23" name="타원 22">
               <a:extLst>
                 <a:ext uri="{FF2B5EF4-FFF2-40B4-BE49-F238E27FC236}">
-                  <a16:creationId xmlns:a16="http://schemas.microsoft.com/office/drawing/2014/main" id="{ACDA1128-ED58-414E-BDD8-3A49BB7098C3}"/>
+                  <a16:creationId xmlns:a16="http://schemas.microsoft.com/office/drawing/2014/main" xmlns="" id="{ACDA1128-ED58-414E-BDD8-3A49BB7098C3}"/>
                 </a:ext>
               </a:extLst>
             </p:cNvPr>
@@ -8425,7 +9269,7 @@
           <p:cNvPr id="24" name="TextBox 23">
             <a:extLst>
               <a:ext uri="{FF2B5EF4-FFF2-40B4-BE49-F238E27FC236}">
-                <a16:creationId xmlns:a16="http://schemas.microsoft.com/office/drawing/2014/main" id="{FBABCCFF-29D9-4A1A-865C-749C47E5F9DA}"/>
+                <a16:creationId xmlns:a16="http://schemas.microsoft.com/office/drawing/2014/main" xmlns="" id="{FBABCCFF-29D9-4A1A-865C-749C47E5F9DA}"/>
               </a:ext>
             </a:extLst>
           </p:cNvPr>
@@ -8461,7 +9305,7 @@
           <p:cNvPr id="25" name="그룹 24">
             <a:extLst>
               <a:ext uri="{FF2B5EF4-FFF2-40B4-BE49-F238E27FC236}">
-                <a16:creationId xmlns:a16="http://schemas.microsoft.com/office/drawing/2014/main" id="{99741E50-7141-4664-8220-D71CB1E37A2D}"/>
+                <a16:creationId xmlns:a16="http://schemas.microsoft.com/office/drawing/2014/main" xmlns="" id="{99741E50-7141-4664-8220-D71CB1E37A2D}"/>
               </a:ext>
             </a:extLst>
           </p:cNvPr>
@@ -8481,7 +9325,7 @@
             <p:cNvPr id="26" name="타원 25">
               <a:extLst>
                 <a:ext uri="{FF2B5EF4-FFF2-40B4-BE49-F238E27FC236}">
-                  <a16:creationId xmlns:a16="http://schemas.microsoft.com/office/drawing/2014/main" id="{D367F9D4-134C-4DFC-8120-D965184DA9A5}"/>
+                  <a16:creationId xmlns:a16="http://schemas.microsoft.com/office/drawing/2014/main" xmlns="" id="{D367F9D4-134C-4DFC-8120-D965184DA9A5}"/>
                 </a:ext>
               </a:extLst>
             </p:cNvPr>
@@ -8533,7 +9377,7 @@
             <p:cNvPr id="27" name="타원 26">
               <a:extLst>
                 <a:ext uri="{FF2B5EF4-FFF2-40B4-BE49-F238E27FC236}">
-                  <a16:creationId xmlns:a16="http://schemas.microsoft.com/office/drawing/2014/main" id="{C620D5D2-3F8C-4DAD-9602-3E4D0C6D5DFD}"/>
+                  <a16:creationId xmlns:a16="http://schemas.microsoft.com/office/drawing/2014/main" xmlns="" id="{C620D5D2-3F8C-4DAD-9602-3E4D0C6D5DFD}"/>
                 </a:ext>
               </a:extLst>
             </p:cNvPr>
@@ -8586,7 +9430,7 @@
           <p:cNvPr id="28" name="TextBox 27">
             <a:extLst>
               <a:ext uri="{FF2B5EF4-FFF2-40B4-BE49-F238E27FC236}">
-                <a16:creationId xmlns:a16="http://schemas.microsoft.com/office/drawing/2014/main" id="{40C59135-68F2-47FB-8C63-09F3D98D4EA7}"/>
+                <a16:creationId xmlns:a16="http://schemas.microsoft.com/office/drawing/2014/main" xmlns="" id="{40C59135-68F2-47FB-8C63-09F3D98D4EA7}"/>
               </a:ext>
             </a:extLst>
           </p:cNvPr>
@@ -8622,7 +9466,7 @@
           <p:cNvPr id="29" name="그룹 28">
             <a:extLst>
               <a:ext uri="{FF2B5EF4-FFF2-40B4-BE49-F238E27FC236}">
-                <a16:creationId xmlns:a16="http://schemas.microsoft.com/office/drawing/2014/main" id="{592A907A-7634-49F1-82E6-E0C8D5A51C86}"/>
+                <a16:creationId xmlns:a16="http://schemas.microsoft.com/office/drawing/2014/main" xmlns="" id="{592A907A-7634-49F1-82E6-E0C8D5A51C86}"/>
               </a:ext>
             </a:extLst>
           </p:cNvPr>
@@ -8642,7 +9486,7 @@
             <p:cNvPr id="30" name="타원 29">
               <a:extLst>
                 <a:ext uri="{FF2B5EF4-FFF2-40B4-BE49-F238E27FC236}">
-                  <a16:creationId xmlns:a16="http://schemas.microsoft.com/office/drawing/2014/main" id="{95857358-815F-4B21-A0CC-B2922F639D70}"/>
+                  <a16:creationId xmlns:a16="http://schemas.microsoft.com/office/drawing/2014/main" xmlns="" id="{95857358-815F-4B21-A0CC-B2922F639D70}"/>
                 </a:ext>
               </a:extLst>
             </p:cNvPr>
@@ -8694,7 +9538,7 @@
             <p:cNvPr id="31" name="타원 30">
               <a:extLst>
                 <a:ext uri="{FF2B5EF4-FFF2-40B4-BE49-F238E27FC236}">
-                  <a16:creationId xmlns:a16="http://schemas.microsoft.com/office/drawing/2014/main" id="{B599B735-87B5-4A92-A967-A2394B3735DF}"/>
+                  <a16:creationId xmlns:a16="http://schemas.microsoft.com/office/drawing/2014/main" xmlns="" id="{B599B735-87B5-4A92-A967-A2394B3735DF}"/>
                 </a:ext>
               </a:extLst>
             </p:cNvPr>
@@ -8747,7 +9591,7 @@
           <p:cNvPr id="32" name="TextBox 31">
             <a:extLst>
               <a:ext uri="{FF2B5EF4-FFF2-40B4-BE49-F238E27FC236}">
-                <a16:creationId xmlns:a16="http://schemas.microsoft.com/office/drawing/2014/main" id="{531E1C71-53D2-48F9-A6BF-9C2F4F61CFAE}"/>
+                <a16:creationId xmlns:a16="http://schemas.microsoft.com/office/drawing/2014/main" xmlns="" id="{531E1C71-53D2-48F9-A6BF-9C2F4F61CFAE}"/>
               </a:ext>
             </a:extLst>
           </p:cNvPr>
@@ -8783,7 +9627,7 @@
           <p:cNvPr id="33" name="그룹 32">
             <a:extLst>
               <a:ext uri="{FF2B5EF4-FFF2-40B4-BE49-F238E27FC236}">
-                <a16:creationId xmlns:a16="http://schemas.microsoft.com/office/drawing/2014/main" id="{C3C2CB45-848D-48E1-BD87-585E9F7EA30C}"/>
+                <a16:creationId xmlns:a16="http://schemas.microsoft.com/office/drawing/2014/main" xmlns="" id="{C3C2CB45-848D-48E1-BD87-585E9F7EA30C}"/>
               </a:ext>
             </a:extLst>
           </p:cNvPr>
@@ -8803,7 +9647,7 @@
             <p:cNvPr id="34" name="타원 33">
               <a:extLst>
                 <a:ext uri="{FF2B5EF4-FFF2-40B4-BE49-F238E27FC236}">
-                  <a16:creationId xmlns:a16="http://schemas.microsoft.com/office/drawing/2014/main" id="{EF2B87D4-AC87-4EFB-BD85-41574590A490}"/>
+                  <a16:creationId xmlns:a16="http://schemas.microsoft.com/office/drawing/2014/main" xmlns="" id="{EF2B87D4-AC87-4EFB-BD85-41574590A490}"/>
                 </a:ext>
               </a:extLst>
             </p:cNvPr>
@@ -8855,7 +9699,7 @@
             <p:cNvPr id="35" name="타원 34">
               <a:extLst>
                 <a:ext uri="{FF2B5EF4-FFF2-40B4-BE49-F238E27FC236}">
-                  <a16:creationId xmlns:a16="http://schemas.microsoft.com/office/drawing/2014/main" id="{2C0FC914-4752-4EFD-95A2-7E0AABF120B4}"/>
+                  <a16:creationId xmlns:a16="http://schemas.microsoft.com/office/drawing/2014/main" xmlns="" id="{2C0FC914-4752-4EFD-95A2-7E0AABF120B4}"/>
                 </a:ext>
               </a:extLst>
             </p:cNvPr>
@@ -8908,7 +9752,7 @@
           <p:cNvPr id="36" name="TextBox 35">
             <a:extLst>
               <a:ext uri="{FF2B5EF4-FFF2-40B4-BE49-F238E27FC236}">
-                <a16:creationId xmlns:a16="http://schemas.microsoft.com/office/drawing/2014/main" id="{63F7D6E8-D260-4E88-874C-D848FE40599B}"/>
+                <a16:creationId xmlns:a16="http://schemas.microsoft.com/office/drawing/2014/main" xmlns="" id="{63F7D6E8-D260-4E88-874C-D848FE40599B}"/>
               </a:ext>
             </a:extLst>
           </p:cNvPr>
@@ -8944,7 +9788,7 @@
           <p:cNvPr id="37" name="그룹 36">
             <a:extLst>
               <a:ext uri="{FF2B5EF4-FFF2-40B4-BE49-F238E27FC236}">
-                <a16:creationId xmlns:a16="http://schemas.microsoft.com/office/drawing/2014/main" id="{044CEE77-E968-4399-91BD-997189862960}"/>
+                <a16:creationId xmlns:a16="http://schemas.microsoft.com/office/drawing/2014/main" xmlns="" id="{044CEE77-E968-4399-91BD-997189862960}"/>
               </a:ext>
             </a:extLst>
           </p:cNvPr>
@@ -8964,7 +9808,7 @@
             <p:cNvPr id="38" name="타원 37">
               <a:extLst>
                 <a:ext uri="{FF2B5EF4-FFF2-40B4-BE49-F238E27FC236}">
-                  <a16:creationId xmlns:a16="http://schemas.microsoft.com/office/drawing/2014/main" id="{7162EE14-3B85-4758-8D83-5CCA67CF9D90}"/>
+                  <a16:creationId xmlns:a16="http://schemas.microsoft.com/office/drawing/2014/main" xmlns="" id="{7162EE14-3B85-4758-8D83-5CCA67CF9D90}"/>
                 </a:ext>
               </a:extLst>
             </p:cNvPr>
@@ -9016,7 +9860,7 @@
             <p:cNvPr id="39" name="타원 38">
               <a:extLst>
                 <a:ext uri="{FF2B5EF4-FFF2-40B4-BE49-F238E27FC236}">
-                  <a16:creationId xmlns:a16="http://schemas.microsoft.com/office/drawing/2014/main" id="{25AEC048-0EC6-490B-B721-F0EFC40E8417}"/>
+                  <a16:creationId xmlns:a16="http://schemas.microsoft.com/office/drawing/2014/main" xmlns="" id="{25AEC048-0EC6-490B-B721-F0EFC40E8417}"/>
                 </a:ext>
               </a:extLst>
             </p:cNvPr>
@@ -9069,7 +9913,7 @@
           <p:cNvPr id="40" name="TextBox 39">
             <a:extLst>
               <a:ext uri="{FF2B5EF4-FFF2-40B4-BE49-F238E27FC236}">
-                <a16:creationId xmlns:a16="http://schemas.microsoft.com/office/drawing/2014/main" id="{F08B016C-A072-44A0-A87F-482BB82E11DA}"/>
+                <a16:creationId xmlns:a16="http://schemas.microsoft.com/office/drawing/2014/main" xmlns="" id="{F08B016C-A072-44A0-A87F-482BB82E11DA}"/>
               </a:ext>
             </a:extLst>
           </p:cNvPr>
@@ -9106,7 +9950,7 @@
           <p:cNvPr id="41" name="그룹 40">
             <a:extLst>
               <a:ext uri="{FF2B5EF4-FFF2-40B4-BE49-F238E27FC236}">
-                <a16:creationId xmlns:a16="http://schemas.microsoft.com/office/drawing/2014/main" id="{D5690E19-E570-400A-BD5A-6C5BE7E7803B}"/>
+                <a16:creationId xmlns:a16="http://schemas.microsoft.com/office/drawing/2014/main" xmlns="" id="{D5690E19-E570-400A-BD5A-6C5BE7E7803B}"/>
               </a:ext>
             </a:extLst>
           </p:cNvPr>
@@ -9126,7 +9970,7 @@
             <p:cNvPr id="42" name="타원 41">
               <a:extLst>
                 <a:ext uri="{FF2B5EF4-FFF2-40B4-BE49-F238E27FC236}">
-                  <a16:creationId xmlns:a16="http://schemas.microsoft.com/office/drawing/2014/main" id="{B0F70381-3A85-4A7C-9713-F136FC9275D7}"/>
+                  <a16:creationId xmlns:a16="http://schemas.microsoft.com/office/drawing/2014/main" xmlns="" id="{B0F70381-3A85-4A7C-9713-F136FC9275D7}"/>
                 </a:ext>
               </a:extLst>
             </p:cNvPr>
@@ -9178,7 +10022,7 @@
             <p:cNvPr id="43" name="타원 42">
               <a:extLst>
                 <a:ext uri="{FF2B5EF4-FFF2-40B4-BE49-F238E27FC236}">
-                  <a16:creationId xmlns:a16="http://schemas.microsoft.com/office/drawing/2014/main" id="{4590F511-0441-41C8-8FAA-3604892AD999}"/>
+                  <a16:creationId xmlns:a16="http://schemas.microsoft.com/office/drawing/2014/main" xmlns="" id="{4590F511-0441-41C8-8FAA-3604892AD999}"/>
                 </a:ext>
               </a:extLst>
             </p:cNvPr>
@@ -9231,7 +10075,7 @@
           <p:cNvPr id="44" name="TextBox 43">
             <a:extLst>
               <a:ext uri="{FF2B5EF4-FFF2-40B4-BE49-F238E27FC236}">
-                <a16:creationId xmlns:a16="http://schemas.microsoft.com/office/drawing/2014/main" id="{01EA77D8-3862-440D-AE68-DD83EE74D230}"/>
+                <a16:creationId xmlns:a16="http://schemas.microsoft.com/office/drawing/2014/main" xmlns="" id="{01EA77D8-3862-440D-AE68-DD83EE74D230}"/>
               </a:ext>
             </a:extLst>
           </p:cNvPr>
@@ -9268,7 +10112,7 @@
           <p:cNvPr id="45" name="그림 44">
             <a:extLst>
               <a:ext uri="{FF2B5EF4-FFF2-40B4-BE49-F238E27FC236}">
-                <a16:creationId xmlns:a16="http://schemas.microsoft.com/office/drawing/2014/main" id="{279EE1AF-7AB0-4B32-AC1A-1FA0064EC74A}"/>
+                <a16:creationId xmlns:a16="http://schemas.microsoft.com/office/drawing/2014/main" xmlns="" id="{279EE1AF-7AB0-4B32-AC1A-1FA0064EC74A}"/>
               </a:ext>
             </a:extLst>
           </p:cNvPr>
@@ -9278,7 +10122,7 @@
           <p:nvPr/>
         </p:nvPicPr>
         <p:blipFill>
-          <a:blip r:embed="rId3">
+          <a:blip r:embed="rId3" cstate="print">
             <a:extLst>
               <a:ext uri="{28A0092B-C50C-407E-A947-70E740481C1C}">
                 <a14:useLocalDpi xmlns:a14="http://schemas.microsoft.com/office/drawing/2010/main" val="0"/>
@@ -9357,7 +10201,7 @@
           <p:cNvPr id="15" name="텍스트 개체 틀 14">
             <a:extLst>
               <a:ext uri="{FF2B5EF4-FFF2-40B4-BE49-F238E27FC236}">
-                <a16:creationId xmlns:a16="http://schemas.microsoft.com/office/drawing/2014/main" id="{CAF4FA68-A32A-48BA-A282-B6F8B4204A68}"/>
+                <a16:creationId xmlns:a16="http://schemas.microsoft.com/office/drawing/2014/main" xmlns="" id="{CAF4FA68-A32A-48BA-A282-B6F8B4204A68}"/>
               </a:ext>
             </a:extLst>
           </p:cNvPr>
@@ -9389,7 +10233,7 @@
           <p:cNvPr id="4" name="TextBox 3">
             <a:extLst>
               <a:ext uri="{FF2B5EF4-FFF2-40B4-BE49-F238E27FC236}">
-                <a16:creationId xmlns:a16="http://schemas.microsoft.com/office/drawing/2014/main" id="{E0B1B7BF-2862-4A64-9A18-973C007189C6}"/>
+                <a16:creationId xmlns:a16="http://schemas.microsoft.com/office/drawing/2014/main" xmlns="" id="{E0B1B7BF-2862-4A64-9A18-973C007189C6}"/>
               </a:ext>
             </a:extLst>
           </p:cNvPr>
@@ -9426,7 +10270,7 @@
           <p:cNvPr id="7" name="TextBox 6">
             <a:extLst>
               <a:ext uri="{FF2B5EF4-FFF2-40B4-BE49-F238E27FC236}">
-                <a16:creationId xmlns:a16="http://schemas.microsoft.com/office/drawing/2014/main" id="{EA56B902-BACD-4606-BD86-5BAA0B90D03F}"/>
+                <a16:creationId xmlns:a16="http://schemas.microsoft.com/office/drawing/2014/main" xmlns="" id="{EA56B902-BACD-4606-BD86-5BAA0B90D03F}"/>
               </a:ext>
             </a:extLst>
           </p:cNvPr>
@@ -9537,7 +10381,7 @@
           <p:cNvPr id="15" name="텍스트 개체 틀 14">
             <a:extLst>
               <a:ext uri="{FF2B5EF4-FFF2-40B4-BE49-F238E27FC236}">
-                <a16:creationId xmlns:a16="http://schemas.microsoft.com/office/drawing/2014/main" id="{CAF4FA68-A32A-48BA-A282-B6F8B4204A68}"/>
+                <a16:creationId xmlns:a16="http://schemas.microsoft.com/office/drawing/2014/main" xmlns="" id="{CAF4FA68-A32A-48BA-A282-B6F8B4204A68}"/>
               </a:ext>
             </a:extLst>
           </p:cNvPr>
@@ -9569,7 +10413,7 @@
           <p:cNvPr id="2" name="TextBox 1">
             <a:extLst>
               <a:ext uri="{FF2B5EF4-FFF2-40B4-BE49-F238E27FC236}">
-                <a16:creationId xmlns:a16="http://schemas.microsoft.com/office/drawing/2014/main" id="{C9DF155C-A7FB-4F40-AA87-AE322AA3F233}"/>
+                <a16:creationId xmlns:a16="http://schemas.microsoft.com/office/drawing/2014/main" xmlns="" id="{C9DF155C-A7FB-4F40-AA87-AE322AA3F233}"/>
               </a:ext>
             </a:extLst>
           </p:cNvPr>
@@ -9747,7 +10591,7 @@
           <p:cNvPr id="15" name="텍스트 개체 틀 14">
             <a:extLst>
               <a:ext uri="{FF2B5EF4-FFF2-40B4-BE49-F238E27FC236}">
-                <a16:creationId xmlns:a16="http://schemas.microsoft.com/office/drawing/2014/main" id="{CAF4FA68-A32A-48BA-A282-B6F8B4204A68}"/>
+                <a16:creationId xmlns:a16="http://schemas.microsoft.com/office/drawing/2014/main" xmlns="" id="{CAF4FA68-A32A-48BA-A282-B6F8B4204A68}"/>
               </a:ext>
             </a:extLst>
           </p:cNvPr>
@@ -9779,7 +10623,7 @@
           <p:cNvPr id="2" name="TextBox 1">
             <a:extLst>
               <a:ext uri="{FF2B5EF4-FFF2-40B4-BE49-F238E27FC236}">
-                <a16:creationId xmlns:a16="http://schemas.microsoft.com/office/drawing/2014/main" id="{C9DF155C-A7FB-4F40-AA87-AE322AA3F233}"/>
+                <a16:creationId xmlns:a16="http://schemas.microsoft.com/office/drawing/2014/main" xmlns="" id="{C9DF155C-A7FB-4F40-AA87-AE322AA3F233}"/>
               </a:ext>
             </a:extLst>
           </p:cNvPr>
@@ -9788,8 +10632,8 @@
         </p:nvSpPr>
         <p:spPr>
           <a:xfrm>
-            <a:off x="1872917" y="1658916"/>
-            <a:ext cx="11297231" cy="1498615"/>
+            <a:off x="1872917" y="1623394"/>
+            <a:ext cx="11297231" cy="1569660"/>
           </a:xfrm>
           <a:prstGeom prst="rect">
             <a:avLst/>
@@ -9848,8 +10692,13 @@
             </a:r>
             <a:r>
               <a:rPr lang="en-US" altLang="ko-KR" sz="3200" dirty="0"/>
-              <a:t>-&gt; c = 125</a:t>
-            </a:r>
+              <a:t>-&gt; c = </a:t>
+            </a:r>
+            <a:r>
+              <a:rPr lang="en-US" altLang="ko-KR" sz="3200" dirty="0" smtClean="0"/>
+              <a:t>126</a:t>
+            </a:r>
+            <a:endParaRPr lang="en-US" altLang="ko-KR" sz="3200" dirty="0"/>
           </a:p>
         </p:txBody>
       </p:sp>
@@ -9910,7 +10759,7 @@
           <p:cNvPr id="15" name="텍스트 개체 틀 14">
             <a:extLst>
               <a:ext uri="{FF2B5EF4-FFF2-40B4-BE49-F238E27FC236}">
-                <a16:creationId xmlns:a16="http://schemas.microsoft.com/office/drawing/2014/main" id="{CAF4FA68-A32A-48BA-A282-B6F8B4204A68}"/>
+                <a16:creationId xmlns:a16="http://schemas.microsoft.com/office/drawing/2014/main" xmlns="" id="{CAF4FA68-A32A-48BA-A282-B6F8B4204A68}"/>
               </a:ext>
             </a:extLst>
           </p:cNvPr>
@@ -9937,102 +10786,915 @@
           </a:p>
         </p:txBody>
       </p:sp>
-      <p:sp>
-        <p:nvSpPr>
-          <p:cNvPr id="9" name="TextBox 8">
+      <p:graphicFrame>
+        <p:nvGraphicFramePr>
+          <p:cNvPr id="5" name="표 4">
             <a:extLst>
               <a:ext uri="{FF2B5EF4-FFF2-40B4-BE49-F238E27FC236}">
-                <a16:creationId xmlns:a16="http://schemas.microsoft.com/office/drawing/2014/main" id="{969C729E-EEE5-484C-B0D0-3E973157F39C}"/>
+                <a16:creationId xmlns:a16="http://schemas.microsoft.com/office/drawing/2014/main" xmlns="" id="{E7931DB2-6C8C-4132-9BAE-6F4904FF4409}"/>
               </a:ext>
             </a:extLst>
           </p:cNvPr>
-          <p:cNvSpPr txBox="1"/>
-          <p:nvPr/>
-        </p:nvSpPr>
-        <p:spPr>
-          <a:xfrm>
-            <a:off x="2698169" y="1754567"/>
-            <a:ext cx="7284031" cy="1674433"/>
-          </a:xfrm>
-          <a:prstGeom prst="rect">
-            <a:avLst/>
-          </a:prstGeom>
-          <a:noFill/>
-        </p:spPr>
-        <p:txBody>
-          <a:bodyPr vert="horz" wrap="square" lIns="91440" tIns="45720" rIns="91440" bIns="45720" rtlCol="0" anchor="ctr">
-            <a:spAutoFit/>
-          </a:bodyPr>
-          <a:lstStyle/>
-          <a:p>
-            <a:pPr marL="342900" indent="-342900">
-              <a:lnSpc>
-                <a:spcPct val="150000"/>
-              </a:lnSpc>
-              <a:buFont typeface="Arial" panose="020B0604020202020204" pitchFamily="34" charset="0"/>
-              <a:buChar char="•"/>
-            </a:pPr>
-            <a:r>
-              <a:rPr lang="en-US" altLang="ko-KR" sz="3600" dirty="0"/>
-              <a:t>float : 4</a:t>
-            </a:r>
-            <a:r>
-              <a:rPr lang="ko-KR" altLang="en-US" sz="3600" dirty="0"/>
-              <a:t>바이트 </a:t>
-            </a:r>
-            <a:r>
-              <a:rPr lang="en-US" altLang="ko-KR" sz="3600" dirty="0"/>
-              <a:t>/ </a:t>
-            </a:r>
-            <a:r>
-              <a:rPr lang="ko-KR" altLang="en-US" sz="3600" dirty="0"/>
-              <a:t>소수점</a:t>
-            </a:r>
-            <a:r>
-              <a:rPr lang="en-US" altLang="ko-KR" sz="3600" dirty="0"/>
-              <a:t> 6</a:t>
-            </a:r>
-            <a:r>
-              <a:rPr lang="ko-KR" altLang="en-US" sz="3600" dirty="0"/>
-              <a:t>자리</a:t>
-            </a:r>
-            <a:endParaRPr lang="en-US" altLang="ko-KR" sz="3600" dirty="0"/>
-          </a:p>
-          <a:p>
-            <a:pPr marL="342900" indent="-342900">
-              <a:lnSpc>
-                <a:spcPct val="150000"/>
-              </a:lnSpc>
-              <a:buFont typeface="Arial" panose="020B0604020202020204" pitchFamily="34" charset="0"/>
-              <a:buChar char="•"/>
-            </a:pPr>
-            <a:r>
-              <a:rPr lang="en-US" altLang="ko-KR" sz="3600" dirty="0"/>
-              <a:t>double : 8</a:t>
-            </a:r>
-            <a:r>
-              <a:rPr lang="ko-KR" altLang="en-US" sz="3600" dirty="0"/>
-              <a:t>바이트</a:t>
-            </a:r>
-            <a:r>
-              <a:rPr lang="en-US" altLang="ko-KR" sz="3600" dirty="0"/>
-              <a:t> / </a:t>
-            </a:r>
-            <a:r>
-              <a:rPr lang="ko-KR" altLang="en-US" sz="3600" dirty="0"/>
-              <a:t>소수점 </a:t>
-            </a:r>
-            <a:r>
-              <a:rPr lang="en-US" altLang="ko-KR" sz="3600" dirty="0"/>
-              <a:t>14</a:t>
-            </a:r>
-            <a:r>
-              <a:rPr lang="ko-KR" altLang="en-US" sz="3600" dirty="0"/>
-              <a:t>자리</a:t>
-            </a:r>
-          </a:p>
-        </p:txBody>
-      </p:sp>
+          <p:cNvGraphicFramePr>
+            <a:graphicFrameLocks noGrp="1"/>
+          </p:cNvGraphicFramePr>
+          <p:nvPr>
+            <p:extLst>
+              <p:ext uri="{D42A27DB-BD31-4B8C-83A1-F6EECF244321}">
+                <p14:modId xmlns:p14="http://schemas.microsoft.com/office/powerpoint/2010/main" val="1089167632"/>
+              </p:ext>
+            </p:extLst>
+          </p:nvPr>
+        </p:nvGraphicFramePr>
+        <p:xfrm>
+          <a:off x="583398" y="1427558"/>
+          <a:ext cx="11184931" cy="2650095"/>
+        </p:xfrm>
+        <a:graphic>
+          <a:graphicData uri="http://schemas.openxmlformats.org/drawingml/2006/table">
+            <a:tbl>
+              <a:tblPr firstRow="1" bandRow="1">
+                <a:tableStyleId>{5C22544A-7EE6-4342-B048-85BDC9FD1C3A}</a:tableStyleId>
+              </a:tblPr>
+              <a:tblGrid>
+                <a:gridCol w="2187234">
+                  <a:extLst>
+                    <a:ext uri="{9D8B030D-6E8A-4147-A177-3AD203B41FA5}">
+                      <a16:colId xmlns:a16="http://schemas.microsoft.com/office/drawing/2014/main" xmlns="" val="3144539832"/>
+                    </a:ext>
+                  </a:extLst>
+                </a:gridCol>
+                <a:gridCol w="1686709">
+                  <a:extLst>
+                    <a:ext uri="{9D8B030D-6E8A-4147-A177-3AD203B41FA5}">
+                      <a16:colId xmlns:a16="http://schemas.microsoft.com/office/drawing/2014/main" xmlns="" val="1160904601"/>
+                    </a:ext>
+                  </a:extLst>
+                </a:gridCol>
+                <a:gridCol w="3655494">
+                  <a:extLst>
+                    <a:ext uri="{9D8B030D-6E8A-4147-A177-3AD203B41FA5}">
+                      <a16:colId xmlns:a16="http://schemas.microsoft.com/office/drawing/2014/main" xmlns="" val="582365628"/>
+                    </a:ext>
+                  </a:extLst>
+                </a:gridCol>
+                <a:gridCol w="3655494"/>
+              </a:tblGrid>
+              <a:tr h="883365">
+                <a:tc>
+                  <a:txBody>
+                    <a:bodyPr/>
+                    <a:lstStyle/>
+                    <a:p>
+                      <a:pPr algn="ctr" latinLnBrk="1"/>
+                      <a:r>
+                        <a:rPr lang="ko-KR" altLang="en-US" sz="2600" b="0" dirty="0" err="1" smtClean="0">
+                          <a:solidFill>
+                            <a:sysClr val="windowText" lastClr="000000"/>
+                          </a:solidFill>
+                          <a:latin typeface="나눔스퀘어" panose="020B0600000101010101" pitchFamily="50" charset="-127"/>
+                          <a:ea typeface="나눔스퀘어" panose="020B0600000101010101" pitchFamily="50" charset="-127"/>
+                        </a:rPr>
+                        <a:t>실수형</a:t>
+                      </a:r>
+                      <a:r>
+                        <a:rPr lang="ko-KR" altLang="en-US" sz="2600" b="0" dirty="0" smtClean="0">
+                          <a:solidFill>
+                            <a:sysClr val="windowText" lastClr="000000"/>
+                          </a:solidFill>
+                          <a:latin typeface="나눔스퀘어" panose="020B0600000101010101" pitchFamily="50" charset="-127"/>
+                          <a:ea typeface="나눔스퀘어" panose="020B0600000101010101" pitchFamily="50" charset="-127"/>
+                        </a:rPr>
+                        <a:t> </a:t>
+                      </a:r>
+                      <a:r>
+                        <a:rPr lang="ko-KR" altLang="en-US" sz="2600" b="0" dirty="0" err="1" smtClean="0">
+                          <a:solidFill>
+                            <a:sysClr val="windowText" lastClr="000000"/>
+                          </a:solidFill>
+                          <a:latin typeface="나눔스퀘어" panose="020B0600000101010101" pitchFamily="50" charset="-127"/>
+                          <a:ea typeface="나눔스퀘어" panose="020B0600000101010101" pitchFamily="50" charset="-127"/>
+                        </a:rPr>
+                        <a:t>자료형</a:t>
+                      </a:r>
+                      <a:endParaRPr lang="ko-KR" altLang="en-US" sz="2600" b="0" dirty="0">
+                        <a:solidFill>
+                          <a:sysClr val="windowText" lastClr="000000"/>
+                        </a:solidFill>
+                        <a:latin typeface="나눔스퀘어" panose="020B0600000101010101" pitchFamily="50" charset="-127"/>
+                        <a:ea typeface="나눔스퀘어" panose="020B0600000101010101" pitchFamily="50" charset="-127"/>
+                      </a:endParaRPr>
+                    </a:p>
+                  </a:txBody>
+                  <a:tcPr marL="120544" marR="120544" marT="60272" marB="60272" anchor="ctr">
+                    <a:lnL w="6350" cap="flat" cmpd="sng" algn="ctr">
+                      <a:solidFill>
+                        <a:schemeClr val="tx1"/>
+                      </a:solidFill>
+                      <a:prstDash val="solid"/>
+                      <a:round/>
+                      <a:headEnd type="none" w="med" len="med"/>
+                      <a:tailEnd type="none" w="med" len="med"/>
+                    </a:lnL>
+                    <a:lnR w="6350" cap="flat" cmpd="sng" algn="ctr">
+                      <a:solidFill>
+                        <a:schemeClr val="tx1"/>
+                      </a:solidFill>
+                      <a:prstDash val="solid"/>
+                      <a:round/>
+                      <a:headEnd type="none" w="med" len="med"/>
+                      <a:tailEnd type="none" w="med" len="med"/>
+                    </a:lnR>
+                    <a:lnT w="6350" cap="flat" cmpd="sng" algn="ctr">
+                      <a:solidFill>
+                        <a:schemeClr val="tx1"/>
+                      </a:solidFill>
+                      <a:prstDash val="solid"/>
+                      <a:round/>
+                      <a:headEnd type="none" w="med" len="med"/>
+                      <a:tailEnd type="none" w="med" len="med"/>
+                    </a:lnT>
+                    <a:lnB w="6350" cap="flat" cmpd="sng" algn="ctr">
+                      <a:solidFill>
+                        <a:schemeClr val="tx1"/>
+                      </a:solidFill>
+                      <a:prstDash val="solid"/>
+                      <a:round/>
+                      <a:headEnd type="none" w="med" len="med"/>
+                      <a:tailEnd type="none" w="med" len="med"/>
+                    </a:lnB>
+                    <a:solidFill>
+                      <a:schemeClr val="bg1">
+                        <a:lumMod val="95000"/>
+                      </a:schemeClr>
+                    </a:solidFill>
+                  </a:tcPr>
+                </a:tc>
+                <a:tc>
+                  <a:txBody>
+                    <a:bodyPr/>
+                    <a:lstStyle/>
+                    <a:p>
+                      <a:pPr algn="ctr" latinLnBrk="1"/>
+                      <a:r>
+                        <a:rPr lang="ko-KR" altLang="en-US" sz="2600" b="0" smtClean="0">
+                          <a:solidFill>
+                            <a:sysClr val="windowText" lastClr="000000"/>
+                          </a:solidFill>
+                          <a:latin typeface="나눔스퀘어" panose="020B0600000101010101" pitchFamily="50" charset="-127"/>
+                          <a:ea typeface="나눔스퀘어" panose="020B0600000101010101" pitchFamily="50" charset="-127"/>
+                        </a:rPr>
+                        <a:t>크기</a:t>
+                      </a:r>
+                      <a:endParaRPr lang="ko-KR" altLang="en-US" sz="2600" b="0" dirty="0">
+                        <a:solidFill>
+                          <a:sysClr val="windowText" lastClr="000000"/>
+                        </a:solidFill>
+                        <a:latin typeface="나눔스퀘어" panose="020B0600000101010101" pitchFamily="50" charset="-127"/>
+                        <a:ea typeface="나눔스퀘어" panose="020B0600000101010101" pitchFamily="50" charset="-127"/>
+                      </a:endParaRPr>
+                    </a:p>
+                  </a:txBody>
+                  <a:tcPr marL="120544" marR="120544" marT="60272" marB="60272" anchor="ctr">
+                    <a:lnL w="6350" cap="flat" cmpd="sng" algn="ctr">
+                      <a:solidFill>
+                        <a:schemeClr val="tx1"/>
+                      </a:solidFill>
+                      <a:prstDash val="solid"/>
+                      <a:round/>
+                      <a:headEnd type="none" w="med" len="med"/>
+                      <a:tailEnd type="none" w="med" len="med"/>
+                    </a:lnL>
+                    <a:lnR w="6350" cap="flat" cmpd="sng" algn="ctr">
+                      <a:solidFill>
+                        <a:schemeClr val="tx1"/>
+                      </a:solidFill>
+                      <a:prstDash val="solid"/>
+                      <a:round/>
+                      <a:headEnd type="none" w="med" len="med"/>
+                      <a:tailEnd type="none" w="med" len="med"/>
+                    </a:lnR>
+                    <a:lnT w="6350" cap="flat" cmpd="sng" algn="ctr">
+                      <a:solidFill>
+                        <a:schemeClr val="tx1"/>
+                      </a:solidFill>
+                      <a:prstDash val="solid"/>
+                      <a:round/>
+                      <a:headEnd type="none" w="med" len="med"/>
+                      <a:tailEnd type="none" w="med" len="med"/>
+                    </a:lnT>
+                    <a:lnB w="6350" cap="flat" cmpd="sng" algn="ctr">
+                      <a:solidFill>
+                        <a:schemeClr val="tx1"/>
+                      </a:solidFill>
+                      <a:prstDash val="solid"/>
+                      <a:round/>
+                      <a:headEnd type="none" w="med" len="med"/>
+                      <a:tailEnd type="none" w="med" len="med"/>
+                    </a:lnB>
+                    <a:solidFill>
+                      <a:schemeClr val="bg1">
+                        <a:lumMod val="95000"/>
+                      </a:schemeClr>
+                    </a:solidFill>
+                  </a:tcPr>
+                </a:tc>
+                <a:tc>
+                  <a:txBody>
+                    <a:bodyPr/>
+                    <a:lstStyle/>
+                    <a:p>
+                      <a:pPr algn="ctr" latinLnBrk="1"/>
+                      <a:r>
+                        <a:rPr lang="ko-KR" altLang="en-US" sz="2600" b="0" dirty="0" smtClean="0">
+                          <a:solidFill>
+                            <a:sysClr val="windowText" lastClr="000000"/>
+                          </a:solidFill>
+                          <a:latin typeface="나눔스퀘어" panose="020B0600000101010101" pitchFamily="50" charset="-127"/>
+                          <a:ea typeface="나눔스퀘어" panose="020B0600000101010101" pitchFamily="50" charset="-127"/>
+                        </a:rPr>
+                        <a:t>범위</a:t>
+                      </a:r>
+                      <a:endParaRPr lang="ko-KR" altLang="en-US" sz="2600" b="0" dirty="0">
+                        <a:solidFill>
+                          <a:sysClr val="windowText" lastClr="000000"/>
+                        </a:solidFill>
+                        <a:latin typeface="나눔스퀘어" panose="020B0600000101010101" pitchFamily="50" charset="-127"/>
+                        <a:ea typeface="나눔스퀘어" panose="020B0600000101010101" pitchFamily="50" charset="-127"/>
+                      </a:endParaRPr>
+                    </a:p>
+                  </a:txBody>
+                  <a:tcPr marL="120544" marR="120544" marT="60272" marB="60272" anchor="ctr">
+                    <a:lnL w="6350" cap="flat" cmpd="sng" algn="ctr">
+                      <a:solidFill>
+                        <a:schemeClr val="tx1"/>
+                      </a:solidFill>
+                      <a:prstDash val="solid"/>
+                      <a:round/>
+                      <a:headEnd type="none" w="med" len="med"/>
+                      <a:tailEnd type="none" w="med" len="med"/>
+                    </a:lnL>
+                    <a:lnR w="6350" cap="flat" cmpd="sng" algn="ctr">
+                      <a:solidFill>
+                        <a:schemeClr val="tx1"/>
+                      </a:solidFill>
+                      <a:prstDash val="solid"/>
+                      <a:round/>
+                      <a:headEnd type="none" w="med" len="med"/>
+                      <a:tailEnd type="none" w="med" len="med"/>
+                    </a:lnR>
+                    <a:lnT w="6350" cap="flat" cmpd="sng" algn="ctr">
+                      <a:solidFill>
+                        <a:schemeClr val="tx1"/>
+                      </a:solidFill>
+                      <a:prstDash val="solid"/>
+                      <a:round/>
+                      <a:headEnd type="none" w="med" len="med"/>
+                      <a:tailEnd type="none" w="med" len="med"/>
+                    </a:lnT>
+                    <a:lnB w="6350" cap="flat" cmpd="sng" algn="ctr">
+                      <a:solidFill>
+                        <a:schemeClr val="tx1"/>
+                      </a:solidFill>
+                      <a:prstDash val="solid"/>
+                      <a:round/>
+                      <a:headEnd type="none" w="med" len="med"/>
+                      <a:tailEnd type="none" w="med" len="med"/>
+                    </a:lnB>
+                    <a:solidFill>
+                      <a:schemeClr val="bg1">
+                        <a:lumMod val="95000"/>
+                      </a:schemeClr>
+                    </a:solidFill>
+                  </a:tcPr>
+                </a:tc>
+                <a:tc>
+                  <a:txBody>
+                    <a:bodyPr/>
+                    <a:lstStyle/>
+                    <a:p>
+                      <a:pPr algn="ctr" latinLnBrk="1"/>
+                      <a:r>
+                        <a:rPr lang="ko-KR" altLang="en-US" sz="2600" b="0" smtClean="0">
+                          <a:solidFill>
+                            <a:sysClr val="windowText" lastClr="000000"/>
+                          </a:solidFill>
+                          <a:latin typeface="나눔스퀘어" panose="020B0600000101010101" pitchFamily="50" charset="-127"/>
+                          <a:ea typeface="나눔스퀘어" panose="020B0600000101010101" pitchFamily="50" charset="-127"/>
+                        </a:rPr>
+                        <a:t>소수점</a:t>
+                      </a:r>
+                      <a:endParaRPr lang="ko-KR" altLang="en-US" sz="2600" b="0" dirty="0">
+                        <a:solidFill>
+                          <a:sysClr val="windowText" lastClr="000000"/>
+                        </a:solidFill>
+                        <a:latin typeface="나눔스퀘어" panose="020B0600000101010101" pitchFamily="50" charset="-127"/>
+                        <a:ea typeface="나눔스퀘어" panose="020B0600000101010101" pitchFamily="50" charset="-127"/>
+                      </a:endParaRPr>
+                    </a:p>
+                  </a:txBody>
+                  <a:tcPr marL="120544" marR="120544" marT="60272" marB="60272" anchor="ctr">
+                    <a:lnL w="6350" cap="flat" cmpd="sng" algn="ctr">
+                      <a:solidFill>
+                        <a:schemeClr val="tx1"/>
+                      </a:solidFill>
+                      <a:prstDash val="solid"/>
+                      <a:round/>
+                      <a:headEnd type="none" w="med" len="med"/>
+                      <a:tailEnd type="none" w="med" len="med"/>
+                    </a:lnL>
+                    <a:lnR w="6350" cap="flat" cmpd="sng" algn="ctr">
+                      <a:solidFill>
+                        <a:schemeClr val="tx1"/>
+                      </a:solidFill>
+                      <a:prstDash val="solid"/>
+                      <a:round/>
+                      <a:headEnd type="none" w="med" len="med"/>
+                      <a:tailEnd type="none" w="med" len="med"/>
+                    </a:lnR>
+                    <a:lnT w="6350" cap="flat" cmpd="sng" algn="ctr">
+                      <a:solidFill>
+                        <a:schemeClr val="tx1"/>
+                      </a:solidFill>
+                      <a:prstDash val="solid"/>
+                      <a:round/>
+                      <a:headEnd type="none" w="med" len="med"/>
+                      <a:tailEnd type="none" w="med" len="med"/>
+                    </a:lnT>
+                    <a:lnB w="6350" cap="flat" cmpd="sng" algn="ctr">
+                      <a:solidFill>
+                        <a:schemeClr val="tx1"/>
+                      </a:solidFill>
+                      <a:prstDash val="solid"/>
+                      <a:round/>
+                      <a:headEnd type="none" w="med" len="med"/>
+                      <a:tailEnd type="none" w="med" len="med"/>
+                    </a:lnB>
+                    <a:solidFill>
+                      <a:schemeClr val="bg1">
+                        <a:lumMod val="95000"/>
+                      </a:schemeClr>
+                    </a:solidFill>
+                  </a:tcPr>
+                </a:tc>
+                <a:extLst>
+                  <a:ext uri="{0D108BD9-81ED-4DB2-BD59-A6C34878D82A}">
+                    <a16:rowId xmlns:a16="http://schemas.microsoft.com/office/drawing/2014/main" xmlns="" val="719889704"/>
+                  </a:ext>
+                </a:extLst>
+              </a:tr>
+              <a:tr h="883365">
+                <a:tc>
+                  <a:txBody>
+                    <a:bodyPr/>
+                    <a:lstStyle/>
+                    <a:p>
+                      <a:pPr algn="ctr" latinLnBrk="1"/>
+                      <a:r>
+                        <a:rPr lang="en-US" altLang="ko-KR" sz="2800" dirty="0" smtClean="0"/>
+                        <a:t>float</a:t>
+                      </a:r>
+                      <a:endParaRPr lang="ko-KR" altLang="en-US" sz="2600" dirty="0">
+                        <a:latin typeface="나눔스퀘어" panose="020B0600000101010101" pitchFamily="50" charset="-127"/>
+                        <a:ea typeface="나눔스퀘어" panose="020B0600000101010101" pitchFamily="50" charset="-127"/>
+                      </a:endParaRPr>
+                    </a:p>
+                  </a:txBody>
+                  <a:tcPr marL="120544" marR="120544" marT="60272" marB="60272" anchor="ctr">
+                    <a:lnL w="6350" cap="flat" cmpd="sng" algn="ctr">
+                      <a:solidFill>
+                        <a:schemeClr val="tx1"/>
+                      </a:solidFill>
+                      <a:prstDash val="solid"/>
+                      <a:round/>
+                      <a:headEnd type="none" w="med" len="med"/>
+                      <a:tailEnd type="none" w="med" len="med"/>
+                    </a:lnL>
+                    <a:lnR w="6350" cap="flat" cmpd="sng" algn="ctr">
+                      <a:solidFill>
+                        <a:schemeClr val="tx1"/>
+                      </a:solidFill>
+                      <a:prstDash val="solid"/>
+                      <a:round/>
+                      <a:headEnd type="none" w="med" len="med"/>
+                      <a:tailEnd type="none" w="med" len="med"/>
+                    </a:lnR>
+                    <a:lnT w="6350" cap="flat" cmpd="sng" algn="ctr">
+                      <a:solidFill>
+                        <a:schemeClr val="tx1"/>
+                      </a:solidFill>
+                      <a:prstDash val="solid"/>
+                      <a:round/>
+                      <a:headEnd type="none" w="med" len="med"/>
+                      <a:tailEnd type="none" w="med" len="med"/>
+                    </a:lnT>
+                    <a:lnB w="6350" cap="flat" cmpd="sng" algn="ctr">
+                      <a:solidFill>
+                        <a:schemeClr val="tx1"/>
+                      </a:solidFill>
+                      <a:prstDash val="solid"/>
+                      <a:round/>
+                      <a:headEnd type="none" w="med" len="med"/>
+                      <a:tailEnd type="none" w="med" len="med"/>
+                    </a:lnB>
+                    <a:solidFill>
+                      <a:schemeClr val="bg1"/>
+                    </a:solidFill>
+                  </a:tcPr>
+                </a:tc>
+                <a:tc>
+                  <a:txBody>
+                    <a:bodyPr/>
+                    <a:lstStyle/>
+                    <a:p>
+                      <a:pPr marL="0" marR="0" indent="0" algn="ctr" defTabSz="914400" rtl="0" eaLnBrk="1" fontAlgn="auto" latinLnBrk="1" hangingPunct="1">
+                        <a:lnSpc>
+                          <a:spcPct val="100000"/>
+                        </a:lnSpc>
+                        <a:spcBef>
+                          <a:spcPts val="0"/>
+                        </a:spcBef>
+                        <a:spcAft>
+                          <a:spcPts val="0"/>
+                        </a:spcAft>
+                        <a:buClrTx/>
+                        <a:buSzTx/>
+                        <a:buFontTx/>
+                        <a:buNone/>
+                        <a:tabLst/>
+                        <a:defRPr/>
+                      </a:pPr>
+                      <a:r>
+                        <a:rPr lang="en-US" altLang="ko-KR" sz="2600" dirty="0" smtClean="0"/>
+                        <a:t>4</a:t>
+                      </a:r>
+                      <a:r>
+                        <a:rPr lang="ko-KR" altLang="en-US" sz="2600" dirty="0" smtClean="0"/>
+                        <a:t>바이트</a:t>
+                      </a:r>
+                      <a:endParaRPr lang="en-US" altLang="ko-KR" sz="2600" dirty="0" smtClean="0"/>
+                    </a:p>
+                  </a:txBody>
+                  <a:tcPr marL="120544" marR="120544" marT="60272" marB="60272" anchor="ctr">
+                    <a:lnL w="6350" cap="flat" cmpd="sng" algn="ctr">
+                      <a:solidFill>
+                        <a:schemeClr val="tx1"/>
+                      </a:solidFill>
+                      <a:prstDash val="solid"/>
+                      <a:round/>
+                      <a:headEnd type="none" w="med" len="med"/>
+                      <a:tailEnd type="none" w="med" len="med"/>
+                    </a:lnL>
+                    <a:lnR w="6350" cap="flat" cmpd="sng" algn="ctr">
+                      <a:solidFill>
+                        <a:schemeClr val="tx1"/>
+                      </a:solidFill>
+                      <a:prstDash val="solid"/>
+                      <a:round/>
+                      <a:headEnd type="none" w="med" len="med"/>
+                      <a:tailEnd type="none" w="med" len="med"/>
+                    </a:lnR>
+                    <a:lnT w="6350" cap="flat" cmpd="sng" algn="ctr">
+                      <a:solidFill>
+                        <a:schemeClr val="tx1"/>
+                      </a:solidFill>
+                      <a:prstDash val="solid"/>
+                      <a:round/>
+                      <a:headEnd type="none" w="med" len="med"/>
+                      <a:tailEnd type="none" w="med" len="med"/>
+                    </a:lnT>
+                    <a:lnB w="6350" cap="flat" cmpd="sng" algn="ctr">
+                      <a:solidFill>
+                        <a:schemeClr val="tx1"/>
+                      </a:solidFill>
+                      <a:prstDash val="solid"/>
+                      <a:round/>
+                      <a:headEnd type="none" w="med" len="med"/>
+                      <a:tailEnd type="none" w="med" len="med"/>
+                    </a:lnB>
+                    <a:solidFill>
+                      <a:schemeClr val="bg1"/>
+                    </a:solidFill>
+                  </a:tcPr>
+                </a:tc>
+                <a:tc>
+                  <a:txBody>
+                    <a:bodyPr/>
+                    <a:lstStyle/>
+                    <a:p>
+                      <a:pPr algn="ctr" latinLnBrk="1"/>
+                      <a:r>
+                        <a:rPr lang="en-US" altLang="ko-KR" sz="1800" b="0" i="0" kern="1200" dirty="0" smtClean="0">
+                          <a:solidFill>
+                            <a:schemeClr val="dk1"/>
+                          </a:solidFill>
+                          <a:effectLst/>
+                          <a:latin typeface="+mn-lt"/>
+                          <a:ea typeface="+mn-ea"/>
+                          <a:cs typeface="+mn-cs"/>
+                        </a:rPr>
+                        <a:t>3.4*10^38 ~ 3.4*10^38</a:t>
+                      </a:r>
+                      <a:endParaRPr lang="ko-KR" altLang="en-US" sz="1800" dirty="0">
+                        <a:latin typeface="나눔스퀘어" panose="020B0600000101010101" pitchFamily="50" charset="-127"/>
+                        <a:ea typeface="나눔스퀘어" panose="020B0600000101010101" pitchFamily="50" charset="-127"/>
+                      </a:endParaRPr>
+                    </a:p>
+                  </a:txBody>
+                  <a:tcPr marL="120544" marR="120544" marT="60272" marB="60272" anchor="ctr">
+                    <a:lnL w="6350" cap="flat" cmpd="sng" algn="ctr">
+                      <a:solidFill>
+                        <a:schemeClr val="tx1"/>
+                      </a:solidFill>
+                      <a:prstDash val="solid"/>
+                      <a:round/>
+                      <a:headEnd type="none" w="med" len="med"/>
+                      <a:tailEnd type="none" w="med" len="med"/>
+                    </a:lnL>
+                    <a:lnR w="6350" cap="flat" cmpd="sng" algn="ctr">
+                      <a:solidFill>
+                        <a:schemeClr val="tx1"/>
+                      </a:solidFill>
+                      <a:prstDash val="solid"/>
+                      <a:round/>
+                      <a:headEnd type="none" w="med" len="med"/>
+                      <a:tailEnd type="none" w="med" len="med"/>
+                    </a:lnR>
+                    <a:lnT w="6350" cap="flat" cmpd="sng" algn="ctr">
+                      <a:solidFill>
+                        <a:schemeClr val="tx1"/>
+                      </a:solidFill>
+                      <a:prstDash val="solid"/>
+                      <a:round/>
+                      <a:headEnd type="none" w="med" len="med"/>
+                      <a:tailEnd type="none" w="med" len="med"/>
+                    </a:lnT>
+                    <a:lnB w="6350" cap="flat" cmpd="sng" algn="ctr">
+                      <a:solidFill>
+                        <a:schemeClr val="tx1"/>
+                      </a:solidFill>
+                      <a:prstDash val="solid"/>
+                      <a:round/>
+                      <a:headEnd type="none" w="med" len="med"/>
+                      <a:tailEnd type="none" w="med" len="med"/>
+                    </a:lnB>
+                    <a:solidFill>
+                      <a:schemeClr val="bg1"/>
+                    </a:solidFill>
+                  </a:tcPr>
+                </a:tc>
+                <a:tc>
+                  <a:txBody>
+                    <a:bodyPr/>
+                    <a:lstStyle/>
+                    <a:p>
+                      <a:pPr algn="ctr" latinLnBrk="1"/>
+                      <a:r>
+                        <a:rPr lang="en-US" altLang="ko-KR" sz="2600" dirty="0" smtClean="0">
+                          <a:latin typeface="나눔스퀘어" panose="020B0600000101010101" pitchFamily="50" charset="-127"/>
+                          <a:ea typeface="나눔스퀘어" panose="020B0600000101010101" pitchFamily="50" charset="-127"/>
+                        </a:rPr>
+                        <a:t>6</a:t>
+                      </a:r>
+                      <a:r>
+                        <a:rPr lang="ko-KR" altLang="en-US" sz="2600" dirty="0" smtClean="0">
+                          <a:latin typeface="나눔스퀘어" panose="020B0600000101010101" pitchFamily="50" charset="-127"/>
+                          <a:ea typeface="나눔스퀘어" panose="020B0600000101010101" pitchFamily="50" charset="-127"/>
+                        </a:rPr>
+                        <a:t>자리</a:t>
+                      </a:r>
+                      <a:endParaRPr lang="ko-KR" altLang="en-US" sz="2600" dirty="0">
+                        <a:latin typeface="나눔스퀘어" panose="020B0600000101010101" pitchFamily="50" charset="-127"/>
+                        <a:ea typeface="나눔스퀘어" panose="020B0600000101010101" pitchFamily="50" charset="-127"/>
+                      </a:endParaRPr>
+                    </a:p>
+                  </a:txBody>
+                  <a:tcPr marL="120544" marR="120544" marT="60272" marB="60272" anchor="ctr">
+                    <a:lnL w="6350" cap="flat" cmpd="sng" algn="ctr">
+                      <a:solidFill>
+                        <a:schemeClr val="tx1"/>
+                      </a:solidFill>
+                      <a:prstDash val="solid"/>
+                      <a:round/>
+                      <a:headEnd type="none" w="med" len="med"/>
+                      <a:tailEnd type="none" w="med" len="med"/>
+                    </a:lnL>
+                    <a:lnR w="6350" cap="flat" cmpd="sng" algn="ctr">
+                      <a:solidFill>
+                        <a:schemeClr val="tx1"/>
+                      </a:solidFill>
+                      <a:prstDash val="solid"/>
+                      <a:round/>
+                      <a:headEnd type="none" w="med" len="med"/>
+                      <a:tailEnd type="none" w="med" len="med"/>
+                    </a:lnR>
+                    <a:lnT w="6350" cap="flat" cmpd="sng" algn="ctr">
+                      <a:solidFill>
+                        <a:schemeClr val="tx1"/>
+                      </a:solidFill>
+                      <a:prstDash val="solid"/>
+                      <a:round/>
+                      <a:headEnd type="none" w="med" len="med"/>
+                      <a:tailEnd type="none" w="med" len="med"/>
+                    </a:lnT>
+                    <a:lnB w="6350" cap="flat" cmpd="sng" algn="ctr">
+                      <a:solidFill>
+                        <a:schemeClr val="tx1"/>
+                      </a:solidFill>
+                      <a:prstDash val="solid"/>
+                      <a:round/>
+                      <a:headEnd type="none" w="med" len="med"/>
+                      <a:tailEnd type="none" w="med" len="med"/>
+                    </a:lnB>
+                    <a:solidFill>
+                      <a:schemeClr val="bg1"/>
+                    </a:solidFill>
+                  </a:tcPr>
+                </a:tc>
+                <a:extLst>
+                  <a:ext uri="{0D108BD9-81ED-4DB2-BD59-A6C34878D82A}">
+                    <a16:rowId xmlns:a16="http://schemas.microsoft.com/office/drawing/2014/main" xmlns="" val="3252017551"/>
+                  </a:ext>
+                </a:extLst>
+              </a:tr>
+              <a:tr h="883365">
+                <a:tc>
+                  <a:txBody>
+                    <a:bodyPr/>
+                    <a:lstStyle/>
+                    <a:p>
+                      <a:pPr algn="ctr" latinLnBrk="1"/>
+                      <a:r>
+                        <a:rPr lang="en-US" altLang="ko-KR" sz="2800" dirty="0" smtClean="0"/>
+                        <a:t>double</a:t>
+                      </a:r>
+                      <a:endParaRPr lang="ko-KR" altLang="en-US" sz="2600" dirty="0">
+                        <a:latin typeface="나눔스퀘어" panose="020B0600000101010101" pitchFamily="50" charset="-127"/>
+                        <a:ea typeface="나눔스퀘어" panose="020B0600000101010101" pitchFamily="50" charset="-127"/>
+                      </a:endParaRPr>
+                    </a:p>
+                  </a:txBody>
+                  <a:tcPr marL="120544" marR="120544" marT="60272" marB="60272" anchor="ctr">
+                    <a:lnL w="6350" cap="flat" cmpd="sng" algn="ctr">
+                      <a:solidFill>
+                        <a:schemeClr val="tx1"/>
+                      </a:solidFill>
+                      <a:prstDash val="solid"/>
+                      <a:round/>
+                      <a:headEnd type="none" w="med" len="med"/>
+                      <a:tailEnd type="none" w="med" len="med"/>
+                    </a:lnL>
+                    <a:lnR w="6350" cap="flat" cmpd="sng" algn="ctr">
+                      <a:solidFill>
+                        <a:schemeClr val="tx1"/>
+                      </a:solidFill>
+                      <a:prstDash val="solid"/>
+                      <a:round/>
+                      <a:headEnd type="none" w="med" len="med"/>
+                      <a:tailEnd type="none" w="med" len="med"/>
+                    </a:lnR>
+                    <a:lnT w="6350" cap="flat" cmpd="sng" algn="ctr">
+                      <a:solidFill>
+                        <a:schemeClr val="tx1"/>
+                      </a:solidFill>
+                      <a:prstDash val="solid"/>
+                      <a:round/>
+                      <a:headEnd type="none" w="med" len="med"/>
+                      <a:tailEnd type="none" w="med" len="med"/>
+                    </a:lnT>
+                    <a:lnB w="6350" cap="flat" cmpd="sng" algn="ctr">
+                      <a:solidFill>
+                        <a:schemeClr val="tx1"/>
+                      </a:solidFill>
+                      <a:prstDash val="solid"/>
+                      <a:round/>
+                      <a:headEnd type="none" w="med" len="med"/>
+                      <a:tailEnd type="none" w="med" len="med"/>
+                    </a:lnB>
+                    <a:solidFill>
+                      <a:schemeClr val="bg1"/>
+                    </a:solidFill>
+                  </a:tcPr>
+                </a:tc>
+                <a:tc>
+                  <a:txBody>
+                    <a:bodyPr/>
+                    <a:lstStyle/>
+                    <a:p>
+                      <a:pPr marL="0" marR="0" indent="0" algn="ctr" defTabSz="914400" rtl="0" eaLnBrk="1" fontAlgn="auto" latinLnBrk="1" hangingPunct="1">
+                        <a:lnSpc>
+                          <a:spcPct val="100000"/>
+                        </a:lnSpc>
+                        <a:spcBef>
+                          <a:spcPts val="0"/>
+                        </a:spcBef>
+                        <a:spcAft>
+                          <a:spcPts val="0"/>
+                        </a:spcAft>
+                        <a:buClrTx/>
+                        <a:buSzTx/>
+                        <a:buFontTx/>
+                        <a:buNone/>
+                        <a:tabLst/>
+                        <a:defRPr/>
+                      </a:pPr>
+                      <a:r>
+                        <a:rPr lang="en-US" altLang="ko-KR" sz="2600" dirty="0" smtClean="0"/>
+                        <a:t>8</a:t>
+                      </a:r>
+                      <a:r>
+                        <a:rPr lang="ko-KR" altLang="en-US" sz="2600" dirty="0" smtClean="0"/>
+                        <a:t>바이트</a:t>
+                      </a:r>
+                      <a:endParaRPr lang="en-US" altLang="ko-KR" sz="2600" dirty="0" smtClean="0"/>
+                    </a:p>
+                  </a:txBody>
+                  <a:tcPr marL="120544" marR="120544" marT="60272" marB="60272" anchor="ctr">
+                    <a:lnL w="6350" cap="flat" cmpd="sng" algn="ctr">
+                      <a:solidFill>
+                        <a:schemeClr val="tx1"/>
+                      </a:solidFill>
+                      <a:prstDash val="solid"/>
+                      <a:round/>
+                      <a:headEnd type="none" w="med" len="med"/>
+                      <a:tailEnd type="none" w="med" len="med"/>
+                    </a:lnL>
+                    <a:lnR w="6350" cap="flat" cmpd="sng" algn="ctr">
+                      <a:solidFill>
+                        <a:schemeClr val="tx1"/>
+                      </a:solidFill>
+                      <a:prstDash val="solid"/>
+                      <a:round/>
+                      <a:headEnd type="none" w="med" len="med"/>
+                      <a:tailEnd type="none" w="med" len="med"/>
+                    </a:lnR>
+                    <a:lnT w="6350" cap="flat" cmpd="sng" algn="ctr">
+                      <a:solidFill>
+                        <a:schemeClr val="tx1"/>
+                      </a:solidFill>
+                      <a:prstDash val="solid"/>
+                      <a:round/>
+                      <a:headEnd type="none" w="med" len="med"/>
+                      <a:tailEnd type="none" w="med" len="med"/>
+                    </a:lnT>
+                    <a:lnB w="6350" cap="flat" cmpd="sng" algn="ctr">
+                      <a:solidFill>
+                        <a:schemeClr val="tx1"/>
+                      </a:solidFill>
+                      <a:prstDash val="solid"/>
+                      <a:round/>
+                      <a:headEnd type="none" w="med" len="med"/>
+                      <a:tailEnd type="none" w="med" len="med"/>
+                    </a:lnB>
+                    <a:solidFill>
+                      <a:schemeClr val="bg1"/>
+                    </a:solidFill>
+                  </a:tcPr>
+                </a:tc>
+                <a:tc>
+                  <a:txBody>
+                    <a:bodyPr/>
+                    <a:lstStyle/>
+                    <a:p>
+                      <a:pPr algn="ctr" latinLnBrk="1"/>
+                      <a:r>
+                        <a:rPr lang="en-US" altLang="ko-KR" sz="1800" b="0" i="0" kern="1200" dirty="0" smtClean="0">
+                          <a:solidFill>
+                            <a:schemeClr val="dk1"/>
+                          </a:solidFill>
+                          <a:effectLst/>
+                          <a:latin typeface="+mn-lt"/>
+                          <a:ea typeface="+mn-ea"/>
+                          <a:cs typeface="+mn-cs"/>
+                        </a:rPr>
+                        <a:t>-1.79*10^308 ~ 1.79*10^308</a:t>
+                      </a:r>
+                      <a:endParaRPr lang="ko-KR" altLang="en-US" sz="1800" dirty="0">
+                        <a:latin typeface="나눔스퀘어" panose="020B0600000101010101" pitchFamily="50" charset="-127"/>
+                        <a:ea typeface="나눔스퀘어" panose="020B0600000101010101" pitchFamily="50" charset="-127"/>
+                      </a:endParaRPr>
+                    </a:p>
+                  </a:txBody>
+                  <a:tcPr marL="120544" marR="120544" marT="60272" marB="60272" anchor="ctr">
+                    <a:lnL w="6350" cap="flat" cmpd="sng" algn="ctr">
+                      <a:solidFill>
+                        <a:schemeClr val="tx1"/>
+                      </a:solidFill>
+                      <a:prstDash val="solid"/>
+                      <a:round/>
+                      <a:headEnd type="none" w="med" len="med"/>
+                      <a:tailEnd type="none" w="med" len="med"/>
+                    </a:lnL>
+                    <a:lnR w="6350" cap="flat" cmpd="sng" algn="ctr">
+                      <a:solidFill>
+                        <a:schemeClr val="tx1"/>
+                      </a:solidFill>
+                      <a:prstDash val="solid"/>
+                      <a:round/>
+                      <a:headEnd type="none" w="med" len="med"/>
+                      <a:tailEnd type="none" w="med" len="med"/>
+                    </a:lnR>
+                    <a:lnT w="6350" cap="flat" cmpd="sng" algn="ctr">
+                      <a:solidFill>
+                        <a:schemeClr val="tx1"/>
+                      </a:solidFill>
+                      <a:prstDash val="solid"/>
+                      <a:round/>
+                      <a:headEnd type="none" w="med" len="med"/>
+                      <a:tailEnd type="none" w="med" len="med"/>
+                    </a:lnT>
+                    <a:lnB w="6350" cap="flat" cmpd="sng" algn="ctr">
+                      <a:solidFill>
+                        <a:schemeClr val="tx1"/>
+                      </a:solidFill>
+                      <a:prstDash val="solid"/>
+                      <a:round/>
+                      <a:headEnd type="none" w="med" len="med"/>
+                      <a:tailEnd type="none" w="med" len="med"/>
+                    </a:lnB>
+                    <a:solidFill>
+                      <a:schemeClr val="bg1"/>
+                    </a:solidFill>
+                  </a:tcPr>
+                </a:tc>
+                <a:tc>
+                  <a:txBody>
+                    <a:bodyPr/>
+                    <a:lstStyle/>
+                    <a:p>
+                      <a:pPr algn="ctr" latinLnBrk="1"/>
+                      <a:r>
+                        <a:rPr lang="en-US" altLang="ko-KR" sz="2600" dirty="0" smtClean="0">
+                          <a:latin typeface="나눔스퀘어" panose="020B0600000101010101" pitchFamily="50" charset="-127"/>
+                          <a:ea typeface="나눔스퀘어" panose="020B0600000101010101" pitchFamily="50" charset="-127"/>
+                        </a:rPr>
+                        <a:t>14</a:t>
+                      </a:r>
+                      <a:r>
+                        <a:rPr lang="ko-KR" altLang="en-US" sz="2600" dirty="0" smtClean="0">
+                          <a:latin typeface="나눔스퀘어" panose="020B0600000101010101" pitchFamily="50" charset="-127"/>
+                          <a:ea typeface="나눔스퀘어" panose="020B0600000101010101" pitchFamily="50" charset="-127"/>
+                        </a:rPr>
+                        <a:t>자리</a:t>
+                      </a:r>
+                      <a:endParaRPr lang="ko-KR" altLang="en-US" sz="2600" dirty="0">
+                        <a:latin typeface="나눔스퀘어" panose="020B0600000101010101" pitchFamily="50" charset="-127"/>
+                        <a:ea typeface="나눔스퀘어" panose="020B0600000101010101" pitchFamily="50" charset="-127"/>
+                      </a:endParaRPr>
+                    </a:p>
+                  </a:txBody>
+                  <a:tcPr marL="120544" marR="120544" marT="60272" marB="60272" anchor="ctr">
+                    <a:lnL w="6350" cap="flat" cmpd="sng" algn="ctr">
+                      <a:solidFill>
+                        <a:schemeClr val="tx1"/>
+                      </a:solidFill>
+                      <a:prstDash val="solid"/>
+                      <a:round/>
+                      <a:headEnd type="none" w="med" len="med"/>
+                      <a:tailEnd type="none" w="med" len="med"/>
+                    </a:lnL>
+                    <a:lnR w="6350" cap="flat" cmpd="sng" algn="ctr">
+                      <a:solidFill>
+                        <a:schemeClr val="tx1"/>
+                      </a:solidFill>
+                      <a:prstDash val="solid"/>
+                      <a:round/>
+                      <a:headEnd type="none" w="med" len="med"/>
+                      <a:tailEnd type="none" w="med" len="med"/>
+                    </a:lnR>
+                    <a:lnT w="6350" cap="flat" cmpd="sng" algn="ctr">
+                      <a:solidFill>
+                        <a:schemeClr val="tx1"/>
+                      </a:solidFill>
+                      <a:prstDash val="solid"/>
+                      <a:round/>
+                      <a:headEnd type="none" w="med" len="med"/>
+                      <a:tailEnd type="none" w="med" len="med"/>
+                    </a:lnT>
+                    <a:lnB w="6350" cap="flat" cmpd="sng" algn="ctr">
+                      <a:solidFill>
+                        <a:schemeClr val="tx1"/>
+                      </a:solidFill>
+                      <a:prstDash val="solid"/>
+                      <a:round/>
+                      <a:headEnd type="none" w="med" len="med"/>
+                      <a:tailEnd type="none" w="med" len="med"/>
+                    </a:lnB>
+                    <a:solidFill>
+                      <a:schemeClr val="bg1"/>
+                    </a:solidFill>
+                  </a:tcPr>
+                </a:tc>
+                <a:extLst>
+                  <a:ext uri="{0D108BD9-81ED-4DB2-BD59-A6C34878D82A}">
+                    <a16:rowId xmlns:a16="http://schemas.microsoft.com/office/drawing/2014/main" xmlns="" val="2914532749"/>
+                  </a:ext>
+                </a:extLst>
+              </a:tr>
+            </a:tbl>
+          </a:graphicData>
+        </a:graphic>
+      </p:graphicFrame>
     </p:spTree>
     <p:extLst>
       <p:ext uri="{BB962C8B-B14F-4D97-AF65-F5344CB8AC3E}">
@@ -10068,7 +11730,7 @@
           <p:cNvPr id="4" name="제목 3">
             <a:extLst>
               <a:ext uri="{FF2B5EF4-FFF2-40B4-BE49-F238E27FC236}">
-                <a16:creationId xmlns:a16="http://schemas.microsoft.com/office/drawing/2014/main" id="{81CED50D-7984-4450-8C3D-A1F083FF852C}"/>
+                <a16:creationId xmlns:a16="http://schemas.microsoft.com/office/drawing/2014/main" xmlns="" id="{81CED50D-7984-4450-8C3D-A1F083FF852C}"/>
               </a:ext>
             </a:extLst>
           </p:cNvPr>
@@ -10152,7 +11814,7 @@
           <p:cNvPr id="15" name="텍스트 개체 틀 14">
             <a:extLst>
               <a:ext uri="{FF2B5EF4-FFF2-40B4-BE49-F238E27FC236}">
-                <a16:creationId xmlns:a16="http://schemas.microsoft.com/office/drawing/2014/main" id="{CAF4FA68-A32A-48BA-A282-B6F8B4204A68}"/>
+                <a16:creationId xmlns:a16="http://schemas.microsoft.com/office/drawing/2014/main" xmlns="" id="{CAF4FA68-A32A-48BA-A282-B6F8B4204A68}"/>
               </a:ext>
             </a:extLst>
           </p:cNvPr>
@@ -10187,7 +11849,7 @@
           <p:cNvPr id="2" name="TextBox 1">
             <a:extLst>
               <a:ext uri="{FF2B5EF4-FFF2-40B4-BE49-F238E27FC236}">
-                <a16:creationId xmlns:a16="http://schemas.microsoft.com/office/drawing/2014/main" id="{AC58D64D-AA5F-4E35-95B0-18CCDABC5ED7}"/>
+                <a16:creationId xmlns:a16="http://schemas.microsoft.com/office/drawing/2014/main" xmlns="" id="{AC58D64D-AA5F-4E35-95B0-18CCDABC5ED7}"/>
               </a:ext>
             </a:extLst>
           </p:cNvPr>
@@ -10346,7 +12008,7 @@
           <p:cNvPr id="15" name="텍스트 개체 틀 14">
             <a:extLst>
               <a:ext uri="{FF2B5EF4-FFF2-40B4-BE49-F238E27FC236}">
-                <a16:creationId xmlns:a16="http://schemas.microsoft.com/office/drawing/2014/main" id="{CAF4FA68-A32A-48BA-A282-B6F8B4204A68}"/>
+                <a16:creationId xmlns:a16="http://schemas.microsoft.com/office/drawing/2014/main" xmlns="" id="{CAF4FA68-A32A-48BA-A282-B6F8B4204A68}"/>
               </a:ext>
             </a:extLst>
           </p:cNvPr>
@@ -10381,7 +12043,7 @@
           <p:cNvPr id="2" name="TextBox 1">
             <a:extLst>
               <a:ext uri="{FF2B5EF4-FFF2-40B4-BE49-F238E27FC236}">
-                <a16:creationId xmlns:a16="http://schemas.microsoft.com/office/drawing/2014/main" id="{AC58D64D-AA5F-4E35-95B0-18CCDABC5ED7}"/>
+                <a16:creationId xmlns:a16="http://schemas.microsoft.com/office/drawing/2014/main" xmlns="" id="{AC58D64D-AA5F-4E35-95B0-18CCDABC5ED7}"/>
               </a:ext>
             </a:extLst>
           </p:cNvPr>
@@ -10429,7 +12091,7 @@
           <p:cNvPr id="7" name="TextBox 6">
             <a:extLst>
               <a:ext uri="{FF2B5EF4-FFF2-40B4-BE49-F238E27FC236}">
-                <a16:creationId xmlns:a16="http://schemas.microsoft.com/office/drawing/2014/main" id="{68170519-F4B2-42AD-BC82-5748C5CB1C68}"/>
+                <a16:creationId xmlns:a16="http://schemas.microsoft.com/office/drawing/2014/main" xmlns="" id="{68170519-F4B2-42AD-BC82-5748C5CB1C68}"/>
               </a:ext>
             </a:extLst>
           </p:cNvPr>
@@ -10579,7 +12241,7 @@
           <p:cNvPr id="15" name="텍스트 개체 틀 14">
             <a:extLst>
               <a:ext uri="{FF2B5EF4-FFF2-40B4-BE49-F238E27FC236}">
-                <a16:creationId xmlns:a16="http://schemas.microsoft.com/office/drawing/2014/main" id="{CAF4FA68-A32A-48BA-A282-B6F8B4204A68}"/>
+                <a16:creationId xmlns:a16="http://schemas.microsoft.com/office/drawing/2014/main" xmlns="" id="{CAF4FA68-A32A-48BA-A282-B6F8B4204A68}"/>
               </a:ext>
             </a:extLst>
           </p:cNvPr>
@@ -10614,7 +12276,7 @@
           <p:cNvPr id="4" name="표 3">
             <a:extLst>
               <a:ext uri="{FF2B5EF4-FFF2-40B4-BE49-F238E27FC236}">
-                <a16:creationId xmlns:a16="http://schemas.microsoft.com/office/drawing/2014/main" id="{7B98E256-3FB9-4275-8F25-096A1DE47AB0}"/>
+                <a16:creationId xmlns:a16="http://schemas.microsoft.com/office/drawing/2014/main" xmlns="" id="{7B98E256-3FB9-4275-8F25-096A1DE47AB0}"/>
               </a:ext>
             </a:extLst>
           </p:cNvPr>
@@ -10643,14 +12305,14 @@
                 <a:gridCol w="1541981">
                   <a:extLst>
                     <a:ext uri="{9D8B030D-6E8A-4147-A177-3AD203B41FA5}">
-                      <a16:colId xmlns:a16="http://schemas.microsoft.com/office/drawing/2014/main" val="3743931366"/>
+                      <a16:colId xmlns:a16="http://schemas.microsoft.com/office/drawing/2014/main" xmlns="" val="3743931366"/>
                     </a:ext>
                   </a:extLst>
                 </a:gridCol>
                 <a:gridCol w="5179453">
                   <a:extLst>
                     <a:ext uri="{9D8B030D-6E8A-4147-A177-3AD203B41FA5}">
-                      <a16:colId xmlns:a16="http://schemas.microsoft.com/office/drawing/2014/main" val="582365628"/>
+                      <a16:colId xmlns:a16="http://schemas.microsoft.com/office/drawing/2014/main" xmlns="" val="582365628"/>
                     </a:ext>
                   </a:extLst>
                 </a:gridCol>
@@ -10785,7 +12447,7 @@
                 </a:tc>
                 <a:extLst>
                   <a:ext uri="{0D108BD9-81ED-4DB2-BD59-A6C34878D82A}">
-                    <a16:rowId xmlns:a16="http://schemas.microsoft.com/office/drawing/2014/main" val="719889704"/>
+                    <a16:rowId xmlns:a16="http://schemas.microsoft.com/office/drawing/2014/main" xmlns="" val="719889704"/>
                   </a:ext>
                 </a:extLst>
               </a:tr>
@@ -10912,7 +12574,7 @@
                 </a:tc>
                 <a:extLst>
                   <a:ext uri="{0D108BD9-81ED-4DB2-BD59-A6C34878D82A}">
-                    <a16:rowId xmlns:a16="http://schemas.microsoft.com/office/drawing/2014/main" val="3252017551"/>
+                    <a16:rowId xmlns:a16="http://schemas.microsoft.com/office/drawing/2014/main" xmlns="" val="3252017551"/>
                   </a:ext>
                 </a:extLst>
               </a:tr>
@@ -11039,7 +12701,7 @@
                 </a:tc>
                 <a:extLst>
                   <a:ext uri="{0D108BD9-81ED-4DB2-BD59-A6C34878D82A}">
-                    <a16:rowId xmlns:a16="http://schemas.microsoft.com/office/drawing/2014/main" val="2914532749"/>
+                    <a16:rowId xmlns:a16="http://schemas.microsoft.com/office/drawing/2014/main" xmlns="" val="2914532749"/>
                   </a:ext>
                 </a:extLst>
               </a:tr>
@@ -11166,7 +12828,7 @@
                 </a:tc>
                 <a:extLst>
                   <a:ext uri="{0D108BD9-81ED-4DB2-BD59-A6C34878D82A}">
-                    <a16:rowId xmlns:a16="http://schemas.microsoft.com/office/drawing/2014/main" val="1271956124"/>
+                    <a16:rowId xmlns:a16="http://schemas.microsoft.com/office/drawing/2014/main" xmlns="" val="1271956124"/>
                   </a:ext>
                 </a:extLst>
               </a:tr>
@@ -11307,7 +12969,7 @@
                 </a:tc>
                 <a:extLst>
                   <a:ext uri="{0D108BD9-81ED-4DB2-BD59-A6C34878D82A}">
-                    <a16:rowId xmlns:a16="http://schemas.microsoft.com/office/drawing/2014/main" val="2703464534"/>
+                    <a16:rowId xmlns:a16="http://schemas.microsoft.com/office/drawing/2014/main" xmlns="" val="2703464534"/>
                   </a:ext>
                 </a:extLst>
               </a:tr>
@@ -11448,7 +13110,7 @@
                 </a:tc>
                 <a:extLst>
                   <a:ext uri="{0D108BD9-81ED-4DB2-BD59-A6C34878D82A}">
-                    <a16:rowId xmlns:a16="http://schemas.microsoft.com/office/drawing/2014/main" val="2628914785"/>
+                    <a16:rowId xmlns:a16="http://schemas.microsoft.com/office/drawing/2014/main" xmlns="" val="2628914785"/>
                   </a:ext>
                 </a:extLst>
               </a:tr>
@@ -11518,7 +13180,7 @@
           <p:cNvPr id="15" name="텍스트 개체 틀 14">
             <a:extLst>
               <a:ext uri="{FF2B5EF4-FFF2-40B4-BE49-F238E27FC236}">
-                <a16:creationId xmlns:a16="http://schemas.microsoft.com/office/drawing/2014/main" id="{CAF4FA68-A32A-48BA-A282-B6F8B4204A68}"/>
+                <a16:creationId xmlns:a16="http://schemas.microsoft.com/office/drawing/2014/main" xmlns="" id="{CAF4FA68-A32A-48BA-A282-B6F8B4204A68}"/>
               </a:ext>
             </a:extLst>
           </p:cNvPr>
@@ -11553,7 +13215,7 @@
           <p:cNvPr id="2" name="TextBox 1">
             <a:extLst>
               <a:ext uri="{FF2B5EF4-FFF2-40B4-BE49-F238E27FC236}">
-                <a16:creationId xmlns:a16="http://schemas.microsoft.com/office/drawing/2014/main" id="{7ED016F2-7F2D-4EED-98FF-BD18DC7B05D7}"/>
+                <a16:creationId xmlns:a16="http://schemas.microsoft.com/office/drawing/2014/main" xmlns="" id="{7ED016F2-7F2D-4EED-98FF-BD18DC7B05D7}"/>
               </a:ext>
             </a:extLst>
           </p:cNvPr>
@@ -11590,7 +13252,7 @@
           <p:cNvPr id="7" name="순서도: 논리합 6">
             <a:extLst>
               <a:ext uri="{FF2B5EF4-FFF2-40B4-BE49-F238E27FC236}">
-                <a16:creationId xmlns:a16="http://schemas.microsoft.com/office/drawing/2014/main" id="{3B8E1C8F-D718-4439-B0E9-FF1BC196CBBD}"/>
+                <a16:creationId xmlns:a16="http://schemas.microsoft.com/office/drawing/2014/main" xmlns="" id="{3B8E1C8F-D718-4439-B0E9-FF1BC196CBBD}"/>
               </a:ext>
             </a:extLst>
           </p:cNvPr>
@@ -11674,7 +13336,7 @@
           <p:cNvPr id="3" name="제목 2">
             <a:extLst>
               <a:ext uri="{FF2B5EF4-FFF2-40B4-BE49-F238E27FC236}">
-                <a16:creationId xmlns:a16="http://schemas.microsoft.com/office/drawing/2014/main" id="{1C5F8442-7550-4994-AF8B-8044B3C4AE13}"/>
+                <a16:creationId xmlns:a16="http://schemas.microsoft.com/office/drawing/2014/main" xmlns="" id="{1C5F8442-7550-4994-AF8B-8044B3C4AE13}"/>
               </a:ext>
             </a:extLst>
           </p:cNvPr>
@@ -11758,7 +13420,7 @@
           <p:cNvPr id="15" name="텍스트 개체 틀 14">
             <a:extLst>
               <a:ext uri="{FF2B5EF4-FFF2-40B4-BE49-F238E27FC236}">
-                <a16:creationId xmlns:a16="http://schemas.microsoft.com/office/drawing/2014/main" id="{CAF4FA68-A32A-48BA-A282-B6F8B4204A68}"/>
+                <a16:creationId xmlns:a16="http://schemas.microsoft.com/office/drawing/2014/main" xmlns="" id="{CAF4FA68-A32A-48BA-A282-B6F8B4204A68}"/>
               </a:ext>
             </a:extLst>
           </p:cNvPr>
@@ -11793,7 +13455,7 @@
           <p:cNvPr id="2" name="TextBox 1">
             <a:extLst>
               <a:ext uri="{FF2B5EF4-FFF2-40B4-BE49-F238E27FC236}">
-                <a16:creationId xmlns:a16="http://schemas.microsoft.com/office/drawing/2014/main" id="{999AD4DB-EA96-4686-8FF6-CCE9A4CED64C}"/>
+                <a16:creationId xmlns:a16="http://schemas.microsoft.com/office/drawing/2014/main" xmlns="" id="{999AD4DB-EA96-4686-8FF6-CCE9A4CED64C}"/>
               </a:ext>
             </a:extLst>
           </p:cNvPr>
@@ -11864,7 +13526,7 @@
           <p:cNvPr id="5" name="TextBox 4">
             <a:extLst>
               <a:ext uri="{FF2B5EF4-FFF2-40B4-BE49-F238E27FC236}">
-                <a16:creationId xmlns:a16="http://schemas.microsoft.com/office/drawing/2014/main" id="{E2EB9DC5-E8F7-416A-9111-7F1A7207C603}"/>
+                <a16:creationId xmlns:a16="http://schemas.microsoft.com/office/drawing/2014/main" xmlns="" id="{E2EB9DC5-E8F7-416A-9111-7F1A7207C603}"/>
               </a:ext>
             </a:extLst>
           </p:cNvPr>
@@ -11927,7 +13589,7 @@
           <p:cNvPr id="4" name="TextBox 3">
             <a:extLst>
               <a:ext uri="{FF2B5EF4-FFF2-40B4-BE49-F238E27FC236}">
-                <a16:creationId xmlns:a16="http://schemas.microsoft.com/office/drawing/2014/main" id="{B05B8A8A-CEB9-43B7-87C9-9939013992D0}"/>
+                <a16:creationId xmlns:a16="http://schemas.microsoft.com/office/drawing/2014/main" xmlns="" id="{B05B8A8A-CEB9-43B7-87C9-9939013992D0}"/>
               </a:ext>
             </a:extLst>
           </p:cNvPr>
@@ -11972,7 +13634,7 @@
           <p:cNvPr id="8" name="TextBox 7">
             <a:extLst>
               <a:ext uri="{FF2B5EF4-FFF2-40B4-BE49-F238E27FC236}">
-                <a16:creationId xmlns:a16="http://schemas.microsoft.com/office/drawing/2014/main" id="{3D0C55E2-E2C9-402E-BF39-144592EECF6F}"/>
+                <a16:creationId xmlns:a16="http://schemas.microsoft.com/office/drawing/2014/main" xmlns="" id="{3D0C55E2-E2C9-402E-BF39-144592EECF6F}"/>
               </a:ext>
             </a:extLst>
           </p:cNvPr>
@@ -12069,7 +13731,7 @@
           <p:cNvPr id="15" name="텍스트 개체 틀 14">
             <a:extLst>
               <a:ext uri="{FF2B5EF4-FFF2-40B4-BE49-F238E27FC236}">
-                <a16:creationId xmlns:a16="http://schemas.microsoft.com/office/drawing/2014/main" id="{CAF4FA68-A32A-48BA-A282-B6F8B4204A68}"/>
+                <a16:creationId xmlns:a16="http://schemas.microsoft.com/office/drawing/2014/main" xmlns="" id="{CAF4FA68-A32A-48BA-A282-B6F8B4204A68}"/>
               </a:ext>
             </a:extLst>
           </p:cNvPr>
@@ -12104,7 +13766,7 @@
           <p:cNvPr id="5" name="표 4">
             <a:extLst>
               <a:ext uri="{FF2B5EF4-FFF2-40B4-BE49-F238E27FC236}">
-                <a16:creationId xmlns:a16="http://schemas.microsoft.com/office/drawing/2014/main" id="{EA1B679E-AD11-49DA-90F2-A7C0EFA4EF0A}"/>
+                <a16:creationId xmlns:a16="http://schemas.microsoft.com/office/drawing/2014/main" xmlns="" id="{EA1B679E-AD11-49DA-90F2-A7C0EFA4EF0A}"/>
               </a:ext>
             </a:extLst>
           </p:cNvPr>
@@ -12133,21 +13795,21 @@
                 <a:gridCol w="611621">
                   <a:extLst>
                     <a:ext uri="{9D8B030D-6E8A-4147-A177-3AD203B41FA5}">
-                      <a16:colId xmlns:a16="http://schemas.microsoft.com/office/drawing/2014/main" val="3743931366"/>
+                      <a16:colId xmlns:a16="http://schemas.microsoft.com/office/drawing/2014/main" xmlns="" val="3743931366"/>
                     </a:ext>
                   </a:extLst>
                 </a:gridCol>
                 <a:gridCol w="611621">
                   <a:extLst>
                     <a:ext uri="{9D8B030D-6E8A-4147-A177-3AD203B41FA5}">
-                      <a16:colId xmlns:a16="http://schemas.microsoft.com/office/drawing/2014/main" val="1160904601"/>
+                      <a16:colId xmlns:a16="http://schemas.microsoft.com/office/drawing/2014/main" xmlns="" val="1160904601"/>
                     </a:ext>
                   </a:extLst>
                 </a:gridCol>
                 <a:gridCol w="1728439">
                   <a:extLst>
                     <a:ext uri="{9D8B030D-6E8A-4147-A177-3AD203B41FA5}">
-                      <a16:colId xmlns:a16="http://schemas.microsoft.com/office/drawing/2014/main" val="582365628"/>
+                      <a16:colId xmlns:a16="http://schemas.microsoft.com/office/drawing/2014/main" xmlns="" val="582365628"/>
                     </a:ext>
                   </a:extLst>
                 </a:gridCol>
@@ -12362,7 +14024,7 @@
                 </a:tc>
                 <a:extLst>
                   <a:ext uri="{0D108BD9-81ED-4DB2-BD59-A6C34878D82A}">
-                    <a16:rowId xmlns:a16="http://schemas.microsoft.com/office/drawing/2014/main" val="719889704"/>
+                    <a16:rowId xmlns:a16="http://schemas.microsoft.com/office/drawing/2014/main" xmlns="" val="719889704"/>
                   </a:ext>
                 </a:extLst>
               </a:tr>
@@ -12552,7 +14214,7 @@
                 </a:tc>
                 <a:extLst>
                   <a:ext uri="{0D108BD9-81ED-4DB2-BD59-A6C34878D82A}">
-                    <a16:rowId xmlns:a16="http://schemas.microsoft.com/office/drawing/2014/main" val="3252017551"/>
+                    <a16:rowId xmlns:a16="http://schemas.microsoft.com/office/drawing/2014/main" xmlns="" val="3252017551"/>
                   </a:ext>
                 </a:extLst>
               </a:tr>
@@ -12742,7 +14404,7 @@
                 </a:tc>
                 <a:extLst>
                   <a:ext uri="{0D108BD9-81ED-4DB2-BD59-A6C34878D82A}">
-                    <a16:rowId xmlns:a16="http://schemas.microsoft.com/office/drawing/2014/main" val="2914532749"/>
+                    <a16:rowId xmlns:a16="http://schemas.microsoft.com/office/drawing/2014/main" xmlns="" val="2914532749"/>
                   </a:ext>
                 </a:extLst>
               </a:tr>
@@ -12932,7 +14594,7 @@
                 </a:tc>
                 <a:extLst>
                   <a:ext uri="{0D108BD9-81ED-4DB2-BD59-A6C34878D82A}">
-                    <a16:rowId xmlns:a16="http://schemas.microsoft.com/office/drawing/2014/main" val="2620844453"/>
+                    <a16:rowId xmlns:a16="http://schemas.microsoft.com/office/drawing/2014/main" xmlns="" val="2620844453"/>
                   </a:ext>
                 </a:extLst>
               </a:tr>
@@ -13122,7 +14784,7 @@
                 </a:tc>
                 <a:extLst>
                   <a:ext uri="{0D108BD9-81ED-4DB2-BD59-A6C34878D82A}">
-                    <a16:rowId xmlns:a16="http://schemas.microsoft.com/office/drawing/2014/main" val="2598108072"/>
+                    <a16:rowId xmlns:a16="http://schemas.microsoft.com/office/drawing/2014/main" xmlns="" val="2598108072"/>
                   </a:ext>
                 </a:extLst>
               </a:tr>
@@ -13135,7 +14797,7 @@
           <p:cNvPr id="13" name="표 12">
             <a:extLst>
               <a:ext uri="{FF2B5EF4-FFF2-40B4-BE49-F238E27FC236}">
-                <a16:creationId xmlns:a16="http://schemas.microsoft.com/office/drawing/2014/main" id="{690087C6-D409-450D-8BEF-146069D687BF}"/>
+                <a16:creationId xmlns:a16="http://schemas.microsoft.com/office/drawing/2014/main" xmlns="" id="{690087C6-D409-450D-8BEF-146069D687BF}"/>
               </a:ext>
             </a:extLst>
           </p:cNvPr>
@@ -13164,21 +14826,21 @@
                 <a:gridCol w="611621">
                   <a:extLst>
                     <a:ext uri="{9D8B030D-6E8A-4147-A177-3AD203B41FA5}">
-                      <a16:colId xmlns:a16="http://schemas.microsoft.com/office/drawing/2014/main" val="3743931366"/>
+                      <a16:colId xmlns:a16="http://schemas.microsoft.com/office/drawing/2014/main" xmlns="" val="3743931366"/>
                     </a:ext>
                   </a:extLst>
                 </a:gridCol>
                 <a:gridCol w="611621">
                   <a:extLst>
                     <a:ext uri="{9D8B030D-6E8A-4147-A177-3AD203B41FA5}">
-                      <a16:colId xmlns:a16="http://schemas.microsoft.com/office/drawing/2014/main" val="1160904601"/>
+                      <a16:colId xmlns:a16="http://schemas.microsoft.com/office/drawing/2014/main" xmlns="" val="1160904601"/>
                     </a:ext>
                   </a:extLst>
                 </a:gridCol>
                 <a:gridCol w="1728439">
                   <a:extLst>
                     <a:ext uri="{9D8B030D-6E8A-4147-A177-3AD203B41FA5}">
-                      <a16:colId xmlns:a16="http://schemas.microsoft.com/office/drawing/2014/main" val="582365628"/>
+                      <a16:colId xmlns:a16="http://schemas.microsoft.com/office/drawing/2014/main" xmlns="" val="582365628"/>
                     </a:ext>
                   </a:extLst>
                 </a:gridCol>
@@ -13393,7 +15055,7 @@
                 </a:tc>
                 <a:extLst>
                   <a:ext uri="{0D108BD9-81ED-4DB2-BD59-A6C34878D82A}">
-                    <a16:rowId xmlns:a16="http://schemas.microsoft.com/office/drawing/2014/main" val="719889704"/>
+                    <a16:rowId xmlns:a16="http://schemas.microsoft.com/office/drawing/2014/main" xmlns="" val="719889704"/>
                   </a:ext>
                 </a:extLst>
               </a:tr>
@@ -13583,7 +15245,7 @@
                 </a:tc>
                 <a:extLst>
                   <a:ext uri="{0D108BD9-81ED-4DB2-BD59-A6C34878D82A}">
-                    <a16:rowId xmlns:a16="http://schemas.microsoft.com/office/drawing/2014/main" val="3252017551"/>
+                    <a16:rowId xmlns:a16="http://schemas.microsoft.com/office/drawing/2014/main" xmlns="" val="3252017551"/>
                   </a:ext>
                 </a:extLst>
               </a:tr>
@@ -13773,7 +15435,7 @@
                 </a:tc>
                 <a:extLst>
                   <a:ext uri="{0D108BD9-81ED-4DB2-BD59-A6C34878D82A}">
-                    <a16:rowId xmlns:a16="http://schemas.microsoft.com/office/drawing/2014/main" val="2914532749"/>
+                    <a16:rowId xmlns:a16="http://schemas.microsoft.com/office/drawing/2014/main" xmlns="" val="2914532749"/>
                   </a:ext>
                 </a:extLst>
               </a:tr>
@@ -13963,7 +15625,7 @@
                 </a:tc>
                 <a:extLst>
                   <a:ext uri="{0D108BD9-81ED-4DB2-BD59-A6C34878D82A}">
-                    <a16:rowId xmlns:a16="http://schemas.microsoft.com/office/drawing/2014/main" val="2620844453"/>
+                    <a16:rowId xmlns:a16="http://schemas.microsoft.com/office/drawing/2014/main" xmlns="" val="2620844453"/>
                   </a:ext>
                 </a:extLst>
               </a:tr>
@@ -14153,7 +15815,7 @@
                 </a:tc>
                 <a:extLst>
                   <a:ext uri="{0D108BD9-81ED-4DB2-BD59-A6C34878D82A}">
-                    <a16:rowId xmlns:a16="http://schemas.microsoft.com/office/drawing/2014/main" val="2598108072"/>
+                    <a16:rowId xmlns:a16="http://schemas.microsoft.com/office/drawing/2014/main" xmlns="" val="2598108072"/>
                   </a:ext>
                 </a:extLst>
               </a:tr>
@@ -14166,7 +15828,7 @@
           <p:cNvPr id="14" name="표 13">
             <a:extLst>
               <a:ext uri="{FF2B5EF4-FFF2-40B4-BE49-F238E27FC236}">
-                <a16:creationId xmlns:a16="http://schemas.microsoft.com/office/drawing/2014/main" id="{6D1BD61D-5204-4C3B-9888-3058F667B996}"/>
+                <a16:creationId xmlns:a16="http://schemas.microsoft.com/office/drawing/2014/main" xmlns="" id="{6D1BD61D-5204-4C3B-9888-3058F667B996}"/>
               </a:ext>
             </a:extLst>
           </p:cNvPr>
@@ -14195,14 +15857,14 @@
                 <a:gridCol w="1223242">
                   <a:extLst>
                     <a:ext uri="{9D8B030D-6E8A-4147-A177-3AD203B41FA5}">
-                      <a16:colId xmlns:a16="http://schemas.microsoft.com/office/drawing/2014/main" val="3743931366"/>
+                      <a16:colId xmlns:a16="http://schemas.microsoft.com/office/drawing/2014/main" xmlns="" val="3743931366"/>
                     </a:ext>
                   </a:extLst>
                 </a:gridCol>
                 <a:gridCol w="1728439">
                   <a:extLst>
                     <a:ext uri="{9D8B030D-6E8A-4147-A177-3AD203B41FA5}">
-                      <a16:colId xmlns:a16="http://schemas.microsoft.com/office/drawing/2014/main" val="582365628"/>
+                      <a16:colId xmlns:a16="http://schemas.microsoft.com/office/drawing/2014/main" xmlns="" val="582365628"/>
                     </a:ext>
                   </a:extLst>
                 </a:gridCol>
@@ -14348,7 +16010,7 @@
                 </a:tc>
                 <a:extLst>
                   <a:ext uri="{0D108BD9-81ED-4DB2-BD59-A6C34878D82A}">
-                    <a16:rowId xmlns:a16="http://schemas.microsoft.com/office/drawing/2014/main" val="719889704"/>
+                    <a16:rowId xmlns:a16="http://schemas.microsoft.com/office/drawing/2014/main" xmlns="" val="719889704"/>
                   </a:ext>
                 </a:extLst>
               </a:tr>
@@ -14477,7 +16139,7 @@
                 </a:tc>
                 <a:extLst>
                   <a:ext uri="{0D108BD9-81ED-4DB2-BD59-A6C34878D82A}">
-                    <a16:rowId xmlns:a16="http://schemas.microsoft.com/office/drawing/2014/main" val="3252017551"/>
+                    <a16:rowId xmlns:a16="http://schemas.microsoft.com/office/drawing/2014/main" xmlns="" val="3252017551"/>
                   </a:ext>
                 </a:extLst>
               </a:tr>
@@ -14606,7 +16268,7 @@
                 </a:tc>
                 <a:extLst>
                   <a:ext uri="{0D108BD9-81ED-4DB2-BD59-A6C34878D82A}">
-                    <a16:rowId xmlns:a16="http://schemas.microsoft.com/office/drawing/2014/main" val="2914532749"/>
+                    <a16:rowId xmlns:a16="http://schemas.microsoft.com/office/drawing/2014/main" xmlns="" val="2914532749"/>
                   </a:ext>
                 </a:extLst>
               </a:tr>
@@ -14671,7 +16333,7 @@
           <p:cNvPr id="15" name="텍스트 개체 틀 14">
             <a:extLst>
               <a:ext uri="{FF2B5EF4-FFF2-40B4-BE49-F238E27FC236}">
-                <a16:creationId xmlns:a16="http://schemas.microsoft.com/office/drawing/2014/main" id="{CAF4FA68-A32A-48BA-A282-B6F8B4204A68}"/>
+                <a16:creationId xmlns:a16="http://schemas.microsoft.com/office/drawing/2014/main" xmlns="" id="{CAF4FA68-A32A-48BA-A282-B6F8B4204A68}"/>
               </a:ext>
             </a:extLst>
           </p:cNvPr>
@@ -14706,7 +16368,7 @@
           <p:cNvPr id="4" name="표 3">
             <a:extLst>
               <a:ext uri="{FF2B5EF4-FFF2-40B4-BE49-F238E27FC236}">
-                <a16:creationId xmlns:a16="http://schemas.microsoft.com/office/drawing/2014/main" id="{E7931DB2-6C8C-4132-9BAE-6F4904FF4409}"/>
+                <a16:creationId xmlns:a16="http://schemas.microsoft.com/office/drawing/2014/main" xmlns="" id="{E7931DB2-6C8C-4132-9BAE-6F4904FF4409}"/>
               </a:ext>
             </a:extLst>
           </p:cNvPr>
@@ -14735,21 +16397,21 @@
                 <a:gridCol w="2170714">
                   <a:extLst>
                     <a:ext uri="{9D8B030D-6E8A-4147-A177-3AD203B41FA5}">
-                      <a16:colId xmlns:a16="http://schemas.microsoft.com/office/drawing/2014/main" val="3144539832"/>
+                      <a16:colId xmlns:a16="http://schemas.microsoft.com/office/drawing/2014/main" xmlns="" val="3144539832"/>
                     </a:ext>
                   </a:extLst>
                 </a:gridCol>
                 <a:gridCol w="3008242">
                   <a:extLst>
                     <a:ext uri="{9D8B030D-6E8A-4147-A177-3AD203B41FA5}">
-                      <a16:colId xmlns:a16="http://schemas.microsoft.com/office/drawing/2014/main" val="1160904601"/>
+                      <a16:colId xmlns:a16="http://schemas.microsoft.com/office/drawing/2014/main" xmlns="" val="1160904601"/>
                     </a:ext>
                   </a:extLst>
                 </a:gridCol>
                 <a:gridCol w="2875464">
                   <a:extLst>
                     <a:ext uri="{9D8B030D-6E8A-4147-A177-3AD203B41FA5}">
-                      <a16:colId xmlns:a16="http://schemas.microsoft.com/office/drawing/2014/main" val="582365628"/>
+                      <a16:colId xmlns:a16="http://schemas.microsoft.com/office/drawing/2014/main" xmlns="" val="582365628"/>
                     </a:ext>
                   </a:extLst>
                 </a:gridCol>
@@ -14943,7 +16605,7 @@
                 </a:tc>
                 <a:extLst>
                   <a:ext uri="{0D108BD9-81ED-4DB2-BD59-A6C34878D82A}">
-                    <a16:rowId xmlns:a16="http://schemas.microsoft.com/office/drawing/2014/main" val="719889704"/>
+                    <a16:rowId xmlns:a16="http://schemas.microsoft.com/office/drawing/2014/main" xmlns="" val="719889704"/>
                   </a:ext>
                 </a:extLst>
               </a:tr>
@@ -15133,7 +16795,7 @@
                 </a:tc>
                 <a:extLst>
                   <a:ext uri="{0D108BD9-81ED-4DB2-BD59-A6C34878D82A}">
-                    <a16:rowId xmlns:a16="http://schemas.microsoft.com/office/drawing/2014/main" val="3252017551"/>
+                    <a16:rowId xmlns:a16="http://schemas.microsoft.com/office/drawing/2014/main" xmlns="" val="3252017551"/>
                   </a:ext>
                 </a:extLst>
               </a:tr>
@@ -15323,7 +16985,7 @@
                 </a:tc>
                 <a:extLst>
                   <a:ext uri="{0D108BD9-81ED-4DB2-BD59-A6C34878D82A}">
-                    <a16:rowId xmlns:a16="http://schemas.microsoft.com/office/drawing/2014/main" val="2914532749"/>
+                    <a16:rowId xmlns:a16="http://schemas.microsoft.com/office/drawing/2014/main" xmlns="" val="2914532749"/>
                   </a:ext>
                 </a:extLst>
               </a:tr>
@@ -15513,7 +17175,7 @@
                 </a:tc>
                 <a:extLst>
                   <a:ext uri="{0D108BD9-81ED-4DB2-BD59-A6C34878D82A}">
-                    <a16:rowId xmlns:a16="http://schemas.microsoft.com/office/drawing/2014/main" val="2620844453"/>
+                    <a16:rowId xmlns:a16="http://schemas.microsoft.com/office/drawing/2014/main" xmlns="" val="2620844453"/>
                   </a:ext>
                 </a:extLst>
               </a:tr>
@@ -15703,7 +17365,7 @@
                 </a:tc>
                 <a:extLst>
                   <a:ext uri="{0D108BD9-81ED-4DB2-BD59-A6C34878D82A}">
-                    <a16:rowId xmlns:a16="http://schemas.microsoft.com/office/drawing/2014/main" val="2598108072"/>
+                    <a16:rowId xmlns:a16="http://schemas.microsoft.com/office/drawing/2014/main" xmlns="" val="2598108072"/>
                   </a:ext>
                 </a:extLst>
               </a:tr>
@@ -15893,7 +17555,7 @@
                 </a:tc>
                 <a:extLst>
                   <a:ext uri="{0D108BD9-81ED-4DB2-BD59-A6C34878D82A}">
-                    <a16:rowId xmlns:a16="http://schemas.microsoft.com/office/drawing/2014/main" val="2378052261"/>
+                    <a16:rowId xmlns:a16="http://schemas.microsoft.com/office/drawing/2014/main" xmlns="" val="2378052261"/>
                   </a:ext>
                 </a:extLst>
               </a:tr>
@@ -16083,7 +17745,7 @@
                 </a:tc>
                 <a:extLst>
                   <a:ext uri="{0D108BD9-81ED-4DB2-BD59-A6C34878D82A}">
-                    <a16:rowId xmlns:a16="http://schemas.microsoft.com/office/drawing/2014/main" val="1909626095"/>
+                    <a16:rowId xmlns:a16="http://schemas.microsoft.com/office/drawing/2014/main" xmlns="" val="1909626095"/>
                   </a:ext>
                 </a:extLst>
               </a:tr>
@@ -16098,7 +17760,7 @@
               <p:cNvPr id="8" name="TextBox 7">
                 <a:extLst>
                   <a:ext uri="{FF2B5EF4-FFF2-40B4-BE49-F238E27FC236}">
-                    <a16:creationId xmlns:a16="http://schemas.microsoft.com/office/drawing/2014/main" id="{4A2641F5-C07A-4011-AFF2-B6043A598B68}"/>
+                    <a16:creationId xmlns:a16="http://schemas.microsoft.com/office/drawing/2014/main" xmlns="" id="{4A2641F5-C07A-4011-AFF2-B6043A598B68}"/>
                   </a:ext>
                 </a:extLst>
               </p:cNvPr>
@@ -16220,7 +17882,7 @@
           <p:cNvPr id="12" name="직선 화살표 연결선 11">
             <a:extLst>
               <a:ext uri="{FF2B5EF4-FFF2-40B4-BE49-F238E27FC236}">
-                <a16:creationId xmlns:a16="http://schemas.microsoft.com/office/drawing/2014/main" id="{C371A95D-B24C-4199-BE46-D26022817D27}"/>
+                <a16:creationId xmlns:a16="http://schemas.microsoft.com/office/drawing/2014/main" xmlns="" id="{C371A95D-B24C-4199-BE46-D26022817D27}"/>
               </a:ext>
             </a:extLst>
           </p:cNvPr>
@@ -16319,7 +17981,7 @@
           <p:cNvPr id="15" name="텍스트 개체 틀 14">
             <a:extLst>
               <a:ext uri="{FF2B5EF4-FFF2-40B4-BE49-F238E27FC236}">
-                <a16:creationId xmlns:a16="http://schemas.microsoft.com/office/drawing/2014/main" id="{CAF4FA68-A32A-48BA-A282-B6F8B4204A68}"/>
+                <a16:creationId xmlns:a16="http://schemas.microsoft.com/office/drawing/2014/main" xmlns="" id="{CAF4FA68-A32A-48BA-A282-B6F8B4204A68}"/>
               </a:ext>
             </a:extLst>
           </p:cNvPr>
@@ -16354,7 +18016,7 @@
           <p:cNvPr id="5" name="표 4">
             <a:extLst>
               <a:ext uri="{FF2B5EF4-FFF2-40B4-BE49-F238E27FC236}">
-                <a16:creationId xmlns:a16="http://schemas.microsoft.com/office/drawing/2014/main" id="{D6FA3DB1-0BA2-4EC9-8269-DC979949A82B}"/>
+                <a16:creationId xmlns:a16="http://schemas.microsoft.com/office/drawing/2014/main" xmlns="" id="{D6FA3DB1-0BA2-4EC9-8269-DC979949A82B}"/>
               </a:ext>
             </a:extLst>
           </p:cNvPr>
@@ -16383,21 +18045,21 @@
                 <a:gridCol w="2794000">
                   <a:extLst>
                     <a:ext uri="{9D8B030D-6E8A-4147-A177-3AD203B41FA5}">
-                      <a16:colId xmlns:a16="http://schemas.microsoft.com/office/drawing/2014/main" val="3743931366"/>
+                      <a16:colId xmlns:a16="http://schemas.microsoft.com/office/drawing/2014/main" xmlns="" val="3743931366"/>
                     </a:ext>
                   </a:extLst>
                 </a:gridCol>
                 <a:gridCol w="3225800">
                   <a:extLst>
                     <a:ext uri="{9D8B030D-6E8A-4147-A177-3AD203B41FA5}">
-                      <a16:colId xmlns:a16="http://schemas.microsoft.com/office/drawing/2014/main" val="582365628"/>
+                      <a16:colId xmlns:a16="http://schemas.microsoft.com/office/drawing/2014/main" xmlns="" val="582365628"/>
                     </a:ext>
                   </a:extLst>
                 </a:gridCol>
                 <a:gridCol w="5488034">
                   <a:extLst>
                     <a:ext uri="{9D8B030D-6E8A-4147-A177-3AD203B41FA5}">
-                      <a16:colId xmlns:a16="http://schemas.microsoft.com/office/drawing/2014/main" val="3618402770"/>
+                      <a16:colId xmlns:a16="http://schemas.microsoft.com/office/drawing/2014/main" xmlns="" val="3618402770"/>
                     </a:ext>
                   </a:extLst>
                 </a:gridCol>
@@ -16591,7 +18253,7 @@
                 </a:tc>
                 <a:extLst>
                   <a:ext uri="{0D108BD9-81ED-4DB2-BD59-A6C34878D82A}">
-                    <a16:rowId xmlns:a16="http://schemas.microsoft.com/office/drawing/2014/main" val="719889704"/>
+                    <a16:rowId xmlns:a16="http://schemas.microsoft.com/office/drawing/2014/main" xmlns="" val="719889704"/>
                   </a:ext>
                 </a:extLst>
               </a:tr>
@@ -16776,7 +18438,7 @@
                 </a:tc>
                 <a:extLst>
                   <a:ext uri="{0D108BD9-81ED-4DB2-BD59-A6C34878D82A}">
-                    <a16:rowId xmlns:a16="http://schemas.microsoft.com/office/drawing/2014/main" val="3252017551"/>
+                    <a16:rowId xmlns:a16="http://schemas.microsoft.com/office/drawing/2014/main" xmlns="" val="3252017551"/>
                   </a:ext>
                 </a:extLst>
               </a:tr>
@@ -17067,7 +18729,7 @@
                 </a:tc>
                 <a:extLst>
                   <a:ext uri="{0D108BD9-81ED-4DB2-BD59-A6C34878D82A}">
-                    <a16:rowId xmlns:a16="http://schemas.microsoft.com/office/drawing/2014/main" val="2914532749"/>
+                    <a16:rowId xmlns:a16="http://schemas.microsoft.com/office/drawing/2014/main" xmlns="" val="2914532749"/>
                   </a:ext>
                 </a:extLst>
               </a:tr>
@@ -17259,7 +18921,7 @@
                 </a:tc>
                 <a:extLst>
                   <a:ext uri="{0D108BD9-81ED-4DB2-BD59-A6C34878D82A}">
-                    <a16:rowId xmlns:a16="http://schemas.microsoft.com/office/drawing/2014/main" val="1271956124"/>
+                    <a16:rowId xmlns:a16="http://schemas.microsoft.com/office/drawing/2014/main" xmlns="" val="1271956124"/>
                   </a:ext>
                 </a:extLst>
               </a:tr>
@@ -17329,7 +18991,7 @@
           <p:cNvPr id="15" name="텍스트 개체 틀 14">
             <a:extLst>
               <a:ext uri="{FF2B5EF4-FFF2-40B4-BE49-F238E27FC236}">
-                <a16:creationId xmlns:a16="http://schemas.microsoft.com/office/drawing/2014/main" id="{CAF4FA68-A32A-48BA-A282-B6F8B4204A68}"/>
+                <a16:creationId xmlns:a16="http://schemas.microsoft.com/office/drawing/2014/main" xmlns="" id="{CAF4FA68-A32A-48BA-A282-B6F8B4204A68}"/>
               </a:ext>
             </a:extLst>
           </p:cNvPr>
@@ -17369,7 +19031,7 @@
           <p:cNvPr id="2" name="TextBox 1">
             <a:extLst>
               <a:ext uri="{FF2B5EF4-FFF2-40B4-BE49-F238E27FC236}">
-                <a16:creationId xmlns:a16="http://schemas.microsoft.com/office/drawing/2014/main" id="{2735F4C6-24A3-422B-BD21-4912CC6010C9}"/>
+                <a16:creationId xmlns:a16="http://schemas.microsoft.com/office/drawing/2014/main" xmlns="" id="{2735F4C6-24A3-422B-BD21-4912CC6010C9}"/>
               </a:ext>
             </a:extLst>
           </p:cNvPr>
@@ -17405,7 +19067,7 @@
               <a:hlinkClick r:id="rId2">
                 <a:extLst>
                   <a:ext uri="{A12FA001-AC4F-418D-AE19-62706E023703}">
-                    <ahyp:hlinkClr xmlns:ahyp="http://schemas.microsoft.com/office/drawing/2018/hyperlinkcolor" val="tx"/>
+                    <ahyp:hlinkClr xmlns:ahyp="http://schemas.microsoft.com/office/drawing/2018/hyperlinkcolor" xmlns="" val="tx"/>
                   </a:ext>
                 </a:extLst>
               </a:hlinkClick>
@@ -17446,7 +19108,7 @@
           <p:cNvPr id="4" name="TextBox 3">
             <a:extLst>
               <a:ext uri="{FF2B5EF4-FFF2-40B4-BE49-F238E27FC236}">
-                <a16:creationId xmlns:a16="http://schemas.microsoft.com/office/drawing/2014/main" id="{A1CD6DEB-3865-48EF-A775-292EF3EDEAA8}"/>
+                <a16:creationId xmlns:a16="http://schemas.microsoft.com/office/drawing/2014/main" xmlns="" id="{A1CD6DEB-3865-48EF-A775-292EF3EDEAA8}"/>
               </a:ext>
             </a:extLst>
           </p:cNvPr>
@@ -17639,7 +19301,7 @@
           <p:cNvPr id="15" name="텍스트 개체 틀 14">
             <a:extLst>
               <a:ext uri="{FF2B5EF4-FFF2-40B4-BE49-F238E27FC236}">
-                <a16:creationId xmlns:a16="http://schemas.microsoft.com/office/drawing/2014/main" id="{CAF4FA68-A32A-48BA-A282-B6F8B4204A68}"/>
+                <a16:creationId xmlns:a16="http://schemas.microsoft.com/office/drawing/2014/main" xmlns="" id="{CAF4FA68-A32A-48BA-A282-B6F8B4204A68}"/>
               </a:ext>
             </a:extLst>
           </p:cNvPr>
@@ -17674,7 +19336,7 @@
           <p:cNvPr id="4" name="TextBox 3">
             <a:extLst>
               <a:ext uri="{FF2B5EF4-FFF2-40B4-BE49-F238E27FC236}">
-                <a16:creationId xmlns:a16="http://schemas.microsoft.com/office/drawing/2014/main" id="{1E1654CB-346C-445C-9866-EA31AA603A85}"/>
+                <a16:creationId xmlns:a16="http://schemas.microsoft.com/office/drawing/2014/main" xmlns="" id="{1E1654CB-346C-445C-9866-EA31AA603A85}"/>
               </a:ext>
             </a:extLst>
           </p:cNvPr>
@@ -17731,7 +19393,7 @@
           <p:cNvPr id="7" name="TextBox 6">
             <a:extLst>
               <a:ext uri="{FF2B5EF4-FFF2-40B4-BE49-F238E27FC236}">
-                <a16:creationId xmlns:a16="http://schemas.microsoft.com/office/drawing/2014/main" id="{A5524986-6C1F-494C-A466-F7FB8CC135C8}"/>
+                <a16:creationId xmlns:a16="http://schemas.microsoft.com/office/drawing/2014/main" xmlns="" id="{A5524986-6C1F-494C-A466-F7FB8CC135C8}"/>
               </a:ext>
             </a:extLst>
           </p:cNvPr>
@@ -17792,7 +19454,7 @@
           <p:cNvPr id="9" name="TextBox 8">
             <a:extLst>
               <a:ext uri="{FF2B5EF4-FFF2-40B4-BE49-F238E27FC236}">
-                <a16:creationId xmlns:a16="http://schemas.microsoft.com/office/drawing/2014/main" id="{53607A41-7BF8-44E6-B28F-E4A4506DEC2B}"/>
+                <a16:creationId xmlns:a16="http://schemas.microsoft.com/office/drawing/2014/main" xmlns="" id="{53607A41-7BF8-44E6-B28F-E4A4506DEC2B}"/>
               </a:ext>
             </a:extLst>
           </p:cNvPr>
@@ -17844,7 +19506,7 @@
           <p:cNvPr id="11" name="TextBox 10">
             <a:extLst>
               <a:ext uri="{FF2B5EF4-FFF2-40B4-BE49-F238E27FC236}">
-                <a16:creationId xmlns:a16="http://schemas.microsoft.com/office/drawing/2014/main" id="{CF1E0C6B-CB92-47B6-A12D-1A1C1D0F02CF}"/>
+                <a16:creationId xmlns:a16="http://schemas.microsoft.com/office/drawing/2014/main" xmlns="" id="{CF1E0C6B-CB92-47B6-A12D-1A1C1D0F02CF}"/>
               </a:ext>
             </a:extLst>
           </p:cNvPr>
@@ -17941,7 +19603,7 @@
           <p:cNvPr id="15" name="텍스트 개체 틀 14">
             <a:extLst>
               <a:ext uri="{FF2B5EF4-FFF2-40B4-BE49-F238E27FC236}">
-                <a16:creationId xmlns:a16="http://schemas.microsoft.com/office/drawing/2014/main" id="{CAF4FA68-A32A-48BA-A282-B6F8B4204A68}"/>
+                <a16:creationId xmlns:a16="http://schemas.microsoft.com/office/drawing/2014/main" xmlns="" id="{CAF4FA68-A32A-48BA-A282-B6F8B4204A68}"/>
               </a:ext>
             </a:extLst>
           </p:cNvPr>
@@ -17976,7 +19638,7 @@
           <p:cNvPr id="5" name="표 4">
             <a:extLst>
               <a:ext uri="{FF2B5EF4-FFF2-40B4-BE49-F238E27FC236}">
-                <a16:creationId xmlns:a16="http://schemas.microsoft.com/office/drawing/2014/main" id="{D6FA3DB1-0BA2-4EC9-8269-DC979949A82B}"/>
+                <a16:creationId xmlns:a16="http://schemas.microsoft.com/office/drawing/2014/main" xmlns="" id="{D6FA3DB1-0BA2-4EC9-8269-DC979949A82B}"/>
               </a:ext>
             </a:extLst>
           </p:cNvPr>
@@ -18005,21 +19667,21 @@
                 <a:gridCol w="2794000">
                   <a:extLst>
                     <a:ext uri="{9D8B030D-6E8A-4147-A177-3AD203B41FA5}">
-                      <a16:colId xmlns:a16="http://schemas.microsoft.com/office/drawing/2014/main" val="3743931366"/>
+                      <a16:colId xmlns:a16="http://schemas.microsoft.com/office/drawing/2014/main" xmlns="" val="3743931366"/>
                     </a:ext>
                   </a:extLst>
                 </a:gridCol>
                 <a:gridCol w="3225800">
                   <a:extLst>
                     <a:ext uri="{9D8B030D-6E8A-4147-A177-3AD203B41FA5}">
-                      <a16:colId xmlns:a16="http://schemas.microsoft.com/office/drawing/2014/main" val="582365628"/>
+                      <a16:colId xmlns:a16="http://schemas.microsoft.com/office/drawing/2014/main" xmlns="" val="582365628"/>
                     </a:ext>
                   </a:extLst>
                 </a:gridCol>
                 <a:gridCol w="5488034">
                   <a:extLst>
                     <a:ext uri="{9D8B030D-6E8A-4147-A177-3AD203B41FA5}">
-                      <a16:colId xmlns:a16="http://schemas.microsoft.com/office/drawing/2014/main" val="3618402770"/>
+                      <a16:colId xmlns:a16="http://schemas.microsoft.com/office/drawing/2014/main" xmlns="" val="3618402770"/>
                     </a:ext>
                   </a:extLst>
                 </a:gridCol>
@@ -18213,7 +19875,7 @@
                 </a:tc>
                 <a:extLst>
                   <a:ext uri="{0D108BD9-81ED-4DB2-BD59-A6C34878D82A}">
-                    <a16:rowId xmlns:a16="http://schemas.microsoft.com/office/drawing/2014/main" val="719889704"/>
+                    <a16:rowId xmlns:a16="http://schemas.microsoft.com/office/drawing/2014/main" xmlns="" val="719889704"/>
                   </a:ext>
                 </a:extLst>
               </a:tr>
@@ -18440,7 +20102,7 @@
                 </a:tc>
                 <a:extLst>
                   <a:ext uri="{0D108BD9-81ED-4DB2-BD59-A6C34878D82A}">
-                    <a16:rowId xmlns:a16="http://schemas.microsoft.com/office/drawing/2014/main" val="3252017551"/>
+                    <a16:rowId xmlns:a16="http://schemas.microsoft.com/office/drawing/2014/main" xmlns="" val="3252017551"/>
                   </a:ext>
                 </a:extLst>
               </a:tr>
@@ -18691,7 +20353,7 @@
                 </a:tc>
                 <a:extLst>
                   <a:ext uri="{0D108BD9-81ED-4DB2-BD59-A6C34878D82A}">
-                    <a16:rowId xmlns:a16="http://schemas.microsoft.com/office/drawing/2014/main" val="2914532749"/>
+                    <a16:rowId xmlns:a16="http://schemas.microsoft.com/office/drawing/2014/main" xmlns="" val="2914532749"/>
                   </a:ext>
                 </a:extLst>
               </a:tr>
@@ -18906,7 +20568,7 @@
                 </a:tc>
                 <a:extLst>
                   <a:ext uri="{0D108BD9-81ED-4DB2-BD59-A6C34878D82A}">
-                    <a16:rowId xmlns:a16="http://schemas.microsoft.com/office/drawing/2014/main" val="1271956124"/>
+                    <a16:rowId xmlns:a16="http://schemas.microsoft.com/office/drawing/2014/main" xmlns="" val="1271956124"/>
                   </a:ext>
                 </a:extLst>
               </a:tr>
@@ -18919,7 +20581,7 @@
           <p:cNvPr id="2" name="TextBox 1">
             <a:extLst>
               <a:ext uri="{FF2B5EF4-FFF2-40B4-BE49-F238E27FC236}">
-                <a16:creationId xmlns:a16="http://schemas.microsoft.com/office/drawing/2014/main" id="{085ABF8E-69AE-4AE9-8C61-47DC665505FA}"/>
+                <a16:creationId xmlns:a16="http://schemas.microsoft.com/office/drawing/2014/main" xmlns="" id="{085ABF8E-69AE-4AE9-8C61-47DC665505FA}"/>
               </a:ext>
             </a:extLst>
           </p:cNvPr>
@@ -19026,7 +20688,7 @@
           <p:cNvPr id="15" name="텍스트 개체 틀 14">
             <a:extLst>
               <a:ext uri="{FF2B5EF4-FFF2-40B4-BE49-F238E27FC236}">
-                <a16:creationId xmlns:a16="http://schemas.microsoft.com/office/drawing/2014/main" id="{CAF4FA68-A32A-48BA-A282-B6F8B4204A68}"/>
+                <a16:creationId xmlns:a16="http://schemas.microsoft.com/office/drawing/2014/main" xmlns="" id="{CAF4FA68-A32A-48BA-A282-B6F8B4204A68}"/>
               </a:ext>
             </a:extLst>
           </p:cNvPr>
@@ -19061,7 +20723,7 @@
           <p:cNvPr id="4" name="TextBox 3">
             <a:extLst>
               <a:ext uri="{FF2B5EF4-FFF2-40B4-BE49-F238E27FC236}">
-                <a16:creationId xmlns:a16="http://schemas.microsoft.com/office/drawing/2014/main" id="{1E1654CB-346C-445C-9866-EA31AA603A85}"/>
+                <a16:creationId xmlns:a16="http://schemas.microsoft.com/office/drawing/2014/main" xmlns="" id="{1E1654CB-346C-445C-9866-EA31AA603A85}"/>
               </a:ext>
             </a:extLst>
           </p:cNvPr>
@@ -19175,7 +20837,7 @@
           <p:cNvPr id="15" name="텍스트 개체 틀 14">
             <a:extLst>
               <a:ext uri="{FF2B5EF4-FFF2-40B4-BE49-F238E27FC236}">
-                <a16:creationId xmlns:a16="http://schemas.microsoft.com/office/drawing/2014/main" id="{CAF4FA68-A32A-48BA-A282-B6F8B4204A68}"/>
+                <a16:creationId xmlns:a16="http://schemas.microsoft.com/office/drawing/2014/main" xmlns="" id="{CAF4FA68-A32A-48BA-A282-B6F8B4204A68}"/>
               </a:ext>
             </a:extLst>
           </p:cNvPr>
@@ -19210,7 +20872,7 @@
           <p:cNvPr id="5" name="표 4">
             <a:extLst>
               <a:ext uri="{FF2B5EF4-FFF2-40B4-BE49-F238E27FC236}">
-                <a16:creationId xmlns:a16="http://schemas.microsoft.com/office/drawing/2014/main" id="{D6FA3DB1-0BA2-4EC9-8269-DC979949A82B}"/>
+                <a16:creationId xmlns:a16="http://schemas.microsoft.com/office/drawing/2014/main" xmlns="" id="{D6FA3DB1-0BA2-4EC9-8269-DC979949A82B}"/>
               </a:ext>
             </a:extLst>
           </p:cNvPr>
@@ -19239,21 +20901,21 @@
                 <a:gridCol w="2794000">
                   <a:extLst>
                     <a:ext uri="{9D8B030D-6E8A-4147-A177-3AD203B41FA5}">
-                      <a16:colId xmlns:a16="http://schemas.microsoft.com/office/drawing/2014/main" val="3743931366"/>
+                      <a16:colId xmlns:a16="http://schemas.microsoft.com/office/drawing/2014/main" xmlns="" val="3743931366"/>
                     </a:ext>
                   </a:extLst>
                 </a:gridCol>
                 <a:gridCol w="3225800">
                   <a:extLst>
                     <a:ext uri="{9D8B030D-6E8A-4147-A177-3AD203B41FA5}">
-                      <a16:colId xmlns:a16="http://schemas.microsoft.com/office/drawing/2014/main" val="582365628"/>
+                      <a16:colId xmlns:a16="http://schemas.microsoft.com/office/drawing/2014/main" xmlns="" val="582365628"/>
                     </a:ext>
                   </a:extLst>
                 </a:gridCol>
                 <a:gridCol w="5488034">
                   <a:extLst>
                     <a:ext uri="{9D8B030D-6E8A-4147-A177-3AD203B41FA5}">
-                      <a16:colId xmlns:a16="http://schemas.microsoft.com/office/drawing/2014/main" val="3618402770"/>
+                      <a16:colId xmlns:a16="http://schemas.microsoft.com/office/drawing/2014/main" xmlns="" val="3618402770"/>
                     </a:ext>
                   </a:extLst>
                 </a:gridCol>
@@ -19447,7 +21109,7 @@
                 </a:tc>
                 <a:extLst>
                   <a:ext uri="{0D108BD9-81ED-4DB2-BD59-A6C34878D82A}">
-                    <a16:rowId xmlns:a16="http://schemas.microsoft.com/office/drawing/2014/main" val="719889704"/>
+                    <a16:rowId xmlns:a16="http://schemas.microsoft.com/office/drawing/2014/main" xmlns="" val="719889704"/>
                   </a:ext>
                 </a:extLst>
               </a:tr>
@@ -19704,7 +21366,7 @@
                 </a:tc>
                 <a:extLst>
                   <a:ext uri="{0D108BD9-81ED-4DB2-BD59-A6C34878D82A}">
-                    <a16:rowId xmlns:a16="http://schemas.microsoft.com/office/drawing/2014/main" val="3252017551"/>
+                    <a16:rowId xmlns:a16="http://schemas.microsoft.com/office/drawing/2014/main" xmlns="" val="3252017551"/>
                   </a:ext>
                 </a:extLst>
               </a:tr>
@@ -20009,7 +21671,7 @@
                 </a:tc>
                 <a:extLst>
                   <a:ext uri="{0D108BD9-81ED-4DB2-BD59-A6C34878D82A}">
-                    <a16:rowId xmlns:a16="http://schemas.microsoft.com/office/drawing/2014/main" val="2914532749"/>
+                    <a16:rowId xmlns:a16="http://schemas.microsoft.com/office/drawing/2014/main" xmlns="" val="2914532749"/>
                   </a:ext>
                 </a:extLst>
               </a:tr>
@@ -20347,7 +22009,7 @@
                 </a:tc>
                 <a:extLst>
                   <a:ext uri="{0D108BD9-81ED-4DB2-BD59-A6C34878D82A}">
-                    <a16:rowId xmlns:a16="http://schemas.microsoft.com/office/drawing/2014/main" val="1271956124"/>
+                    <a16:rowId xmlns:a16="http://schemas.microsoft.com/office/drawing/2014/main" xmlns="" val="1271956124"/>
                   </a:ext>
                 </a:extLst>
               </a:tr>
@@ -20421,7 +22083,7 @@
           <p:cNvPr id="15" name="텍스트 개체 틀 14">
             <a:extLst>
               <a:ext uri="{FF2B5EF4-FFF2-40B4-BE49-F238E27FC236}">
-                <a16:creationId xmlns:a16="http://schemas.microsoft.com/office/drawing/2014/main" id="{CAF4FA68-A32A-48BA-A282-B6F8B4204A68}"/>
+                <a16:creationId xmlns:a16="http://schemas.microsoft.com/office/drawing/2014/main" xmlns="" id="{CAF4FA68-A32A-48BA-A282-B6F8B4204A68}"/>
               </a:ext>
             </a:extLst>
           </p:cNvPr>
@@ -20464,7 +22126,7 @@
           <p:cNvPr id="3" name="사각형: 둥근 모서리 2">
             <a:extLst>
               <a:ext uri="{FF2B5EF4-FFF2-40B4-BE49-F238E27FC236}">
-                <a16:creationId xmlns:a16="http://schemas.microsoft.com/office/drawing/2014/main" id="{1B4896A5-36CC-4CCD-AFC7-45F4D0FC7033}"/>
+                <a16:creationId xmlns:a16="http://schemas.microsoft.com/office/drawing/2014/main" xmlns="" id="{1B4896A5-36CC-4CCD-AFC7-45F4D0FC7033}"/>
               </a:ext>
             </a:extLst>
           </p:cNvPr>
@@ -20544,7 +22206,7 @@
           <p:cNvPr id="8" name="사각형: 둥근 모서리 7">
             <a:extLst>
               <a:ext uri="{FF2B5EF4-FFF2-40B4-BE49-F238E27FC236}">
-                <a16:creationId xmlns:a16="http://schemas.microsoft.com/office/drawing/2014/main" id="{5C84570E-1557-4F65-83AC-DF1CF6E9391A}"/>
+                <a16:creationId xmlns:a16="http://schemas.microsoft.com/office/drawing/2014/main" xmlns="" id="{5C84570E-1557-4F65-83AC-DF1CF6E9391A}"/>
               </a:ext>
             </a:extLst>
           </p:cNvPr>
@@ -20624,7 +22286,7 @@
           <p:cNvPr id="9" name="사각형: 둥근 모서리 8">
             <a:extLst>
               <a:ext uri="{FF2B5EF4-FFF2-40B4-BE49-F238E27FC236}">
-                <a16:creationId xmlns:a16="http://schemas.microsoft.com/office/drawing/2014/main" id="{B88B9917-46B7-4DCB-B78D-4286FA6BFAD7}"/>
+                <a16:creationId xmlns:a16="http://schemas.microsoft.com/office/drawing/2014/main" xmlns="" id="{B88B9917-46B7-4DCB-B78D-4286FA6BFAD7}"/>
               </a:ext>
             </a:extLst>
           </p:cNvPr>
@@ -20704,7 +22366,7 @@
           <p:cNvPr id="12" name="직선 화살표 연결선 11">
             <a:extLst>
               <a:ext uri="{FF2B5EF4-FFF2-40B4-BE49-F238E27FC236}">
-                <a16:creationId xmlns:a16="http://schemas.microsoft.com/office/drawing/2014/main" id="{4EBE41A3-2388-4F7A-AF22-06B76C468E31}"/>
+                <a16:creationId xmlns:a16="http://schemas.microsoft.com/office/drawing/2014/main" xmlns="" id="{4EBE41A3-2388-4F7A-AF22-06B76C468E31}"/>
               </a:ext>
             </a:extLst>
           </p:cNvPr>
@@ -20748,7 +22410,7 @@
           <p:cNvPr id="11" name="TextBox 10">
             <a:extLst>
               <a:ext uri="{FF2B5EF4-FFF2-40B4-BE49-F238E27FC236}">
-                <a16:creationId xmlns:a16="http://schemas.microsoft.com/office/drawing/2014/main" id="{1AFFD96A-479B-4796-BE65-AAB1603A16FE}"/>
+                <a16:creationId xmlns:a16="http://schemas.microsoft.com/office/drawing/2014/main" xmlns="" id="{1AFFD96A-479B-4796-BE65-AAB1603A16FE}"/>
               </a:ext>
             </a:extLst>
           </p:cNvPr>
@@ -20784,7 +22446,7 @@
           <p:cNvPr id="14" name="TextBox 13">
             <a:extLst>
               <a:ext uri="{FF2B5EF4-FFF2-40B4-BE49-F238E27FC236}">
-                <a16:creationId xmlns:a16="http://schemas.microsoft.com/office/drawing/2014/main" id="{F37132A4-F07C-4A7E-AA1B-3463203DDC8E}"/>
+                <a16:creationId xmlns:a16="http://schemas.microsoft.com/office/drawing/2014/main" xmlns="" id="{F37132A4-F07C-4A7E-AA1B-3463203DDC8E}"/>
               </a:ext>
             </a:extLst>
           </p:cNvPr>
@@ -20821,7 +22483,7 @@
           <p:cNvPr id="16" name="직선 화살표 연결선 15">
             <a:extLst>
               <a:ext uri="{FF2B5EF4-FFF2-40B4-BE49-F238E27FC236}">
-                <a16:creationId xmlns:a16="http://schemas.microsoft.com/office/drawing/2014/main" id="{94961CDD-429E-4652-BBE0-4C8F4B83D35B}"/>
+                <a16:creationId xmlns:a16="http://schemas.microsoft.com/office/drawing/2014/main" xmlns="" id="{94961CDD-429E-4652-BBE0-4C8F4B83D35B}"/>
               </a:ext>
             </a:extLst>
           </p:cNvPr>
@@ -20922,7 +22584,7 @@
           <p:cNvPr id="15" name="텍스트 개체 틀 14">
             <a:extLst>
               <a:ext uri="{FF2B5EF4-FFF2-40B4-BE49-F238E27FC236}">
-                <a16:creationId xmlns:a16="http://schemas.microsoft.com/office/drawing/2014/main" id="{CAF4FA68-A32A-48BA-A282-B6F8B4204A68}"/>
+                <a16:creationId xmlns:a16="http://schemas.microsoft.com/office/drawing/2014/main" xmlns="" id="{CAF4FA68-A32A-48BA-A282-B6F8B4204A68}"/>
               </a:ext>
             </a:extLst>
           </p:cNvPr>
@@ -20962,7 +22624,7 @@
           <p:cNvPr id="2" name="TextBox 1">
             <a:extLst>
               <a:ext uri="{FF2B5EF4-FFF2-40B4-BE49-F238E27FC236}">
-                <a16:creationId xmlns:a16="http://schemas.microsoft.com/office/drawing/2014/main" id="{2735F4C6-24A3-422B-BD21-4912CC6010C9}"/>
+                <a16:creationId xmlns:a16="http://schemas.microsoft.com/office/drawing/2014/main" xmlns="" id="{2735F4C6-24A3-422B-BD21-4912CC6010C9}"/>
               </a:ext>
             </a:extLst>
           </p:cNvPr>
@@ -20998,7 +22660,7 @@
               <a:hlinkClick r:id="rId2">
                 <a:extLst>
                   <a:ext uri="{A12FA001-AC4F-418D-AE19-62706E023703}">
-                    <ahyp:hlinkClr xmlns:ahyp="http://schemas.microsoft.com/office/drawing/2018/hyperlinkcolor" val="tx"/>
+                    <ahyp:hlinkClr xmlns:ahyp="http://schemas.microsoft.com/office/drawing/2018/hyperlinkcolor" xmlns="" val="tx"/>
                   </a:ext>
                 </a:extLst>
               </a:hlinkClick>
@@ -21047,7 +22709,7 @@
           <p:cNvPr id="4" name="TextBox 3">
             <a:extLst>
               <a:ext uri="{FF2B5EF4-FFF2-40B4-BE49-F238E27FC236}">
-                <a16:creationId xmlns:a16="http://schemas.microsoft.com/office/drawing/2014/main" id="{A1CD6DEB-3865-48EF-A775-292EF3EDEAA8}"/>
+                <a16:creationId xmlns:a16="http://schemas.microsoft.com/office/drawing/2014/main" xmlns="" id="{A1CD6DEB-3865-48EF-A775-292EF3EDEAA8}"/>
               </a:ext>
             </a:extLst>
           </p:cNvPr>
@@ -21245,7 +22907,7 @@
           <p:cNvPr id="15" name="텍스트 개체 틀 14">
             <a:extLst>
               <a:ext uri="{FF2B5EF4-FFF2-40B4-BE49-F238E27FC236}">
-                <a16:creationId xmlns:a16="http://schemas.microsoft.com/office/drawing/2014/main" id="{CAF4FA68-A32A-48BA-A282-B6F8B4204A68}"/>
+                <a16:creationId xmlns:a16="http://schemas.microsoft.com/office/drawing/2014/main" xmlns="" id="{CAF4FA68-A32A-48BA-A282-B6F8B4204A68}"/>
               </a:ext>
             </a:extLst>
           </p:cNvPr>
@@ -21290,7 +22952,7 @@
           <p:cNvPr id="2" name="TextBox 1">
             <a:extLst>
               <a:ext uri="{FF2B5EF4-FFF2-40B4-BE49-F238E27FC236}">
-                <a16:creationId xmlns:a16="http://schemas.microsoft.com/office/drawing/2014/main" id="{9035837D-28C9-4029-A8C6-F4577975D4C3}"/>
+                <a16:creationId xmlns:a16="http://schemas.microsoft.com/office/drawing/2014/main" xmlns="" id="{9035837D-28C9-4029-A8C6-F4577975D4C3}"/>
               </a:ext>
             </a:extLst>
           </p:cNvPr>
@@ -21376,7 +23038,7 @@
           <p:cNvPr id="11" name="TextBox 10">
             <a:extLst>
               <a:ext uri="{FF2B5EF4-FFF2-40B4-BE49-F238E27FC236}">
-                <a16:creationId xmlns:a16="http://schemas.microsoft.com/office/drawing/2014/main" id="{68A693E4-2955-4F08-B483-8530F9AFE61D}"/>
+                <a16:creationId xmlns:a16="http://schemas.microsoft.com/office/drawing/2014/main" xmlns="" id="{68A693E4-2955-4F08-B483-8530F9AFE61D}"/>
               </a:ext>
             </a:extLst>
           </p:cNvPr>
@@ -21538,7 +23200,7 @@
           <p:cNvPr id="15" name="텍스트 개체 틀 14">
             <a:extLst>
               <a:ext uri="{FF2B5EF4-FFF2-40B4-BE49-F238E27FC236}">
-                <a16:creationId xmlns:a16="http://schemas.microsoft.com/office/drawing/2014/main" id="{CAF4FA68-A32A-48BA-A282-B6F8B4204A68}"/>
+                <a16:creationId xmlns:a16="http://schemas.microsoft.com/office/drawing/2014/main" xmlns="" id="{CAF4FA68-A32A-48BA-A282-B6F8B4204A68}"/>
               </a:ext>
             </a:extLst>
           </p:cNvPr>
@@ -21583,7 +23245,7 @@
           <p:cNvPr id="11" name="TextBox 10">
             <a:extLst>
               <a:ext uri="{FF2B5EF4-FFF2-40B4-BE49-F238E27FC236}">
-                <a16:creationId xmlns:a16="http://schemas.microsoft.com/office/drawing/2014/main" id="{68A693E4-2955-4F08-B483-8530F9AFE61D}"/>
+                <a16:creationId xmlns:a16="http://schemas.microsoft.com/office/drawing/2014/main" xmlns="" id="{68A693E4-2955-4F08-B483-8530F9AFE61D}"/>
               </a:ext>
             </a:extLst>
           </p:cNvPr>
@@ -21718,7 +23380,7 @@
           <p:cNvPr id="15" name="텍스트 개체 틀 14">
             <a:extLst>
               <a:ext uri="{FF2B5EF4-FFF2-40B4-BE49-F238E27FC236}">
-                <a16:creationId xmlns:a16="http://schemas.microsoft.com/office/drawing/2014/main" id="{CAF4FA68-A32A-48BA-A282-B6F8B4204A68}"/>
+                <a16:creationId xmlns:a16="http://schemas.microsoft.com/office/drawing/2014/main" xmlns="" id="{CAF4FA68-A32A-48BA-A282-B6F8B4204A68}"/>
               </a:ext>
             </a:extLst>
           </p:cNvPr>
@@ -21763,7 +23425,7 @@
           <p:cNvPr id="2" name="TextBox 1">
             <a:extLst>
               <a:ext uri="{FF2B5EF4-FFF2-40B4-BE49-F238E27FC236}">
-                <a16:creationId xmlns:a16="http://schemas.microsoft.com/office/drawing/2014/main" id="{2735F4C6-24A3-422B-BD21-4912CC6010C9}"/>
+                <a16:creationId xmlns:a16="http://schemas.microsoft.com/office/drawing/2014/main" xmlns="" id="{2735F4C6-24A3-422B-BD21-4912CC6010C9}"/>
               </a:ext>
             </a:extLst>
           </p:cNvPr>
@@ -21799,7 +23461,7 @@
               <a:hlinkClick r:id="rId2">
                 <a:extLst>
                   <a:ext uri="{A12FA001-AC4F-418D-AE19-62706E023703}">
-                    <ahyp:hlinkClr xmlns:ahyp="http://schemas.microsoft.com/office/drawing/2018/hyperlinkcolor" val="tx"/>
+                    <ahyp:hlinkClr xmlns:ahyp="http://schemas.microsoft.com/office/drawing/2018/hyperlinkcolor" xmlns="" val="tx"/>
                   </a:ext>
                 </a:extLst>
               </a:hlinkClick>
@@ -21818,7 +23480,7 @@
                 <a:hlinkClick r:id="rId2">
                   <a:extLst>
                     <a:ext uri="{A12FA001-AC4F-418D-AE19-62706E023703}">
-                      <ahyp:hlinkClr xmlns:ahyp="http://schemas.microsoft.com/office/drawing/2018/hyperlinkcolor" val="tx"/>
+                      <ahyp:hlinkClr xmlns:ahyp="http://schemas.microsoft.com/office/drawing/2018/hyperlinkcolor" xmlns="" val="tx"/>
                     </a:ext>
                   </a:extLst>
                 </a:hlinkClick>
@@ -21900,7 +23562,7 @@
           <p:cNvPr id="4" name="TextBox 3">
             <a:extLst>
               <a:ext uri="{FF2B5EF4-FFF2-40B4-BE49-F238E27FC236}">
-                <a16:creationId xmlns:a16="http://schemas.microsoft.com/office/drawing/2014/main" id="{A1CD6DEB-3865-48EF-A775-292EF3EDEAA8}"/>
+                <a16:creationId xmlns:a16="http://schemas.microsoft.com/office/drawing/2014/main" xmlns="" id="{A1CD6DEB-3865-48EF-A775-292EF3EDEAA8}"/>
               </a:ext>
             </a:extLst>
           </p:cNvPr>
@@ -22111,7 +23773,7 @@
           <p:cNvPr id="15" name="텍스트 개체 틀 14">
             <a:extLst>
               <a:ext uri="{FF2B5EF4-FFF2-40B4-BE49-F238E27FC236}">
-                <a16:creationId xmlns:a16="http://schemas.microsoft.com/office/drawing/2014/main" id="{CAF4FA68-A32A-48BA-A282-B6F8B4204A68}"/>
+                <a16:creationId xmlns:a16="http://schemas.microsoft.com/office/drawing/2014/main" xmlns="" id="{CAF4FA68-A32A-48BA-A282-B6F8B4204A68}"/>
               </a:ext>
             </a:extLst>
           </p:cNvPr>
@@ -22151,7 +23813,7 @@
           <p:cNvPr id="3" name="TextBox 2">
             <a:extLst>
               <a:ext uri="{FF2B5EF4-FFF2-40B4-BE49-F238E27FC236}">
-                <a16:creationId xmlns:a16="http://schemas.microsoft.com/office/drawing/2014/main" id="{033A1199-8C73-4D79-93DD-D1728E4792A5}"/>
+                <a16:creationId xmlns:a16="http://schemas.microsoft.com/office/drawing/2014/main" xmlns="" id="{033A1199-8C73-4D79-93DD-D1728E4792A5}"/>
               </a:ext>
             </a:extLst>
           </p:cNvPr>
@@ -22302,7 +23964,7 @@
           <p:cNvPr id="15" name="텍스트 개체 틀 14">
             <a:extLst>
               <a:ext uri="{FF2B5EF4-FFF2-40B4-BE49-F238E27FC236}">
-                <a16:creationId xmlns:a16="http://schemas.microsoft.com/office/drawing/2014/main" id="{CAF4FA68-A32A-48BA-A282-B6F8B4204A68}"/>
+                <a16:creationId xmlns:a16="http://schemas.microsoft.com/office/drawing/2014/main" xmlns="" id="{CAF4FA68-A32A-48BA-A282-B6F8B4204A68}"/>
               </a:ext>
             </a:extLst>
           </p:cNvPr>
@@ -22342,7 +24004,7 @@
           <p:cNvPr id="3" name="TextBox 2">
             <a:extLst>
               <a:ext uri="{FF2B5EF4-FFF2-40B4-BE49-F238E27FC236}">
-                <a16:creationId xmlns:a16="http://schemas.microsoft.com/office/drawing/2014/main" id="{033A1199-8C73-4D79-93DD-D1728E4792A5}"/>
+                <a16:creationId xmlns:a16="http://schemas.microsoft.com/office/drawing/2014/main" xmlns="" id="{033A1199-8C73-4D79-93DD-D1728E4792A5}"/>
               </a:ext>
             </a:extLst>
           </p:cNvPr>
@@ -22441,7 +24103,7 @@
           <p:cNvPr id="9" name="TextBox 8">
             <a:extLst>
               <a:ext uri="{FF2B5EF4-FFF2-40B4-BE49-F238E27FC236}">
-                <a16:creationId xmlns:a16="http://schemas.microsoft.com/office/drawing/2014/main" id="{3D9FE4D2-1FF3-4379-B70B-C84F6DC74CA7}"/>
+                <a16:creationId xmlns:a16="http://schemas.microsoft.com/office/drawing/2014/main" xmlns="" id="{3D9FE4D2-1FF3-4379-B70B-C84F6DC74CA7}"/>
               </a:ext>
             </a:extLst>
           </p:cNvPr>
@@ -22540,7 +24202,7 @@
           <p:cNvPr id="10" name="직선 연결선 9">
             <a:extLst>
               <a:ext uri="{FF2B5EF4-FFF2-40B4-BE49-F238E27FC236}">
-                <a16:creationId xmlns:a16="http://schemas.microsoft.com/office/drawing/2014/main" id="{591B62C6-E22C-43C2-B05F-F78128BE5F55}"/>
+                <a16:creationId xmlns:a16="http://schemas.microsoft.com/office/drawing/2014/main" xmlns="" id="{591B62C6-E22C-43C2-B05F-F78128BE5F55}"/>
               </a:ext>
             </a:extLst>
           </p:cNvPr>
@@ -22581,7 +24243,7 @@
           <p:cNvPr id="16" name="직선 연결선 15">
             <a:extLst>
               <a:ext uri="{FF2B5EF4-FFF2-40B4-BE49-F238E27FC236}">
-                <a16:creationId xmlns:a16="http://schemas.microsoft.com/office/drawing/2014/main" id="{D98892A8-FEEB-4C5D-BA9A-0BD4DC8E9B58}"/>
+                <a16:creationId xmlns:a16="http://schemas.microsoft.com/office/drawing/2014/main" xmlns="" id="{D98892A8-FEEB-4C5D-BA9A-0BD4DC8E9B58}"/>
               </a:ext>
             </a:extLst>
           </p:cNvPr>
@@ -22683,7 +24345,7 @@
           <p:cNvPr id="15" name="텍스트 개체 틀 14">
             <a:extLst>
               <a:ext uri="{FF2B5EF4-FFF2-40B4-BE49-F238E27FC236}">
-                <a16:creationId xmlns:a16="http://schemas.microsoft.com/office/drawing/2014/main" id="{CAF4FA68-A32A-48BA-A282-B6F8B4204A68}"/>
+                <a16:creationId xmlns:a16="http://schemas.microsoft.com/office/drawing/2014/main" xmlns="" id="{CAF4FA68-A32A-48BA-A282-B6F8B4204A68}"/>
               </a:ext>
             </a:extLst>
           </p:cNvPr>
@@ -22723,7 +24385,7 @@
           <p:cNvPr id="3" name="TextBox 2">
             <a:extLst>
               <a:ext uri="{FF2B5EF4-FFF2-40B4-BE49-F238E27FC236}">
-                <a16:creationId xmlns:a16="http://schemas.microsoft.com/office/drawing/2014/main" id="{033A1199-8C73-4D79-93DD-D1728E4792A5}"/>
+                <a16:creationId xmlns:a16="http://schemas.microsoft.com/office/drawing/2014/main" xmlns="" id="{033A1199-8C73-4D79-93DD-D1728E4792A5}"/>
               </a:ext>
             </a:extLst>
           </p:cNvPr>
@@ -22822,7 +24484,7 @@
           <p:cNvPr id="10" name="직선 연결선 9">
             <a:extLst>
               <a:ext uri="{FF2B5EF4-FFF2-40B4-BE49-F238E27FC236}">
-                <a16:creationId xmlns:a16="http://schemas.microsoft.com/office/drawing/2014/main" id="{591B62C6-E22C-43C2-B05F-F78128BE5F55}"/>
+                <a16:creationId xmlns:a16="http://schemas.microsoft.com/office/drawing/2014/main" xmlns="" id="{591B62C6-E22C-43C2-B05F-F78128BE5F55}"/>
               </a:ext>
             </a:extLst>
           </p:cNvPr>
@@ -22863,7 +24525,7 @@
           <p:cNvPr id="16" name="직선 연결선 15">
             <a:extLst>
               <a:ext uri="{FF2B5EF4-FFF2-40B4-BE49-F238E27FC236}">
-                <a16:creationId xmlns:a16="http://schemas.microsoft.com/office/drawing/2014/main" id="{D98892A8-FEEB-4C5D-BA9A-0BD4DC8E9B58}"/>
+                <a16:creationId xmlns:a16="http://schemas.microsoft.com/office/drawing/2014/main" xmlns="" id="{D98892A8-FEEB-4C5D-BA9A-0BD4DC8E9B58}"/>
               </a:ext>
             </a:extLst>
           </p:cNvPr>
@@ -22904,7 +24566,7 @@
           <p:cNvPr id="8" name="TextBox 7">
             <a:extLst>
               <a:ext uri="{FF2B5EF4-FFF2-40B4-BE49-F238E27FC236}">
-                <a16:creationId xmlns:a16="http://schemas.microsoft.com/office/drawing/2014/main" id="{0646D858-BC7D-46D3-99E7-4D95CDDC219B}"/>
+                <a16:creationId xmlns:a16="http://schemas.microsoft.com/office/drawing/2014/main" xmlns="" id="{0646D858-BC7D-46D3-99E7-4D95CDDC219B}"/>
               </a:ext>
             </a:extLst>
           </p:cNvPr>
@@ -23060,7 +24722,7 @@
           <p:cNvPr id="15" name="텍스트 개체 틀 14">
             <a:extLst>
               <a:ext uri="{FF2B5EF4-FFF2-40B4-BE49-F238E27FC236}">
-                <a16:creationId xmlns:a16="http://schemas.microsoft.com/office/drawing/2014/main" id="{CAF4FA68-A32A-48BA-A282-B6F8B4204A68}"/>
+                <a16:creationId xmlns:a16="http://schemas.microsoft.com/office/drawing/2014/main" xmlns="" id="{CAF4FA68-A32A-48BA-A282-B6F8B4204A68}"/>
               </a:ext>
             </a:extLst>
           </p:cNvPr>
@@ -23105,7 +24767,7 @@
           <p:cNvPr id="2" name="TextBox 1">
             <a:extLst>
               <a:ext uri="{FF2B5EF4-FFF2-40B4-BE49-F238E27FC236}">
-                <a16:creationId xmlns:a16="http://schemas.microsoft.com/office/drawing/2014/main" id="{2735F4C6-24A3-422B-BD21-4912CC6010C9}"/>
+                <a16:creationId xmlns:a16="http://schemas.microsoft.com/office/drawing/2014/main" xmlns="" id="{2735F4C6-24A3-422B-BD21-4912CC6010C9}"/>
               </a:ext>
             </a:extLst>
           </p:cNvPr>
@@ -23141,7 +24803,7 @@
               <a:hlinkClick r:id="rId2">
                 <a:extLst>
                   <a:ext uri="{A12FA001-AC4F-418D-AE19-62706E023703}">
-                    <ahyp:hlinkClr xmlns:ahyp="http://schemas.microsoft.com/office/drawing/2018/hyperlinkcolor" val="tx"/>
+                    <ahyp:hlinkClr xmlns:ahyp="http://schemas.microsoft.com/office/drawing/2018/hyperlinkcolor" xmlns="" val="tx"/>
                   </a:ext>
                 </a:extLst>
               </a:hlinkClick>
@@ -23208,7 +24870,7 @@
           <p:cNvPr id="4" name="TextBox 3">
             <a:extLst>
               <a:ext uri="{FF2B5EF4-FFF2-40B4-BE49-F238E27FC236}">
-                <a16:creationId xmlns:a16="http://schemas.microsoft.com/office/drawing/2014/main" id="{A1CD6DEB-3865-48EF-A775-292EF3EDEAA8}"/>
+                <a16:creationId xmlns:a16="http://schemas.microsoft.com/office/drawing/2014/main" xmlns="" id="{A1CD6DEB-3865-48EF-A775-292EF3EDEAA8}"/>
               </a:ext>
             </a:extLst>
           </p:cNvPr>
@@ -23343,7 +25005,7 @@
           <p:cNvPr id="15" name="텍스트 개체 틀 14">
             <a:extLst>
               <a:ext uri="{FF2B5EF4-FFF2-40B4-BE49-F238E27FC236}">
-                <a16:creationId xmlns:a16="http://schemas.microsoft.com/office/drawing/2014/main" id="{CAF4FA68-A32A-48BA-A282-B6F8B4204A68}"/>
+                <a16:creationId xmlns:a16="http://schemas.microsoft.com/office/drawing/2014/main" xmlns="" id="{CAF4FA68-A32A-48BA-A282-B6F8B4204A68}"/>
               </a:ext>
             </a:extLst>
           </p:cNvPr>
@@ -23386,7 +25048,7 @@
           <p:cNvPr id="4" name="TextBox 3">
             <a:extLst>
               <a:ext uri="{FF2B5EF4-FFF2-40B4-BE49-F238E27FC236}">
-                <a16:creationId xmlns:a16="http://schemas.microsoft.com/office/drawing/2014/main" id="{1CA9442D-90B1-4B63-AE74-38D536392C66}"/>
+                <a16:creationId xmlns:a16="http://schemas.microsoft.com/office/drawing/2014/main" xmlns="" id="{1CA9442D-90B1-4B63-AE74-38D536392C66}"/>
               </a:ext>
             </a:extLst>
           </p:cNvPr>
@@ -23444,7 +25106,7 @@
           <p:cNvPr id="3" name="TextBox 2">
             <a:extLst>
               <a:ext uri="{FF2B5EF4-FFF2-40B4-BE49-F238E27FC236}">
-                <a16:creationId xmlns:a16="http://schemas.microsoft.com/office/drawing/2014/main" id="{C1589C83-98AF-4DFF-9134-556AA2B5B738}"/>
+                <a16:creationId xmlns:a16="http://schemas.microsoft.com/office/drawing/2014/main" xmlns="" id="{C1589C83-98AF-4DFF-9134-556AA2B5B738}"/>
               </a:ext>
             </a:extLst>
           </p:cNvPr>
@@ -23529,7 +25191,7 @@
           <p:cNvPr id="7" name="연결선: 꺾임 6">
             <a:extLst>
               <a:ext uri="{FF2B5EF4-FFF2-40B4-BE49-F238E27FC236}">
-                <a16:creationId xmlns:a16="http://schemas.microsoft.com/office/drawing/2014/main" id="{EA66ED29-3C47-4817-B3BC-564B6ACFC754}"/>
+                <a16:creationId xmlns:a16="http://schemas.microsoft.com/office/drawing/2014/main" xmlns="" id="{EA66ED29-3C47-4817-B3BC-564B6ACFC754}"/>
               </a:ext>
             </a:extLst>
           </p:cNvPr>
@@ -23683,7 +25345,7 @@
           <p:cNvPr id="15" name="텍스트 개체 틀 14">
             <a:extLst>
               <a:ext uri="{FF2B5EF4-FFF2-40B4-BE49-F238E27FC236}">
-                <a16:creationId xmlns:a16="http://schemas.microsoft.com/office/drawing/2014/main" id="{CAF4FA68-A32A-48BA-A282-B6F8B4204A68}"/>
+                <a16:creationId xmlns:a16="http://schemas.microsoft.com/office/drawing/2014/main" xmlns="" id="{CAF4FA68-A32A-48BA-A282-B6F8B4204A68}"/>
               </a:ext>
             </a:extLst>
           </p:cNvPr>
@@ -23726,7 +25388,7 @@
           <p:cNvPr id="2" name="TextBox 1">
             <a:extLst>
               <a:ext uri="{FF2B5EF4-FFF2-40B4-BE49-F238E27FC236}">
-                <a16:creationId xmlns:a16="http://schemas.microsoft.com/office/drawing/2014/main" id="{3F951E0C-13D0-4DD3-86EE-E963D6A54D23}"/>
+                <a16:creationId xmlns:a16="http://schemas.microsoft.com/office/drawing/2014/main" xmlns="" id="{3F951E0C-13D0-4DD3-86EE-E963D6A54D23}"/>
               </a:ext>
             </a:extLst>
           </p:cNvPr>
@@ -23775,7 +25437,7 @@
           <p:cNvPr id="7" name="TextBox 6">
             <a:extLst>
               <a:ext uri="{FF2B5EF4-FFF2-40B4-BE49-F238E27FC236}">
-                <a16:creationId xmlns:a16="http://schemas.microsoft.com/office/drawing/2014/main" id="{322A27CC-B66F-4173-B56C-318DAC8BB083}"/>
+                <a16:creationId xmlns:a16="http://schemas.microsoft.com/office/drawing/2014/main" xmlns="" id="{322A27CC-B66F-4173-B56C-318DAC8BB083}"/>
               </a:ext>
             </a:extLst>
           </p:cNvPr>
@@ -23903,7 +25565,7 @@
           <p:cNvPr id="15" name="텍스트 개체 틀 14">
             <a:extLst>
               <a:ext uri="{FF2B5EF4-FFF2-40B4-BE49-F238E27FC236}">
-                <a16:creationId xmlns:a16="http://schemas.microsoft.com/office/drawing/2014/main" id="{CAF4FA68-A32A-48BA-A282-B6F8B4204A68}"/>
+                <a16:creationId xmlns:a16="http://schemas.microsoft.com/office/drawing/2014/main" xmlns="" id="{CAF4FA68-A32A-48BA-A282-B6F8B4204A68}"/>
               </a:ext>
             </a:extLst>
           </p:cNvPr>
@@ -23946,7 +25608,7 @@
           <p:cNvPr id="2" name="TextBox 1">
             <a:extLst>
               <a:ext uri="{FF2B5EF4-FFF2-40B4-BE49-F238E27FC236}">
-                <a16:creationId xmlns:a16="http://schemas.microsoft.com/office/drawing/2014/main" id="{F7471358-BAC8-43DB-8BEF-245D866A6F0F}"/>
+                <a16:creationId xmlns:a16="http://schemas.microsoft.com/office/drawing/2014/main" xmlns="" id="{F7471358-BAC8-43DB-8BEF-245D866A6F0F}"/>
               </a:ext>
             </a:extLst>
           </p:cNvPr>
@@ -23955,8 +25617,8 @@
         </p:nvSpPr>
         <p:spPr>
           <a:xfrm>
-            <a:off x="1567869" y="2105561"/>
-            <a:ext cx="9582731" cy="1323439"/>
+            <a:off x="1567869" y="1797785"/>
+            <a:ext cx="9582731" cy="1938992"/>
           </a:xfrm>
           <a:prstGeom prst="rect">
             <a:avLst/>
@@ -23970,6 +25632,9 @@
           <a:lstStyle/>
           <a:p>
             <a:pPr marL="342900" indent="-342900">
+              <a:lnSpc>
+                <a:spcPct val="150000"/>
+              </a:lnSpc>
               <a:buFont typeface="Arial" panose="020B0604020202020204" pitchFamily="34" charset="0"/>
               <a:buChar char="•"/>
             </a:pPr>
@@ -23984,6 +25649,9 @@
           </a:p>
           <a:p>
             <a:pPr marL="342900" indent="-342900">
+              <a:lnSpc>
+                <a:spcPct val="150000"/>
+              </a:lnSpc>
               <a:buFont typeface="Arial" panose="020B0604020202020204" pitchFamily="34" charset="0"/>
               <a:buChar char="•"/>
             </a:pPr>
@@ -24034,7 +25702,7 @@
           <p:cNvPr id="3" name="제목 2">
             <a:extLst>
               <a:ext uri="{FF2B5EF4-FFF2-40B4-BE49-F238E27FC236}">
-                <a16:creationId xmlns:a16="http://schemas.microsoft.com/office/drawing/2014/main" id="{1C5F8442-7550-4994-AF8B-8044B3C4AE13}"/>
+                <a16:creationId xmlns:a16="http://schemas.microsoft.com/office/drawing/2014/main" xmlns="" id="{1C5F8442-7550-4994-AF8B-8044B3C4AE13}"/>
               </a:ext>
             </a:extLst>
           </p:cNvPr>
@@ -24114,7 +25782,7 @@
           <p:cNvPr id="15" name="텍스트 개체 틀 14">
             <a:extLst>
               <a:ext uri="{FF2B5EF4-FFF2-40B4-BE49-F238E27FC236}">
-                <a16:creationId xmlns:a16="http://schemas.microsoft.com/office/drawing/2014/main" id="{CAF4FA68-A32A-48BA-A282-B6F8B4204A68}"/>
+                <a16:creationId xmlns:a16="http://schemas.microsoft.com/office/drawing/2014/main" xmlns="" id="{CAF4FA68-A32A-48BA-A282-B6F8B4204A68}"/>
               </a:ext>
             </a:extLst>
           </p:cNvPr>
@@ -24149,7 +25817,7 @@
           <p:cNvPr id="2" name="TextBox 1">
             <a:extLst>
               <a:ext uri="{FF2B5EF4-FFF2-40B4-BE49-F238E27FC236}">
-                <a16:creationId xmlns:a16="http://schemas.microsoft.com/office/drawing/2014/main" id="{1BCD0BA6-CCB0-49F3-AA73-2AEEF5DEA27E}"/>
+                <a16:creationId xmlns:a16="http://schemas.microsoft.com/office/drawing/2014/main" xmlns="" id="{1BCD0BA6-CCB0-49F3-AA73-2AEEF5DEA27E}"/>
               </a:ext>
             </a:extLst>
           </p:cNvPr>
@@ -24185,7 +25853,7 @@
           <p:cNvPr id="4" name="직선 화살표 연결선 3">
             <a:extLst>
               <a:ext uri="{FF2B5EF4-FFF2-40B4-BE49-F238E27FC236}">
-                <a16:creationId xmlns:a16="http://schemas.microsoft.com/office/drawing/2014/main" id="{FBBED4B0-D233-4624-85AC-DAA7B0864182}"/>
+                <a16:creationId xmlns:a16="http://schemas.microsoft.com/office/drawing/2014/main" xmlns="" id="{FBBED4B0-D233-4624-85AC-DAA7B0864182}"/>
               </a:ext>
             </a:extLst>
           </p:cNvPr>
@@ -24227,7 +25895,7 @@
           <p:cNvPr id="7" name="TextBox 6">
             <a:extLst>
               <a:ext uri="{FF2B5EF4-FFF2-40B4-BE49-F238E27FC236}">
-                <a16:creationId xmlns:a16="http://schemas.microsoft.com/office/drawing/2014/main" id="{927C62F7-A865-4112-ABDD-60F46158C159}"/>
+                <a16:creationId xmlns:a16="http://schemas.microsoft.com/office/drawing/2014/main" xmlns="" id="{927C62F7-A865-4112-ABDD-60F46158C159}"/>
               </a:ext>
             </a:extLst>
           </p:cNvPr>
